--- a/전태준_C++프로젝트(201022).pptx
+++ b/전태준_C++프로젝트(201022).pptx
@@ -4687,7 +4687,7 @@
               <a:ea typeface="+mn-ea"/>
               <a:cs typeface="+mn-cs"/>
             </a:rPr>
-            <a:t>getSize</a:t>
+            <a:t>fileSize</a:t>
           </a:r>
           <a:endParaRPr lang="ko-KR" altLang="en-US" sz="1600" dirty="0">
             <a:solidFill>
@@ -4969,6 +4969,14 @@
         </dgm:presLayoutVars>
       </dgm:prSet>
       <dgm:spPr/>
+      <dgm:t>
+        <a:bodyPr/>
+        <a:lstStyle/>
+        <a:p>
+          <a:pPr latinLnBrk="1"/>
+          <a:endParaRPr lang="ko-KR" altLang="en-US"/>
+        </a:p>
+      </dgm:t>
     </dgm:pt>
     <dgm:pt modelId="{1458478E-4142-47D2-BD86-9AA84CB658BE}" type="pres">
       <dgm:prSet presAssocID="{7C3E535C-F900-4C41-8436-15520FB5D86A}" presName="rootConnector" presStyleLbl="node2" presStyleIdx="4" presStyleCnt="5"/>
@@ -7854,7 +7862,7 @@
               <a:ea typeface="+mn-ea"/>
               <a:cs typeface="+mn-cs"/>
             </a:rPr>
-            <a:t>getSize</a:t>
+            <a:t>fileSize</a:t>
           </a:r>
           <a:endParaRPr lang="ko-KR" altLang="en-US" sz="1600" kern="1200" dirty="0">
             <a:solidFill>
@@ -23240,7 +23248,7 @@
           <p:nvPr>
             <p:extLst>
               <p:ext uri="{D42A27DB-BD31-4B8C-83A1-F6EECF244321}">
-                <p14:modId xmlns:p14="http://schemas.microsoft.com/office/powerpoint/2010/main" val="3280142407"/>
+                <p14:modId xmlns:p14="http://schemas.microsoft.com/office/powerpoint/2010/main" val="1476134344"/>
               </p:ext>
             </p:extLst>
           </p:nvPr>
@@ -23390,7 +23398,7 @@
           <p:nvPr>
             <p:extLst>
               <p:ext uri="{D42A27DB-BD31-4B8C-83A1-F6EECF244321}">
-                <p14:modId xmlns:p14="http://schemas.microsoft.com/office/powerpoint/2010/main" val="665887001"/>
+                <p14:modId xmlns:p14="http://schemas.microsoft.com/office/powerpoint/2010/main" val="776612778"/>
               </p:ext>
             </p:extLst>
           </p:nvPr>
@@ -23883,7 +23891,7 @@
                           <a:ea typeface="+mn-ea"/>
                           <a:cs typeface="+mn-cs"/>
                         </a:rPr>
-                        <a:t>getSize</a:t>
+                        <a:t>fileSize</a:t>
                       </a:r>
                       <a:endParaRPr lang="ko-KR" altLang="en-US" dirty="0"/>
                     </a:p>

--- a/전태준_C++프로젝트(201022).pptx
+++ b/전태준_C++프로젝트(201022).pptx
@@ -31466,30 +31466,6 @@
           </a:prstGeom>
         </p:spPr>
       </p:pic>
-      <p:pic>
-        <p:nvPicPr>
-          <p:cNvPr id="6" name="그림 5"/>
-          <p:cNvPicPr>
-            <a:picLocks noChangeAspect="1"/>
-          </p:cNvPicPr>
-          <p:nvPr/>
-        </p:nvPicPr>
-        <p:blipFill>
-          <a:blip r:embed="rId4"/>
-          <a:stretch>
-            <a:fillRect/>
-          </a:stretch>
-        </p:blipFill>
-        <p:spPr>
-          <a:xfrm>
-            <a:off x="987551" y="4965411"/>
-            <a:ext cx="3638550" cy="1000125"/>
-          </a:xfrm>
-          <a:prstGeom prst="rect">
-            <a:avLst/>
-          </a:prstGeom>
-        </p:spPr>
-      </p:pic>
       <p:sp>
         <p:nvSpPr>
           <p:cNvPr id="7" name="TextBox 6"/>
@@ -31588,22 +31564,45 @@
       </p:sp>
       <p:pic>
         <p:nvPicPr>
-          <p:cNvPr id="9" name="그림 8"/>
+          <p:cNvPr id="10" name="그림 9"/>
           <p:cNvPicPr>
             <a:picLocks noChangeAspect="1"/>
           </p:cNvPicPr>
           <p:nvPr/>
         </p:nvPicPr>
         <p:blipFill>
-          <a:blip r:embed="rId5"/>
+          <a:blip r:embed="rId4"/>
           <a:stretch>
             <a:fillRect/>
           </a:stretch>
         </p:blipFill>
         <p:spPr>
           <a:xfrm>
-            <a:off x="4921250" y="5017798"/>
-            <a:ext cx="6450786" cy="659102"/>
+            <a:off x="981201" y="4921458"/>
+            <a:ext cx="3857625" cy="1219200"/>
+          </a:xfrm>
+          <a:prstGeom prst="rect">
+            <a:avLst/>
+          </a:prstGeom>
+        </p:spPr>
+      </p:pic>
+      <p:pic>
+        <p:nvPicPr>
+          <p:cNvPr id="11" name="그림 10"/>
+          <p:cNvPicPr>
+            <a:picLocks noChangeAspect="1"/>
+          </p:cNvPicPr>
+          <p:nvPr/>
+        </p:nvPicPr>
+        <p:blipFill rotWithShape="1">
+          <a:blip r:embed="rId5"/>
+          <a:srcRect t="-3806" r="58354" b="-1"/>
+          <a:stretch/>
+        </p:blipFill>
+        <p:spPr>
+          <a:xfrm>
+            <a:off x="5683037" y="5194881"/>
+            <a:ext cx="4916451" cy="850319"/>
           </a:xfrm>
           <a:prstGeom prst="rect">
             <a:avLst/>

--- a/전태준_C++프로젝트(201022).pptx
+++ b/전태준_C++프로젝트(201022).pptx
@@ -5,27 +5,26 @@
     <p:sldMasterId id="2147483838" r:id="rId1"/>
   </p:sldMasterIdLst>
   <p:notesMasterIdLst>
-    <p:notesMasterId r:id="rId20"/>
+    <p:notesMasterId r:id="rId19"/>
   </p:notesMasterIdLst>
   <p:sldIdLst>
     <p:sldId id="256" r:id="rId2"/>
     <p:sldId id="268" r:id="rId3"/>
     <p:sldId id="258" r:id="rId4"/>
-    <p:sldId id="262" r:id="rId5"/>
-    <p:sldId id="260" r:id="rId6"/>
-    <p:sldId id="261" r:id="rId7"/>
-    <p:sldId id="259" r:id="rId8"/>
-    <p:sldId id="269" r:id="rId9"/>
-    <p:sldId id="263" r:id="rId10"/>
-    <p:sldId id="264" r:id="rId11"/>
-    <p:sldId id="270" r:id="rId12"/>
-    <p:sldId id="271" r:id="rId13"/>
-    <p:sldId id="272" r:id="rId14"/>
-    <p:sldId id="273" r:id="rId15"/>
-    <p:sldId id="274" r:id="rId16"/>
-    <p:sldId id="275" r:id="rId17"/>
-    <p:sldId id="265" r:id="rId18"/>
-    <p:sldId id="266" r:id="rId19"/>
+    <p:sldId id="276" r:id="rId5"/>
+    <p:sldId id="277" r:id="rId6"/>
+    <p:sldId id="278" r:id="rId7"/>
+    <p:sldId id="262" r:id="rId8"/>
+    <p:sldId id="260" r:id="rId9"/>
+    <p:sldId id="261" r:id="rId10"/>
+    <p:sldId id="270" r:id="rId11"/>
+    <p:sldId id="271" r:id="rId12"/>
+    <p:sldId id="272" r:id="rId13"/>
+    <p:sldId id="273" r:id="rId14"/>
+    <p:sldId id="274" r:id="rId15"/>
+    <p:sldId id="275" r:id="rId16"/>
+    <p:sldId id="265" r:id="rId17"/>
+    <p:sldId id="266" r:id="rId18"/>
   </p:sldIdLst>
   <p:sldSz cx="12192000" cy="6858000"/>
   <p:notesSz cx="6858000" cy="9144000"/>
@@ -19402,7 +19401,7 @@
           <a:p>
             <a:fld id="{517AA78D-7A87-4BD4-83ED-2560B20189F9}" type="slidenum">
               <a:rPr lang="ko-KR" altLang="en-US" smtClean="0"/>
-              <a:t>4</a:t>
+              <a:t>7</a:t>
             </a:fld>
             <a:endParaRPr lang="ko-KR" altLang="en-US"/>
           </a:p>
@@ -23234,758 +23233,6 @@
           <a:lstStyle/>
           <a:p>
             <a:r>
-              <a:rPr kumimoji="1" lang="en-US" altLang="ko-KR" b="1" dirty="0"/>
-              <a:t>API  </a:t>
-            </a:r>
-            <a:r>
-              <a:rPr kumimoji="1" lang="ko-KR" altLang="en-US" b="1" dirty="0" err="1" smtClean="0"/>
-              <a:t>사용예제</a:t>
-            </a:r>
-            <a:endParaRPr kumimoji="1" lang="ko-KR" altLang="en-US" b="1" dirty="0"/>
-          </a:p>
-        </p:txBody>
-      </p:sp>
-      <p:sp>
-        <p:nvSpPr>
-          <p:cNvPr id="3" name="내용 개체 틀 2"/>
-          <p:cNvSpPr>
-            <a:spLocks noGrp="1"/>
-          </p:cNvSpPr>
-          <p:nvPr>
-            <p:ph idx="1"/>
-          </p:nvPr>
-        </p:nvSpPr>
-        <p:spPr/>
-        <p:txBody>
-          <a:bodyPr>
-            <a:normAutofit/>
-          </a:bodyPr>
-          <a:lstStyle/>
-          <a:p>
-            <a:pPr marL="0" indent="0">
-              <a:lnSpc>
-                <a:spcPct val="120000"/>
-              </a:lnSpc>
-              <a:buNone/>
-            </a:pPr>
-            <a:r>
-              <a:rPr lang="en-US" altLang="ko-KR" dirty="0" smtClean="0"/>
-              <a:t>main.cpp</a:t>
-            </a:r>
-            <a:r>
-              <a:rPr lang="ko-KR" altLang="en-US" dirty="0" smtClean="0"/>
-              <a:t>의 </a:t>
-            </a:r>
-            <a:r>
-              <a:rPr lang="en-US" altLang="ko-KR" dirty="0" smtClean="0"/>
-              <a:t>main</a:t>
-            </a:r>
-            <a:r>
-              <a:rPr lang="ko-KR" altLang="en-US" dirty="0" smtClean="0"/>
-              <a:t>함수를 앞의</a:t>
-            </a:r>
-            <a:r>
-              <a:rPr lang="en-US" altLang="ko-KR" dirty="0" smtClean="0"/>
-              <a:t> API </a:t>
-            </a:r>
-            <a:r>
-              <a:rPr lang="ko-KR" altLang="en-US" dirty="0" smtClean="0"/>
-              <a:t>사용법에 따라 다음과 같이 입력할 경우</a:t>
-            </a:r>
-            <a:r>
-              <a:rPr lang="en-US" altLang="ko-KR" dirty="0" smtClean="0"/>
-              <a:t>.</a:t>
-            </a:r>
-          </a:p>
-          <a:p>
-            <a:pPr marL="806958" lvl="1" indent="-514350">
-              <a:lnSpc>
-                <a:spcPct val="120000"/>
-              </a:lnSpc>
-              <a:buAutoNum type="arabicPeriod"/>
-            </a:pPr>
-            <a:endParaRPr lang="en-US" altLang="ko-KR" dirty="0" smtClean="0"/>
-          </a:p>
-        </p:txBody>
-      </p:sp>
-      <p:pic>
-        <p:nvPicPr>
-          <p:cNvPr id="4" name="그림 3"/>
-          <p:cNvPicPr>
-            <a:picLocks noChangeAspect="1"/>
-          </p:cNvPicPr>
-          <p:nvPr/>
-        </p:nvPicPr>
-        <p:blipFill>
-          <a:blip r:embed="rId2"/>
-          <a:stretch>
-            <a:fillRect/>
-          </a:stretch>
-        </p:blipFill>
-        <p:spPr>
-          <a:xfrm>
-            <a:off x="1568385" y="2298002"/>
-            <a:ext cx="4953715" cy="2713070"/>
-          </a:xfrm>
-          <a:prstGeom prst="rect">
-            <a:avLst/>
-          </a:prstGeom>
-        </p:spPr>
-      </p:pic>
-      <p:cxnSp>
-        <p:nvCxnSpPr>
-          <p:cNvPr id="10" name="직선 화살표 연결선 9"/>
-          <p:cNvCxnSpPr/>
-          <p:nvPr/>
-        </p:nvCxnSpPr>
-        <p:spPr>
-          <a:xfrm flipH="1">
-            <a:off x="2025929" y="4165706"/>
-            <a:ext cx="223350" cy="516089"/>
-          </a:xfrm>
-          <a:prstGeom prst="straightConnector1">
-            <a:avLst/>
-          </a:prstGeom>
-          <a:ln w="57150">
-            <a:solidFill>
-              <a:srgbClr val="0070C0"/>
-            </a:solidFill>
-            <a:tailEnd type="triangle"/>
-          </a:ln>
-        </p:spPr>
-        <p:style>
-          <a:lnRef idx="1">
-            <a:schemeClr val="accent1"/>
-          </a:lnRef>
-          <a:fillRef idx="0">
-            <a:schemeClr val="accent1"/>
-          </a:fillRef>
-          <a:effectRef idx="0">
-            <a:schemeClr val="accent1"/>
-          </a:effectRef>
-          <a:fontRef idx="minor">
-            <a:schemeClr val="tx1"/>
-          </a:fontRef>
-        </p:style>
-      </p:cxnSp>
-      <p:sp>
-        <p:nvSpPr>
-          <p:cNvPr id="11" name="TextBox 10"/>
-          <p:cNvSpPr txBox="1"/>
-          <p:nvPr/>
-        </p:nvSpPr>
-        <p:spPr>
-          <a:xfrm>
-            <a:off x="5994514" y="3525840"/>
-            <a:ext cx="5229252" cy="307777"/>
-          </a:xfrm>
-          <a:prstGeom prst="rect">
-            <a:avLst/>
-          </a:prstGeom>
-          <a:noFill/>
-        </p:spPr>
-        <p:txBody>
-          <a:bodyPr wrap="none" rtlCol="0">
-            <a:spAutoFit/>
-          </a:bodyPr>
-          <a:lstStyle/>
-          <a:p>
-            <a:r>
-              <a:rPr lang="ko-KR" altLang="en-US" sz="1400" dirty="0" smtClean="0"/>
-              <a:t>소스코드 폴더 하위 폴더 </a:t>
-            </a:r>
-            <a:r>
-              <a:rPr lang="en-US" altLang="ko-KR" sz="1400" dirty="0" smtClean="0"/>
-              <a:t>LOG</a:t>
-            </a:r>
-            <a:r>
-              <a:rPr lang="ko-KR" altLang="en-US" sz="1400" dirty="0" smtClean="0"/>
-              <a:t>에 </a:t>
-            </a:r>
-            <a:r>
-              <a:rPr lang="en-US" altLang="ko-KR" sz="1400" dirty="0" smtClean="0"/>
-              <a:t>DEBUG</a:t>
-            </a:r>
-            <a:r>
-              <a:rPr lang="ko-KR" altLang="en-US" sz="1400" dirty="0" smtClean="0"/>
-              <a:t>와 </a:t>
-            </a:r>
-            <a:r>
-              <a:rPr lang="en-US" altLang="ko-KR" sz="1400" dirty="0" smtClean="0"/>
-              <a:t>ERROR LOG </a:t>
-            </a:r>
-            <a:r>
-              <a:rPr lang="ko-KR" altLang="en-US" sz="1400" dirty="0" smtClean="0"/>
-              <a:t>파일 생성됨</a:t>
-            </a:r>
-            <a:endParaRPr lang="ko-KR" altLang="en-US" sz="1400" dirty="0"/>
-          </a:p>
-        </p:txBody>
-      </p:sp>
-      <p:sp>
-        <p:nvSpPr>
-          <p:cNvPr id="13" name="직사각형 12"/>
-          <p:cNvSpPr/>
-          <p:nvPr/>
-        </p:nvSpPr>
-        <p:spPr>
-          <a:xfrm>
-            <a:off x="2239732" y="3990356"/>
-            <a:ext cx="3754781" cy="201519"/>
-          </a:xfrm>
-          <a:prstGeom prst="rect">
-            <a:avLst/>
-          </a:prstGeom>
-          <a:noFill/>
-          <a:ln w="38100">
-            <a:solidFill>
-              <a:srgbClr val="0070C0"/>
-            </a:solidFill>
-          </a:ln>
-        </p:spPr>
-        <p:style>
-          <a:lnRef idx="2">
-            <a:schemeClr val="accent1">
-              <a:shade val="50000"/>
-            </a:schemeClr>
-          </a:lnRef>
-          <a:fillRef idx="1">
-            <a:schemeClr val="accent1"/>
-          </a:fillRef>
-          <a:effectRef idx="0">
-            <a:schemeClr val="accent1"/>
-          </a:effectRef>
-          <a:fontRef idx="minor">
-            <a:schemeClr val="lt1"/>
-          </a:fontRef>
-        </p:style>
-        <p:txBody>
-          <a:bodyPr rtlCol="0" anchor="ctr"/>
-          <a:lstStyle/>
-          <a:p>
-            <a:pPr algn="ctr"/>
-            <a:endParaRPr lang="ko-KR" altLang="en-US"/>
-          </a:p>
-        </p:txBody>
-      </p:sp>
-      <p:sp>
-        <p:nvSpPr>
-          <p:cNvPr id="14" name="직사각형 13"/>
-          <p:cNvSpPr/>
-          <p:nvPr/>
-        </p:nvSpPr>
-        <p:spPr>
-          <a:xfrm>
-            <a:off x="2216560" y="3679729"/>
-            <a:ext cx="3690464" cy="311475"/>
-          </a:xfrm>
-          <a:prstGeom prst="rect">
-            <a:avLst/>
-          </a:prstGeom>
-          <a:noFill/>
-          <a:ln>
-            <a:solidFill>
-              <a:srgbClr val="FF0000"/>
-            </a:solidFill>
-          </a:ln>
-        </p:spPr>
-        <p:style>
-          <a:lnRef idx="2">
-            <a:schemeClr val="accent1">
-              <a:shade val="50000"/>
-            </a:schemeClr>
-          </a:lnRef>
-          <a:fillRef idx="1">
-            <a:schemeClr val="accent1"/>
-          </a:fillRef>
-          <a:effectRef idx="0">
-            <a:schemeClr val="accent1"/>
-          </a:effectRef>
-          <a:fontRef idx="minor">
-            <a:schemeClr val="lt1"/>
-          </a:fontRef>
-        </p:style>
-        <p:txBody>
-          <a:bodyPr rtlCol="0" anchor="ctr"/>
-          <a:lstStyle/>
-          <a:p>
-            <a:pPr algn="ctr"/>
-            <a:endParaRPr lang="ko-KR" altLang="en-US"/>
-          </a:p>
-        </p:txBody>
-      </p:sp>
-      <p:cxnSp>
-        <p:nvCxnSpPr>
-          <p:cNvPr id="16" name="직선 화살표 연결선 15"/>
-          <p:cNvCxnSpPr/>
-          <p:nvPr/>
-        </p:nvCxnSpPr>
-        <p:spPr>
-          <a:xfrm flipV="1">
-            <a:off x="5953371" y="4343359"/>
-            <a:ext cx="1860867" cy="31870"/>
-          </a:xfrm>
-          <a:prstGeom prst="straightConnector1">
-            <a:avLst/>
-          </a:prstGeom>
-          <a:ln w="57150">
-            <a:solidFill>
-              <a:srgbClr val="FF0000"/>
-            </a:solidFill>
-            <a:tailEnd type="triangle"/>
-          </a:ln>
-        </p:spPr>
-        <p:style>
-          <a:lnRef idx="1">
-            <a:schemeClr val="accent1"/>
-          </a:lnRef>
-          <a:fillRef idx="0">
-            <a:schemeClr val="accent1"/>
-          </a:fillRef>
-          <a:effectRef idx="0">
-            <a:schemeClr val="accent1"/>
-          </a:effectRef>
-          <a:fontRef idx="minor">
-            <a:schemeClr val="tx1"/>
-          </a:fontRef>
-        </p:style>
-      </p:cxnSp>
-      <p:cxnSp>
-        <p:nvCxnSpPr>
-          <p:cNvPr id="21" name="직선 화살표 연결선 20"/>
-          <p:cNvCxnSpPr/>
-          <p:nvPr/>
-        </p:nvCxnSpPr>
-        <p:spPr>
-          <a:xfrm>
-            <a:off x="9025128" y="4495887"/>
-            <a:ext cx="585216" cy="597321"/>
-          </a:xfrm>
-          <a:prstGeom prst="straightConnector1">
-            <a:avLst/>
-          </a:prstGeom>
-          <a:ln w="3175">
-            <a:solidFill>
-              <a:srgbClr val="0070C0"/>
-            </a:solidFill>
-            <a:tailEnd type="triangle"/>
-          </a:ln>
-        </p:spPr>
-        <p:style>
-          <a:lnRef idx="1">
-            <a:schemeClr val="accent1"/>
-          </a:lnRef>
-          <a:fillRef idx="0">
-            <a:schemeClr val="accent1"/>
-          </a:fillRef>
-          <a:effectRef idx="0">
-            <a:schemeClr val="accent1"/>
-          </a:effectRef>
-          <a:fontRef idx="minor">
-            <a:schemeClr val="tx1"/>
-          </a:fontRef>
-        </p:style>
-      </p:cxnSp>
-      <p:sp>
-        <p:nvSpPr>
-          <p:cNvPr id="15" name="직사각형 14"/>
-          <p:cNvSpPr/>
-          <p:nvPr/>
-        </p:nvSpPr>
-        <p:spPr>
-          <a:xfrm>
-            <a:off x="2239733" y="4214566"/>
-            <a:ext cx="3690464" cy="311475"/>
-          </a:xfrm>
-          <a:prstGeom prst="rect">
-            <a:avLst/>
-          </a:prstGeom>
-          <a:noFill/>
-          <a:ln>
-            <a:solidFill>
-              <a:srgbClr val="FF0000"/>
-            </a:solidFill>
-          </a:ln>
-        </p:spPr>
-        <p:style>
-          <a:lnRef idx="2">
-            <a:schemeClr val="accent1">
-              <a:shade val="50000"/>
-            </a:schemeClr>
-          </a:lnRef>
-          <a:fillRef idx="1">
-            <a:schemeClr val="accent1"/>
-          </a:fillRef>
-          <a:effectRef idx="0">
-            <a:schemeClr val="accent1"/>
-          </a:effectRef>
-          <a:fontRef idx="minor">
-            <a:schemeClr val="lt1"/>
-          </a:fontRef>
-        </p:style>
-        <p:txBody>
-          <a:bodyPr rtlCol="0" anchor="ctr"/>
-          <a:lstStyle/>
-          <a:p>
-            <a:pPr algn="ctr"/>
-            <a:endParaRPr lang="ko-KR" altLang="en-US"/>
-          </a:p>
-        </p:txBody>
-      </p:sp>
-      <p:cxnSp>
-        <p:nvCxnSpPr>
-          <p:cNvPr id="17" name="직선 화살표 연결선 16"/>
-          <p:cNvCxnSpPr/>
-          <p:nvPr/>
-        </p:nvCxnSpPr>
-        <p:spPr>
-          <a:xfrm>
-            <a:off x="5930197" y="3797502"/>
-            <a:ext cx="1884041" cy="340193"/>
-          </a:xfrm>
-          <a:prstGeom prst="straightConnector1">
-            <a:avLst/>
-          </a:prstGeom>
-          <a:ln w="57150">
-            <a:solidFill>
-              <a:srgbClr val="FF0000"/>
-            </a:solidFill>
-            <a:tailEnd type="triangle"/>
-          </a:ln>
-        </p:spPr>
-        <p:style>
-          <a:lnRef idx="1">
-            <a:schemeClr val="accent1"/>
-          </a:lnRef>
-          <a:fillRef idx="0">
-            <a:schemeClr val="accent1"/>
-          </a:fillRef>
-          <a:effectRef idx="0">
-            <a:schemeClr val="accent1"/>
-          </a:effectRef>
-          <a:fontRef idx="minor">
-            <a:schemeClr val="tx1"/>
-          </a:fontRef>
-        </p:style>
-      </p:cxnSp>
-      <p:pic>
-        <p:nvPicPr>
-          <p:cNvPr id="22" name="그림 21"/>
-          <p:cNvPicPr>
-            <a:picLocks noChangeAspect="1"/>
-          </p:cNvPicPr>
-          <p:nvPr/>
-        </p:nvPicPr>
-        <p:blipFill>
-          <a:blip r:embed="rId3"/>
-          <a:stretch>
-            <a:fillRect/>
-          </a:stretch>
-        </p:blipFill>
-        <p:spPr>
-          <a:xfrm>
-            <a:off x="7950410" y="3856547"/>
-            <a:ext cx="4225640" cy="646482"/>
-          </a:xfrm>
-          <a:prstGeom prst="rect">
-            <a:avLst/>
-          </a:prstGeom>
-        </p:spPr>
-      </p:pic>
-      <p:pic>
-        <p:nvPicPr>
-          <p:cNvPr id="26" name="그림 25"/>
-          <p:cNvPicPr>
-            <a:picLocks noChangeAspect="1"/>
-          </p:cNvPicPr>
-          <p:nvPr/>
-        </p:nvPicPr>
-        <p:blipFill>
-          <a:blip r:embed="rId4"/>
-          <a:stretch>
-            <a:fillRect/>
-          </a:stretch>
-        </p:blipFill>
-        <p:spPr>
-          <a:xfrm>
-            <a:off x="5578031" y="5211743"/>
-            <a:ext cx="3108770" cy="724241"/>
-          </a:xfrm>
-          <a:prstGeom prst="rect">
-            <a:avLst/>
-          </a:prstGeom>
-        </p:spPr>
-      </p:pic>
-      <p:pic>
-        <p:nvPicPr>
-          <p:cNvPr id="27" name="그림 26"/>
-          <p:cNvPicPr>
-            <a:picLocks noChangeAspect="1"/>
-          </p:cNvPicPr>
-          <p:nvPr/>
-        </p:nvPicPr>
-        <p:blipFill>
-          <a:blip r:embed="rId5"/>
-          <a:stretch>
-            <a:fillRect/>
-          </a:stretch>
-        </p:blipFill>
-        <p:spPr>
-          <a:xfrm>
-            <a:off x="8909448" y="5173200"/>
-            <a:ext cx="3080781" cy="771903"/>
-          </a:xfrm>
-          <a:prstGeom prst="rect">
-            <a:avLst/>
-          </a:prstGeom>
-        </p:spPr>
-      </p:pic>
-      <p:cxnSp>
-        <p:nvCxnSpPr>
-          <p:cNvPr id="29" name="직선 화살표 연결선 28"/>
-          <p:cNvCxnSpPr/>
-          <p:nvPr/>
-        </p:nvCxnSpPr>
-        <p:spPr>
-          <a:xfrm flipH="1">
-            <a:off x="7132416" y="4380371"/>
-            <a:ext cx="873936" cy="675541"/>
-          </a:xfrm>
-          <a:prstGeom prst="straightConnector1">
-            <a:avLst/>
-          </a:prstGeom>
-          <a:ln w="6350">
-            <a:solidFill>
-              <a:srgbClr val="FF0000"/>
-            </a:solidFill>
-            <a:tailEnd type="triangle"/>
-          </a:ln>
-        </p:spPr>
-        <p:style>
-          <a:lnRef idx="1">
-            <a:schemeClr val="accent1"/>
-          </a:lnRef>
-          <a:fillRef idx="0">
-            <a:schemeClr val="accent1"/>
-          </a:fillRef>
-          <a:effectRef idx="0">
-            <a:schemeClr val="accent1"/>
-          </a:effectRef>
-          <a:fontRef idx="minor">
-            <a:schemeClr val="tx1"/>
-          </a:fontRef>
-        </p:style>
-      </p:cxnSp>
-      <p:cxnSp>
-        <p:nvCxnSpPr>
-          <p:cNvPr id="32" name="직선 연결선 31"/>
-          <p:cNvCxnSpPr/>
-          <p:nvPr/>
-        </p:nvCxnSpPr>
-        <p:spPr>
-          <a:xfrm>
-            <a:off x="7960632" y="4352939"/>
-            <a:ext cx="1304916" cy="0"/>
-          </a:xfrm>
-          <a:prstGeom prst="line">
-            <a:avLst/>
-          </a:prstGeom>
-        </p:spPr>
-        <p:style>
-          <a:lnRef idx="1">
-            <a:schemeClr val="accent1"/>
-          </a:lnRef>
-          <a:fillRef idx="0">
-            <a:schemeClr val="accent1"/>
-          </a:fillRef>
-          <a:effectRef idx="0">
-            <a:schemeClr val="accent1"/>
-          </a:effectRef>
-          <a:fontRef idx="minor">
-            <a:schemeClr val="tx1"/>
-          </a:fontRef>
-        </p:style>
-      </p:cxnSp>
-      <p:cxnSp>
-        <p:nvCxnSpPr>
-          <p:cNvPr id="33" name="직선 연결선 32"/>
-          <p:cNvCxnSpPr/>
-          <p:nvPr/>
-        </p:nvCxnSpPr>
-        <p:spPr>
-          <a:xfrm>
-            <a:off x="8006352" y="4475992"/>
-            <a:ext cx="1304916" cy="0"/>
-          </a:xfrm>
-          <a:prstGeom prst="line">
-            <a:avLst/>
-          </a:prstGeom>
-          <a:ln>
-            <a:solidFill>
-              <a:srgbClr val="0070C0"/>
-            </a:solidFill>
-          </a:ln>
-        </p:spPr>
-        <p:style>
-          <a:lnRef idx="1">
-            <a:schemeClr val="accent1"/>
-          </a:lnRef>
-          <a:fillRef idx="0">
-            <a:schemeClr val="accent1"/>
-          </a:fillRef>
-          <a:effectRef idx="0">
-            <a:schemeClr val="accent1"/>
-          </a:effectRef>
-          <a:fontRef idx="minor">
-            <a:schemeClr val="tx1"/>
-          </a:fontRef>
-        </p:style>
-      </p:cxnSp>
-      <p:pic>
-        <p:nvPicPr>
-          <p:cNvPr id="36" name="그림 35"/>
-          <p:cNvPicPr>
-            <a:picLocks noChangeAspect="1"/>
-          </p:cNvPicPr>
-          <p:nvPr/>
-        </p:nvPicPr>
-        <p:blipFill>
-          <a:blip r:embed="rId6"/>
-          <a:stretch>
-            <a:fillRect/>
-          </a:stretch>
-        </p:blipFill>
-        <p:spPr>
-          <a:xfrm>
-            <a:off x="454262" y="4717576"/>
-            <a:ext cx="4112511" cy="651040"/>
-          </a:xfrm>
-          <a:prstGeom prst="rect">
-            <a:avLst/>
-          </a:prstGeom>
-        </p:spPr>
-      </p:pic>
-      <p:pic>
-        <p:nvPicPr>
-          <p:cNvPr id="37" name="그림 36"/>
-          <p:cNvPicPr>
-            <a:picLocks noChangeAspect="1"/>
-          </p:cNvPicPr>
-          <p:nvPr/>
-        </p:nvPicPr>
-        <p:blipFill>
-          <a:blip r:embed="rId7"/>
-          <a:stretch>
-            <a:fillRect/>
-          </a:stretch>
-        </p:blipFill>
-        <p:spPr>
-          <a:xfrm>
-            <a:off x="614413" y="5430731"/>
-            <a:ext cx="3692380" cy="848823"/>
-          </a:xfrm>
-          <a:prstGeom prst="rect">
-            <a:avLst/>
-          </a:prstGeom>
-        </p:spPr>
-      </p:pic>
-      <p:sp>
-        <p:nvSpPr>
-          <p:cNvPr id="39" name="TextBox 38"/>
-          <p:cNvSpPr txBox="1"/>
-          <p:nvPr/>
-        </p:nvSpPr>
-        <p:spPr>
-          <a:xfrm>
-            <a:off x="788250" y="3740816"/>
-            <a:ext cx="1142452" cy="954107"/>
-          </a:xfrm>
-          <a:prstGeom prst="rect">
-            <a:avLst/>
-          </a:prstGeom>
-          <a:noFill/>
-        </p:spPr>
-        <p:txBody>
-          <a:bodyPr wrap="square" rtlCol="0">
-            <a:spAutoFit/>
-          </a:bodyPr>
-          <a:lstStyle/>
-          <a:p>
-            <a:r>
-              <a:rPr lang="en-US" altLang="ko-KR" sz="1400" dirty="0" smtClean="0"/>
-              <a:t>D:\Log </a:t>
-            </a:r>
-            <a:r>
-              <a:rPr lang="ko-KR" altLang="en-US" sz="1400" dirty="0" smtClean="0"/>
-              <a:t>폴더에 </a:t>
-            </a:r>
-            <a:r>
-              <a:rPr lang="en-US" altLang="ko-KR" sz="1400" dirty="0" smtClean="0"/>
-              <a:t>WARN log </a:t>
-            </a:r>
-            <a:r>
-              <a:rPr lang="ko-KR" altLang="en-US" sz="1400" dirty="0" smtClean="0"/>
-              <a:t>생성됨</a:t>
-            </a:r>
-            <a:endParaRPr lang="ko-KR" altLang="en-US" sz="1400" dirty="0"/>
-          </a:p>
-        </p:txBody>
-      </p:sp>
-    </p:spTree>
-    <p:extLst>
-      <p:ext uri="{BB962C8B-B14F-4D97-AF65-F5344CB8AC3E}">
-        <p14:creationId xmlns:p14="http://schemas.microsoft.com/office/powerpoint/2010/main" val="2945716694"/>
-      </p:ext>
-    </p:extLst>
-  </p:cSld>
-  <p:clrMapOvr>
-    <a:masterClrMapping/>
-  </p:clrMapOvr>
-  <p:timing>
-    <p:tnLst>
-      <p:par>
-        <p:cTn id="1" dur="indefinite" restart="never" nodeType="tmRoot"/>
-      </p:par>
-    </p:tnLst>
-  </p:timing>
-</p:sld>
-</file>
-
-<file path=ppt/slides/slide11.xml><?xml version="1.0" encoding="utf-8"?>
-<p:sld xmlns:a="http://schemas.openxmlformats.org/drawingml/2006/main" xmlns:r="http://schemas.openxmlformats.org/officeDocument/2006/relationships" xmlns:p="http://schemas.openxmlformats.org/presentationml/2006/main">
-  <p:cSld>
-    <p:spTree>
-      <p:nvGrpSpPr>
-        <p:cNvPr id="1" name=""/>
-        <p:cNvGrpSpPr/>
-        <p:nvPr/>
-      </p:nvGrpSpPr>
-      <p:grpSpPr>
-        <a:xfrm>
-          <a:off x="0" y="0"/>
-          <a:ext cx="0" cy="0"/>
-          <a:chOff x="0" y="0"/>
-          <a:chExt cx="0" cy="0"/>
-        </a:xfrm>
-      </p:grpSpPr>
-      <p:sp>
-        <p:nvSpPr>
-          <p:cNvPr id="2" name="제목 1"/>
-          <p:cNvSpPr>
-            <a:spLocks noGrp="1"/>
-          </p:cNvSpPr>
-          <p:nvPr>
-            <p:ph type="title"/>
-          </p:nvPr>
-        </p:nvSpPr>
-        <p:spPr/>
-        <p:txBody>
-          <a:bodyPr>
-            <a:normAutofit/>
-          </a:bodyPr>
-          <a:lstStyle/>
-          <a:p>
-            <a:r>
               <a:rPr kumimoji="1" lang="ko-Kore-KR" altLang="en-US" sz="4400" b="1" dirty="0"/>
               <a:t>로깅</a:t>
             </a:r>
@@ -24781,7 +24028,7 @@
 </p:sld>
 </file>
 
-<file path=ppt/slides/slide12.xml><?xml version="1.0" encoding="utf-8"?>
+<file path=ppt/slides/slide11.xml><?xml version="1.0" encoding="utf-8"?>
 <p:sld xmlns:a="http://schemas.openxmlformats.org/drawingml/2006/main" xmlns:r="http://schemas.openxmlformats.org/officeDocument/2006/relationships" xmlns:p="http://schemas.openxmlformats.org/presentationml/2006/main">
   <p:cSld>
     <p:spTree>
@@ -25362,7 +24609,7 @@
 </p:sld>
 </file>
 
-<file path=ppt/slides/slide13.xml><?xml version="1.0" encoding="utf-8"?>
+<file path=ppt/slides/slide12.xml><?xml version="1.0" encoding="utf-8"?>
 <p:sld xmlns:a="http://schemas.openxmlformats.org/drawingml/2006/main" xmlns:r="http://schemas.openxmlformats.org/officeDocument/2006/relationships" xmlns:p="http://schemas.openxmlformats.org/presentationml/2006/main">
   <p:cSld>
     <p:spTree>
@@ -25800,7 +25047,7 @@
 </p:sld>
 </file>
 
-<file path=ppt/slides/slide14.xml><?xml version="1.0" encoding="utf-8"?>
+<file path=ppt/slides/slide13.xml><?xml version="1.0" encoding="utf-8"?>
 <p:sld xmlns:a="http://schemas.openxmlformats.org/drawingml/2006/main" xmlns:r="http://schemas.openxmlformats.org/officeDocument/2006/relationships" xmlns:p="http://schemas.openxmlformats.org/presentationml/2006/main">
   <p:cSld>
     <p:spTree>
@@ -26394,7 +25641,7 @@
 </p:sld>
 </file>
 
-<file path=ppt/slides/slide15.xml><?xml version="1.0" encoding="utf-8"?>
+<file path=ppt/slides/slide14.xml><?xml version="1.0" encoding="utf-8"?>
 <p:sld xmlns:a="http://schemas.openxmlformats.org/drawingml/2006/main" xmlns:r="http://schemas.openxmlformats.org/officeDocument/2006/relationships" xmlns:p="http://schemas.openxmlformats.org/presentationml/2006/main">
   <p:cSld>
     <p:spTree>
@@ -26878,7 +26125,7 @@
 </p:sld>
 </file>
 
-<file path=ppt/slides/slide16.xml><?xml version="1.0" encoding="utf-8"?>
+<file path=ppt/slides/slide15.xml><?xml version="1.0" encoding="utf-8"?>
 <p:sld xmlns:a="http://schemas.openxmlformats.org/drawingml/2006/main" xmlns:r="http://schemas.openxmlformats.org/officeDocument/2006/relationships" xmlns:p="http://schemas.openxmlformats.org/presentationml/2006/main">
   <p:cSld>
     <p:spTree>
@@ -27390,7 +26637,7 @@
 </p:sld>
 </file>
 
-<file path=ppt/slides/slide17.xml><?xml version="1.0" encoding="utf-8"?>
+<file path=ppt/slides/slide16.xml><?xml version="1.0" encoding="utf-8"?>
 <p:sld xmlns:a="http://schemas.openxmlformats.org/drawingml/2006/main" xmlns:r="http://schemas.openxmlformats.org/officeDocument/2006/relationships" xmlns:p="http://schemas.openxmlformats.org/presentationml/2006/main">
   <p:cSld>
     <p:spTree>
@@ -27688,7 +26935,7 @@
 </p:sld>
 </file>
 
-<file path=ppt/slides/slide18.xml><?xml version="1.0" encoding="utf-8"?>
+<file path=ppt/slides/slide17.xml><?xml version="1.0" encoding="utf-8"?>
 <p:sld xmlns:a="http://schemas.openxmlformats.org/drawingml/2006/main" xmlns:r="http://schemas.openxmlformats.org/officeDocument/2006/relationships" xmlns:p="http://schemas.openxmlformats.org/presentationml/2006/main">
   <p:cSld>
     <p:spTree>
@@ -27958,29 +27205,11 @@
               <a:buChar char="v"/>
             </a:pPr>
             <a:r>
-              <a:rPr kumimoji="1" lang="ko-KR" altLang="en-US" b="1" dirty="0"/>
-              <a:t>클래스 </a:t>
-            </a:r>
-            <a:r>
-              <a:rPr kumimoji="1" lang="ko-KR" altLang="en-US" b="1" dirty="0" smtClean="0"/>
-              <a:t>구성</a:t>
-            </a:r>
-            <a:endParaRPr kumimoji="1" lang="en-US" altLang="ko-KR" b="1" dirty="0"/>
-          </a:p>
-          <a:p>
-            <a:pPr>
-              <a:lnSpc>
-                <a:spcPct val="150000"/>
-              </a:lnSpc>
-              <a:buFont typeface="Wingdings" panose="05000000000000000000" pitchFamily="2" charset="2"/>
-              <a:buChar char="v"/>
-            </a:pPr>
-            <a:r>
               <a:rPr kumimoji="1" lang="en-US" altLang="ko-KR" b="1" dirty="0"/>
               <a:t>API  </a:t>
             </a:r>
             <a:r>
-              <a:rPr kumimoji="1" lang="ko-KR" altLang="en-US" b="1" dirty="0" smtClean="0"/>
+              <a:rPr kumimoji="1" lang="ko-KR" altLang="en-US" b="1" dirty="0"/>
               <a:t>사용방법</a:t>
             </a:r>
             <a:endParaRPr kumimoji="1" lang="en-US" altLang="ko-KR" b="1" dirty="0"/>
@@ -27998,10 +27227,10 @@
               <a:t>API  </a:t>
             </a:r>
             <a:r>
-              <a:rPr kumimoji="1" lang="ko-KR" altLang="en-US" b="1" dirty="0" err="1" smtClean="0"/>
+              <a:rPr kumimoji="1" lang="ko-KR" altLang="en-US" b="1" dirty="0" err="1"/>
               <a:t>사용예제</a:t>
             </a:r>
-            <a:endParaRPr kumimoji="1" lang="en-US" altLang="ko-KR" b="1" dirty="0" smtClean="0"/>
+            <a:endParaRPr kumimoji="1" lang="en-US" altLang="ko-KR" b="1" dirty="0"/>
           </a:p>
           <a:p>
             <a:pPr>
@@ -28012,12 +27241,30 @@
               <a:buChar char="v"/>
             </a:pPr>
             <a:r>
-              <a:rPr kumimoji="1" lang="ko-Kore-KR" altLang="en-US" b="1" dirty="0"/>
+              <a:rPr kumimoji="1" lang="ko-KR" altLang="en-US" b="1" dirty="0" smtClean="0"/>
+              <a:t>클래스 구성</a:t>
+            </a:r>
+            <a:endParaRPr kumimoji="1" lang="en-US" altLang="ko-KR" b="1" dirty="0"/>
+          </a:p>
+          <a:p>
+            <a:pPr>
+              <a:lnSpc>
+                <a:spcPct val="150000"/>
+              </a:lnSpc>
+              <a:buFont typeface="Wingdings" panose="05000000000000000000" pitchFamily="2" charset="2"/>
+              <a:buChar char="v"/>
+            </a:pPr>
+            <a:r>
+              <a:rPr kumimoji="1" lang="ko-Kore-KR" altLang="en-US" b="1" dirty="0" smtClean="0"/>
               <a:t>로깅</a:t>
             </a:r>
             <a:r>
+              <a:rPr kumimoji="1" lang="ko-KR" altLang="en-US" b="1" smtClean="0"/>
+              <a:t> </a:t>
+            </a:r>
+            <a:r>
               <a:rPr kumimoji="1" lang="ko-KR" altLang="en-US" b="1"/>
-              <a:t> 라이브러리 요구사항 </a:t>
+              <a:t>라이브러리 요구사항 </a:t>
             </a:r>
             <a:r>
               <a:rPr kumimoji="1" lang="ko-KR" altLang="en-US" b="1"/>
@@ -28335,1969 +27582,6 @@
           <a:lstStyle/>
           <a:p>
             <a:r>
-              <a:rPr kumimoji="1" lang="ko-KR" altLang="en-US" b="1" dirty="0" smtClean="0"/>
-              <a:t>클래스 구성</a:t>
-            </a:r>
-            <a:endParaRPr kumimoji="1" lang="ko-KR" altLang="en-US" b="1" dirty="0"/>
-          </a:p>
-        </p:txBody>
-      </p:sp>
-      <p:graphicFrame>
-        <p:nvGraphicFramePr>
-          <p:cNvPr id="19" name="다이어그램 18"/>
-          <p:cNvGraphicFramePr/>
-          <p:nvPr>
-            <p:extLst>
-              <p:ext uri="{D42A27DB-BD31-4B8C-83A1-F6EECF244321}">
-                <p14:modId xmlns:p14="http://schemas.microsoft.com/office/powerpoint/2010/main" val="1476134344"/>
-              </p:ext>
-            </p:extLst>
-          </p:nvPr>
-        </p:nvGraphicFramePr>
-        <p:xfrm>
-          <a:off x="2220913" y="614892"/>
-          <a:ext cx="8128000" cy="4271434"/>
-        </p:xfrm>
-        <a:graphic>
-          <a:graphicData uri="http://schemas.openxmlformats.org/drawingml/2006/diagram">
-            <dgm:relIds xmlns:dgm="http://schemas.openxmlformats.org/drawingml/2006/diagram" xmlns:r="http://schemas.openxmlformats.org/officeDocument/2006/relationships" r:dm="rId3" r:lo="rId4" r:qs="rId5" r:cs="rId6"/>
-          </a:graphicData>
-        </a:graphic>
-      </p:graphicFrame>
-      <p:graphicFrame>
-        <p:nvGraphicFramePr>
-          <p:cNvPr id="20" name="다이어그램 19"/>
-          <p:cNvGraphicFramePr/>
-          <p:nvPr>
-            <p:extLst>
-              <p:ext uri="{D42A27DB-BD31-4B8C-83A1-F6EECF244321}">
-                <p14:modId xmlns:p14="http://schemas.microsoft.com/office/powerpoint/2010/main" val="152385549"/>
-              </p:ext>
-            </p:extLst>
-          </p:nvPr>
-        </p:nvGraphicFramePr>
-        <p:xfrm>
-          <a:off x="1203326" y="4238625"/>
-          <a:ext cx="3425824" cy="1590675"/>
-        </p:xfrm>
-        <a:graphic>
-          <a:graphicData uri="http://schemas.openxmlformats.org/drawingml/2006/diagram">
-            <dgm:relIds xmlns:dgm="http://schemas.openxmlformats.org/drawingml/2006/diagram" xmlns:r="http://schemas.openxmlformats.org/officeDocument/2006/relationships" r:dm="rId8" r:lo="rId9" r:qs="rId10" r:cs="rId11"/>
-          </a:graphicData>
-        </a:graphic>
-      </p:graphicFrame>
-      <p:graphicFrame>
-        <p:nvGraphicFramePr>
-          <p:cNvPr id="21" name="다이어그램 20"/>
-          <p:cNvGraphicFramePr/>
-          <p:nvPr>
-            <p:extLst>
-              <p:ext uri="{D42A27DB-BD31-4B8C-83A1-F6EECF244321}">
-                <p14:modId xmlns:p14="http://schemas.microsoft.com/office/powerpoint/2010/main" val="1656333662"/>
-              </p:ext>
-            </p:extLst>
-          </p:nvPr>
-        </p:nvGraphicFramePr>
-        <p:xfrm>
-          <a:off x="4362450" y="4238623"/>
-          <a:ext cx="3865561" cy="1590677"/>
-        </p:xfrm>
-        <a:graphic>
-          <a:graphicData uri="http://schemas.openxmlformats.org/drawingml/2006/diagram">
-            <dgm:relIds xmlns:dgm="http://schemas.openxmlformats.org/drawingml/2006/diagram" xmlns:r="http://schemas.openxmlformats.org/officeDocument/2006/relationships" r:dm="rId13" r:lo="rId14" r:qs="rId15" r:cs="rId16"/>
-          </a:graphicData>
-        </a:graphic>
-      </p:graphicFrame>
-      <p:graphicFrame>
-        <p:nvGraphicFramePr>
-          <p:cNvPr id="22" name="다이어그램 21"/>
-          <p:cNvGraphicFramePr/>
-          <p:nvPr>
-            <p:extLst>
-              <p:ext uri="{D42A27DB-BD31-4B8C-83A1-F6EECF244321}">
-                <p14:modId xmlns:p14="http://schemas.microsoft.com/office/powerpoint/2010/main" val="1053091162"/>
-              </p:ext>
-            </p:extLst>
-          </p:nvPr>
-        </p:nvGraphicFramePr>
-        <p:xfrm>
-          <a:off x="7356475" y="4238623"/>
-          <a:ext cx="3568699" cy="1590677"/>
-        </p:xfrm>
-        <a:graphic>
-          <a:graphicData uri="http://schemas.openxmlformats.org/drawingml/2006/diagram">
-            <dgm:relIds xmlns:dgm="http://schemas.openxmlformats.org/drawingml/2006/diagram" xmlns:r="http://schemas.openxmlformats.org/officeDocument/2006/relationships" r:dm="rId18" r:lo="rId19" r:qs="rId20" r:cs="rId21"/>
-          </a:graphicData>
-        </a:graphic>
-      </p:graphicFrame>
-    </p:spTree>
-    <p:extLst>
-      <p:ext uri="{BB962C8B-B14F-4D97-AF65-F5344CB8AC3E}">
-        <p14:creationId xmlns:p14="http://schemas.microsoft.com/office/powerpoint/2010/main" val="2979690415"/>
-      </p:ext>
-    </p:extLst>
-  </p:cSld>
-  <p:clrMapOvr>
-    <a:masterClrMapping/>
-  </p:clrMapOvr>
-  <p:timing>
-    <p:tnLst>
-      <p:par>
-        <p:cTn id="1" dur="indefinite" restart="never" nodeType="tmRoot"/>
-      </p:par>
-    </p:tnLst>
-  </p:timing>
-</p:sld>
-</file>
-
-<file path=ppt/slides/slide5.xml><?xml version="1.0" encoding="utf-8"?>
-<p:sld xmlns:a="http://schemas.openxmlformats.org/drawingml/2006/main" xmlns:r="http://schemas.openxmlformats.org/officeDocument/2006/relationships" xmlns:p="http://schemas.openxmlformats.org/presentationml/2006/main">
-  <p:cSld>
-    <p:spTree>
-      <p:nvGrpSpPr>
-        <p:cNvPr id="1" name=""/>
-        <p:cNvGrpSpPr/>
-        <p:nvPr/>
-      </p:nvGrpSpPr>
-      <p:grpSpPr>
-        <a:xfrm>
-          <a:off x="0" y="0"/>
-          <a:ext cx="0" cy="0"/>
-          <a:chOff x="0" y="0"/>
-          <a:chExt cx="0" cy="0"/>
-        </a:xfrm>
-      </p:grpSpPr>
-      <p:sp>
-        <p:nvSpPr>
-          <p:cNvPr id="2" name="제목 1"/>
-          <p:cNvSpPr>
-            <a:spLocks noGrp="1"/>
-          </p:cNvSpPr>
-          <p:nvPr>
-            <p:ph type="title"/>
-          </p:nvPr>
-        </p:nvSpPr>
-        <p:spPr/>
-        <p:txBody>
-          <a:bodyPr/>
-          <a:lstStyle/>
-          <a:p>
-            <a:r>
-              <a:rPr lang="ko-KR" altLang="en-US" b="1" dirty="0" smtClean="0"/>
-              <a:t>클래스 구성</a:t>
-            </a:r>
-            <a:endParaRPr lang="ko-KR" altLang="en-US" b="1" dirty="0"/>
-          </a:p>
-        </p:txBody>
-      </p:sp>
-      <p:graphicFrame>
-        <p:nvGraphicFramePr>
-          <p:cNvPr id="11" name="표 10"/>
-          <p:cNvGraphicFramePr>
-            <a:graphicFrameLocks noGrp="1"/>
-          </p:cNvGraphicFramePr>
-          <p:nvPr>
-            <p:extLst>
-              <p:ext uri="{D42A27DB-BD31-4B8C-83A1-F6EECF244321}">
-                <p14:modId xmlns:p14="http://schemas.microsoft.com/office/powerpoint/2010/main" val="776612778"/>
-              </p:ext>
-            </p:extLst>
-          </p:nvPr>
-        </p:nvGraphicFramePr>
-        <p:xfrm>
-          <a:off x="877824" y="1908386"/>
-          <a:ext cx="10277857" cy="3312160"/>
-        </p:xfrm>
-        <a:graphic>
-          <a:graphicData uri="http://schemas.openxmlformats.org/drawingml/2006/table">
-            <a:tbl>
-              <a:tblPr firstRow="1" bandRow="1">
-                <a:tableStyleId>{BDBED569-4797-4DF1-A0F4-6AAB3CD982D8}</a:tableStyleId>
-              </a:tblPr>
-              <a:tblGrid>
-                <a:gridCol w="1239404">
-                  <a:extLst>
-                    <a:ext uri="{9D8B030D-6E8A-4147-A177-3AD203B41FA5}">
-                      <a16:colId xmlns:a16="http://schemas.microsoft.com/office/drawing/2014/main" val="1102246149"/>
-                    </a:ext>
-                  </a:extLst>
-                </a:gridCol>
-                <a:gridCol w="3131428">
-                  <a:extLst>
-                    <a:ext uri="{9D8B030D-6E8A-4147-A177-3AD203B41FA5}">
-                      <a16:colId xmlns:a16="http://schemas.microsoft.com/office/drawing/2014/main" val="2377512666"/>
-                    </a:ext>
-                  </a:extLst>
-                </a:gridCol>
-                <a:gridCol w="5907025">
-                  <a:extLst>
-                    <a:ext uri="{9D8B030D-6E8A-4147-A177-3AD203B41FA5}">
-                      <a16:colId xmlns:a16="http://schemas.microsoft.com/office/drawing/2014/main" val="223920893"/>
-                    </a:ext>
-                  </a:extLst>
-                </a:gridCol>
-              </a:tblGrid>
-              <a:tr h="370840">
-                <a:tc>
-                  <a:txBody>
-                    <a:bodyPr/>
-                    <a:lstStyle/>
-                    <a:p>
-                      <a:pPr algn="ctr" latinLnBrk="1"/>
-                      <a:r>
-                        <a:rPr lang="ko-KR" altLang="en-US" dirty="0" err="1" smtClean="0"/>
-                        <a:t>클래스명</a:t>
-                      </a:r>
-                      <a:endParaRPr lang="ko-KR" altLang="en-US" dirty="0"/>
-                    </a:p>
-                  </a:txBody>
-                  <a:tcPr>
-                    <a:solidFill>
-                      <a:schemeClr val="accent1"/>
-                    </a:solidFill>
-                  </a:tcPr>
-                </a:tc>
-                <a:tc>
-                  <a:txBody>
-                    <a:bodyPr/>
-                    <a:lstStyle/>
-                    <a:p>
-                      <a:pPr algn="ctr" latinLnBrk="1"/>
-                      <a:r>
-                        <a:rPr lang="ko-KR" altLang="en-US" dirty="0" err="1" smtClean="0"/>
-                        <a:t>함수명</a:t>
-                      </a:r>
-                      <a:endParaRPr lang="ko-KR" altLang="en-US" dirty="0"/>
-                    </a:p>
-                  </a:txBody>
-                  <a:tcPr>
-                    <a:solidFill>
-                      <a:schemeClr val="accent1"/>
-                    </a:solidFill>
-                  </a:tcPr>
-                </a:tc>
-                <a:tc>
-                  <a:txBody>
-                    <a:bodyPr/>
-                    <a:lstStyle/>
-                    <a:p>
-                      <a:pPr algn="ctr" latinLnBrk="1"/>
-                      <a:r>
-                        <a:rPr lang="ko-KR" altLang="en-US" dirty="0" err="1" smtClean="0"/>
-                        <a:t>함수역할</a:t>
-                      </a:r>
-                      <a:endParaRPr lang="ko-KR" altLang="en-US" dirty="0"/>
-                    </a:p>
-                  </a:txBody>
-                  <a:tcPr>
-                    <a:solidFill>
-                      <a:schemeClr val="accent1"/>
-                    </a:solidFill>
-                  </a:tcPr>
-                </a:tc>
-                <a:extLst>
-                  <a:ext uri="{0D108BD9-81ED-4DB2-BD59-A6C34878D82A}">
-                    <a16:rowId xmlns:a16="http://schemas.microsoft.com/office/drawing/2014/main" val="739883533"/>
-                  </a:ext>
-                </a:extLst>
-              </a:tr>
-              <a:tr h="370840">
-                <a:tc rowSpan="5">
-                  <a:txBody>
-                    <a:bodyPr/>
-                    <a:lstStyle/>
-                    <a:p>
-                      <a:pPr algn="ctr" latinLnBrk="1"/>
-                      <a:r>
-                        <a:rPr lang="en-US" altLang="ko-KR" dirty="0" smtClean="0"/>
-                        <a:t>Logger</a:t>
-                      </a:r>
-                      <a:endParaRPr lang="ko-KR" altLang="en-US" dirty="0"/>
-                    </a:p>
-                  </a:txBody>
-                  <a:tcPr anchor="ctr">
-                    <a:noFill/>
-                  </a:tcPr>
-                </a:tc>
-                <a:tc>
-                  <a:txBody>
-                    <a:bodyPr/>
-                    <a:lstStyle/>
-                    <a:p>
-                      <a:pPr algn="ctr" latinLnBrk="1"/>
-                      <a:r>
-                        <a:rPr lang="en-US" altLang="ko-KR" sz="1800" kern="1200" dirty="0" err="1" smtClean="0">
-                          <a:solidFill>
-                            <a:schemeClr val="tx1"/>
-                          </a:solidFill>
-                          <a:latin typeface="+mn-lt"/>
-                          <a:ea typeface="+mn-ea"/>
-                          <a:cs typeface="+mn-cs"/>
-                        </a:rPr>
-                        <a:t>getInstance</a:t>
-                      </a:r>
-                      <a:endParaRPr lang="ko-KR" altLang="en-US" dirty="0"/>
-                    </a:p>
-                  </a:txBody>
-                  <a:tcPr>
-                    <a:noFill/>
-                  </a:tcPr>
-                </a:tc>
-                <a:tc>
-                  <a:txBody>
-                    <a:bodyPr/>
-                    <a:lstStyle/>
-                    <a:p>
-                      <a:pPr latinLnBrk="1"/>
-                      <a:r>
-                        <a:rPr lang="en-US" altLang="ko-KR" dirty="0" smtClean="0"/>
-                        <a:t>- </a:t>
-                      </a:r>
-                      <a:r>
-                        <a:rPr lang="ko-KR" altLang="en-US" dirty="0" err="1" smtClean="0"/>
-                        <a:t>싱글톤</a:t>
-                      </a:r>
-                      <a:r>
-                        <a:rPr lang="ko-KR" altLang="en-US" dirty="0" smtClean="0"/>
-                        <a:t> 구현 위한 함수</a:t>
-                      </a:r>
-                      <a:endParaRPr lang="ko-KR" altLang="en-US" dirty="0"/>
-                    </a:p>
-                  </a:txBody>
-                  <a:tcPr>
-                    <a:noFill/>
-                  </a:tcPr>
-                </a:tc>
-                <a:extLst>
-                  <a:ext uri="{0D108BD9-81ED-4DB2-BD59-A6C34878D82A}">
-                    <a16:rowId xmlns:a16="http://schemas.microsoft.com/office/drawing/2014/main" val="1711245774"/>
-                  </a:ext>
-                </a:extLst>
-              </a:tr>
-              <a:tr h="370840">
-                <a:tc vMerge="1">
-                  <a:txBody>
-                    <a:bodyPr/>
-                    <a:lstStyle/>
-                    <a:p>
-                      <a:pPr latinLnBrk="1"/>
-                      <a:endParaRPr lang="ko-KR" altLang="en-US" dirty="0"/>
-                    </a:p>
-                  </a:txBody>
-                  <a:tcPr/>
-                </a:tc>
-                <a:tc>
-                  <a:txBody>
-                    <a:bodyPr/>
-                    <a:lstStyle/>
-                    <a:p>
-                      <a:pPr algn="ctr" latinLnBrk="1"/>
-                      <a:r>
-                        <a:rPr lang="en-US" altLang="ko-KR" sz="1800" kern="1200" dirty="0" err="1" smtClean="0">
-                          <a:solidFill>
-                            <a:schemeClr val="tx1"/>
-                          </a:solidFill>
-                          <a:latin typeface="+mn-lt"/>
-                          <a:ea typeface="+mn-ea"/>
-                          <a:cs typeface="+mn-cs"/>
-                        </a:rPr>
-                        <a:t>setPrintToStdout</a:t>
-                      </a:r>
-                      <a:endParaRPr lang="ko-KR" altLang="en-US" dirty="0"/>
-                    </a:p>
-                  </a:txBody>
-                  <a:tcPr/>
-                </a:tc>
-                <a:tc>
-                  <a:txBody>
-                    <a:bodyPr/>
-                    <a:lstStyle/>
-                    <a:p>
-                      <a:pPr latinLnBrk="1"/>
-                      <a:r>
-                        <a:rPr lang="en-US" altLang="ko-KR" dirty="0" smtClean="0"/>
-                        <a:t>- </a:t>
-                      </a:r>
-                      <a:r>
-                        <a:rPr lang="ko-KR" altLang="en-US" dirty="0" smtClean="0"/>
-                        <a:t>디스플레이에 </a:t>
-                      </a:r>
-                      <a:r>
-                        <a:rPr lang="ko-KR" altLang="en-US" dirty="0" err="1" smtClean="0"/>
-                        <a:t>로깅기록</a:t>
-                      </a:r>
-                      <a:r>
-                        <a:rPr lang="ko-KR" altLang="en-US" dirty="0" smtClean="0"/>
-                        <a:t> 출력 여부 결정</a:t>
-                      </a:r>
-                      <a:endParaRPr lang="ko-KR" altLang="en-US" dirty="0"/>
-                    </a:p>
-                  </a:txBody>
-                  <a:tcPr/>
-                </a:tc>
-                <a:extLst>
-                  <a:ext uri="{0D108BD9-81ED-4DB2-BD59-A6C34878D82A}">
-                    <a16:rowId xmlns:a16="http://schemas.microsoft.com/office/drawing/2014/main" val="1506969098"/>
-                  </a:ext>
-                </a:extLst>
-              </a:tr>
-              <a:tr h="370840">
-                <a:tc vMerge="1">
-                  <a:txBody>
-                    <a:bodyPr/>
-                    <a:lstStyle/>
-                    <a:p>
-                      <a:pPr latinLnBrk="1"/>
-                      <a:endParaRPr lang="ko-KR" altLang="en-US" dirty="0"/>
-                    </a:p>
-                  </a:txBody>
-                  <a:tcPr/>
-                </a:tc>
-                <a:tc>
-                  <a:txBody>
-                    <a:bodyPr/>
-                    <a:lstStyle/>
-                    <a:p>
-                      <a:pPr algn="ctr" latinLnBrk="1"/>
-                      <a:r>
-                        <a:rPr lang="en-US" altLang="ko-KR" sz="1800" kern="1200" dirty="0" err="1" smtClean="0">
-                          <a:solidFill>
-                            <a:schemeClr val="tx1"/>
-                          </a:solidFill>
-                          <a:latin typeface="+mn-lt"/>
-                          <a:ea typeface="+mn-ea"/>
-                          <a:cs typeface="+mn-cs"/>
-                        </a:rPr>
-                        <a:t>getFile</a:t>
-                      </a:r>
-                      <a:endParaRPr lang="ko-KR" altLang="en-US" dirty="0"/>
-                    </a:p>
-                  </a:txBody>
-                  <a:tcPr>
-                    <a:noFill/>
-                  </a:tcPr>
-                </a:tc>
-                <a:tc>
-                  <a:txBody>
-                    <a:bodyPr/>
-                    <a:lstStyle/>
-                    <a:p>
-                      <a:pPr latinLnBrk="1"/>
-                      <a:r>
-                        <a:rPr lang="en-US" altLang="ko-KR" dirty="0" smtClean="0"/>
-                        <a:t>- </a:t>
-                      </a:r>
-                      <a:r>
-                        <a:rPr lang="ko-KR" altLang="en-US" dirty="0" smtClean="0"/>
-                        <a:t>파일 저장 위치 및 파일이름 지정 </a:t>
-                      </a:r>
-                      <a:endParaRPr lang="en-US" altLang="ko-KR" dirty="0" smtClean="0"/>
-                    </a:p>
-                    <a:p>
-                      <a:pPr latinLnBrk="1"/>
-                      <a:r>
-                        <a:rPr lang="en-US" altLang="ko-KR" dirty="0" smtClean="0"/>
-                        <a:t>(</a:t>
-                      </a:r>
-                      <a:r>
-                        <a:rPr lang="ko-KR" altLang="en-US" dirty="0" smtClean="0"/>
-                        <a:t>사용자가 지정한 </a:t>
-                      </a:r>
-                      <a:r>
-                        <a:rPr lang="ko-KR" altLang="en-US" dirty="0" err="1" smtClean="0"/>
-                        <a:t>저장경로</a:t>
-                      </a:r>
-                      <a:r>
-                        <a:rPr lang="en-US" altLang="ko-KR" dirty="0" smtClean="0"/>
-                        <a:t>, </a:t>
-                      </a:r>
-                      <a:r>
-                        <a:rPr lang="ko-KR" altLang="en-US" dirty="0" err="1" smtClean="0"/>
-                        <a:t>로깅레벨</a:t>
-                      </a:r>
-                      <a:r>
-                        <a:rPr lang="en-US" altLang="ko-KR" dirty="0" smtClean="0"/>
-                        <a:t>, </a:t>
-                      </a:r>
-                      <a:r>
-                        <a:rPr lang="ko-KR" altLang="en-US" dirty="0" smtClean="0"/>
-                        <a:t>현재 날짜 및 </a:t>
-                      </a:r>
-                      <a:r>
-                        <a:rPr lang="ko-KR" altLang="en-US" dirty="0" err="1" smtClean="0"/>
-                        <a:t>시간정보</a:t>
-                      </a:r>
-                      <a:r>
-                        <a:rPr lang="en-US" altLang="ko-KR" dirty="0" smtClean="0"/>
-                        <a:t>, </a:t>
-                      </a:r>
-                      <a:r>
-                        <a:rPr lang="ko-KR" altLang="en-US" dirty="0" err="1" smtClean="0"/>
-                        <a:t>파일번호</a:t>
-                      </a:r>
-                      <a:r>
-                        <a:rPr lang="en-US" altLang="ko-KR" baseline="0" dirty="0" smtClean="0"/>
-                        <a:t> </a:t>
-                      </a:r>
-                      <a:r>
-                        <a:rPr lang="ko-KR" altLang="en-US" baseline="0" dirty="0" smtClean="0"/>
-                        <a:t>순으로 지정하여 파일 이름 지정</a:t>
-                      </a:r>
-                      <a:r>
-                        <a:rPr lang="en-US" altLang="ko-KR" baseline="0" dirty="0" smtClean="0"/>
-                        <a:t>)</a:t>
-                      </a:r>
-                    </a:p>
-                  </a:txBody>
-                  <a:tcPr>
-                    <a:noFill/>
-                  </a:tcPr>
-                </a:tc>
-                <a:extLst>
-                  <a:ext uri="{0D108BD9-81ED-4DB2-BD59-A6C34878D82A}">
-                    <a16:rowId xmlns:a16="http://schemas.microsoft.com/office/drawing/2014/main" val="1030884307"/>
-                  </a:ext>
-                </a:extLst>
-              </a:tr>
-              <a:tr h="370840">
-                <a:tc vMerge="1">
-                  <a:txBody>
-                    <a:bodyPr/>
-                    <a:lstStyle/>
-                    <a:p>
-                      <a:pPr latinLnBrk="1"/>
-                      <a:endParaRPr lang="ko-KR" altLang="en-US" dirty="0"/>
-                    </a:p>
-                  </a:txBody>
-                  <a:tcPr/>
-                </a:tc>
-                <a:tc>
-                  <a:txBody>
-                    <a:bodyPr/>
-                    <a:lstStyle/>
-                    <a:p>
-                      <a:pPr algn="ctr" latinLnBrk="1"/>
-                      <a:r>
-                        <a:rPr lang="en-US" altLang="ko-KR" sz="1800" kern="1200" dirty="0" smtClean="0">
-                          <a:solidFill>
-                            <a:schemeClr val="tx1"/>
-                          </a:solidFill>
-                          <a:latin typeface="+mn-lt"/>
-                          <a:ea typeface="+mn-ea"/>
-                          <a:cs typeface="+mn-cs"/>
-                        </a:rPr>
-                        <a:t>write</a:t>
-                      </a:r>
-                      <a:endParaRPr lang="ko-KR" altLang="en-US" dirty="0"/>
-                    </a:p>
-                  </a:txBody>
-                  <a:tcPr/>
-                </a:tc>
-                <a:tc>
-                  <a:txBody>
-                    <a:bodyPr/>
-                    <a:lstStyle/>
-                    <a:p>
-                      <a:pPr latinLnBrk="1"/>
-                      <a:r>
-                        <a:rPr lang="en-US" altLang="ko-KR" dirty="0" smtClean="0"/>
-                        <a:t>-</a:t>
-                      </a:r>
-                      <a:r>
-                        <a:rPr lang="en-US" altLang="ko-KR" baseline="0" dirty="0" smtClean="0"/>
-                        <a:t> </a:t>
-                      </a:r>
-                      <a:r>
-                        <a:rPr lang="en-US" altLang="ko-KR" dirty="0" err="1" smtClean="0"/>
-                        <a:t>getFile</a:t>
-                      </a:r>
-                      <a:r>
-                        <a:rPr lang="ko-KR" altLang="en-US" dirty="0" smtClean="0"/>
-                        <a:t>에서 지정한 파일에 저장함</a:t>
-                      </a:r>
-                      <a:r>
-                        <a:rPr lang="en-US" altLang="ko-KR" dirty="0" smtClean="0"/>
-                        <a:t>. </a:t>
-                      </a:r>
-                    </a:p>
-                    <a:p>
-                      <a:pPr latinLnBrk="1"/>
-                      <a:r>
-                        <a:rPr lang="en-US" altLang="ko-KR" dirty="0" smtClean="0"/>
-                        <a:t>- </a:t>
-                      </a:r>
-                      <a:r>
-                        <a:rPr lang="ko-KR" altLang="en-US" dirty="0" smtClean="0"/>
-                        <a:t>파일용량이 지정된 용량을 초과할 경우</a:t>
-                      </a:r>
-                      <a:r>
-                        <a:rPr lang="ko-KR" altLang="en-US" baseline="0" dirty="0" smtClean="0"/>
-                        <a:t> 파일이름내의 </a:t>
-                      </a:r>
-                      <a:r>
-                        <a:rPr lang="ko-KR" altLang="en-US" baseline="0" dirty="0" err="1" smtClean="0"/>
-                        <a:t>파일번호에</a:t>
-                      </a:r>
-                      <a:r>
-                        <a:rPr lang="ko-KR" altLang="en-US" baseline="0" dirty="0" smtClean="0"/>
-                        <a:t> </a:t>
-                      </a:r>
-                      <a:r>
-                        <a:rPr lang="en-US" altLang="ko-KR" baseline="0" dirty="0" smtClean="0"/>
-                        <a:t>1</a:t>
-                      </a:r>
-                      <a:r>
-                        <a:rPr lang="ko-KR" altLang="en-US" baseline="0" dirty="0" smtClean="0"/>
-                        <a:t>을 더한 새로운 파일에 저장함</a:t>
-                      </a:r>
-                      <a:r>
-                        <a:rPr lang="en-US" altLang="ko-KR" baseline="0" dirty="0" smtClean="0"/>
-                        <a:t>. </a:t>
-                      </a:r>
-                      <a:endParaRPr lang="ko-KR" altLang="en-US" dirty="0"/>
-                    </a:p>
-                  </a:txBody>
-                  <a:tcPr/>
-                </a:tc>
-                <a:extLst>
-                  <a:ext uri="{0D108BD9-81ED-4DB2-BD59-A6C34878D82A}">
-                    <a16:rowId xmlns:a16="http://schemas.microsoft.com/office/drawing/2014/main" val="1947359717"/>
-                  </a:ext>
-                </a:extLst>
-              </a:tr>
-              <a:tr h="370840">
-                <a:tc vMerge="1">
-                  <a:txBody>
-                    <a:bodyPr/>
-                    <a:lstStyle/>
-                    <a:p>
-                      <a:pPr latinLnBrk="1"/>
-                      <a:endParaRPr lang="ko-KR" altLang="en-US" dirty="0"/>
-                    </a:p>
-                  </a:txBody>
-                  <a:tcPr/>
-                </a:tc>
-                <a:tc>
-                  <a:txBody>
-                    <a:bodyPr/>
-                    <a:lstStyle/>
-                    <a:p>
-                      <a:pPr algn="ctr" latinLnBrk="1"/>
-                      <a:r>
-                        <a:rPr lang="en-US" altLang="ko-KR" sz="1800" kern="1200" dirty="0" err="1" smtClean="0">
-                          <a:solidFill>
-                            <a:schemeClr val="tx1"/>
-                          </a:solidFill>
-                          <a:latin typeface="+mn-lt"/>
-                          <a:ea typeface="+mn-ea"/>
-                          <a:cs typeface="+mn-cs"/>
-                        </a:rPr>
-                        <a:t>fileSize</a:t>
-                      </a:r>
-                      <a:endParaRPr lang="ko-KR" altLang="en-US" dirty="0"/>
-                    </a:p>
-                  </a:txBody>
-                  <a:tcPr>
-                    <a:noFill/>
-                  </a:tcPr>
-                </a:tc>
-                <a:tc>
-                  <a:txBody>
-                    <a:bodyPr/>
-                    <a:lstStyle/>
-                    <a:p>
-                      <a:pPr latinLnBrk="1"/>
-                      <a:r>
-                        <a:rPr lang="en-US" altLang="ko-KR" dirty="0" smtClean="0"/>
-                        <a:t>- </a:t>
-                      </a:r>
-                      <a:r>
-                        <a:rPr lang="ko-KR" altLang="en-US" dirty="0" smtClean="0"/>
-                        <a:t>지정된 파일의 사이즈를 측정</a:t>
-                      </a:r>
-                      <a:endParaRPr lang="ko-KR" altLang="en-US" dirty="0"/>
-                    </a:p>
-                  </a:txBody>
-                  <a:tcPr>
-                    <a:noFill/>
-                  </a:tcPr>
-                </a:tc>
-                <a:extLst>
-                  <a:ext uri="{0D108BD9-81ED-4DB2-BD59-A6C34878D82A}">
-                    <a16:rowId xmlns:a16="http://schemas.microsoft.com/office/drawing/2014/main" val="1969393848"/>
-                  </a:ext>
-                </a:extLst>
-              </a:tr>
-            </a:tbl>
-          </a:graphicData>
-        </a:graphic>
-      </p:graphicFrame>
-    </p:spTree>
-    <p:extLst>
-      <p:ext uri="{BB962C8B-B14F-4D97-AF65-F5344CB8AC3E}">
-        <p14:creationId xmlns:p14="http://schemas.microsoft.com/office/powerpoint/2010/main" val="1682320300"/>
-      </p:ext>
-    </p:extLst>
-  </p:cSld>
-  <p:clrMapOvr>
-    <a:masterClrMapping/>
-  </p:clrMapOvr>
-  <p:timing>
-    <p:tnLst>
-      <p:par>
-        <p:cTn id="1" dur="indefinite" restart="never" nodeType="tmRoot"/>
-      </p:par>
-    </p:tnLst>
-  </p:timing>
-</p:sld>
-</file>
-
-<file path=ppt/slides/slide6.xml><?xml version="1.0" encoding="utf-8"?>
-<p:sld xmlns:a="http://schemas.openxmlformats.org/drawingml/2006/main" xmlns:r="http://schemas.openxmlformats.org/officeDocument/2006/relationships" xmlns:p="http://schemas.openxmlformats.org/presentationml/2006/main">
-  <p:cSld>
-    <p:spTree>
-      <p:nvGrpSpPr>
-        <p:cNvPr id="1" name=""/>
-        <p:cNvGrpSpPr/>
-        <p:nvPr/>
-      </p:nvGrpSpPr>
-      <p:grpSpPr>
-        <a:xfrm>
-          <a:off x="0" y="0"/>
-          <a:ext cx="0" cy="0"/>
-          <a:chOff x="0" y="0"/>
-          <a:chExt cx="0" cy="0"/>
-        </a:xfrm>
-      </p:grpSpPr>
-      <p:sp>
-        <p:nvSpPr>
-          <p:cNvPr id="2" name="제목 1"/>
-          <p:cNvSpPr>
-            <a:spLocks noGrp="1"/>
-          </p:cNvSpPr>
-          <p:nvPr>
-            <p:ph type="title"/>
-          </p:nvPr>
-        </p:nvSpPr>
-        <p:spPr/>
-        <p:txBody>
-          <a:bodyPr/>
-          <a:lstStyle/>
-          <a:p>
-            <a:r>
-              <a:rPr lang="ko-KR" altLang="en-US" b="1" dirty="0" smtClean="0"/>
-              <a:t>클래스 구성</a:t>
-            </a:r>
-            <a:endParaRPr lang="ko-KR" altLang="en-US" b="1" dirty="0"/>
-          </a:p>
-        </p:txBody>
-      </p:sp>
-      <p:graphicFrame>
-        <p:nvGraphicFramePr>
-          <p:cNvPr id="11" name="표 10"/>
-          <p:cNvGraphicFramePr>
-            <a:graphicFrameLocks noGrp="1"/>
-          </p:cNvGraphicFramePr>
-          <p:nvPr>
-            <p:extLst>
-              <p:ext uri="{D42A27DB-BD31-4B8C-83A1-F6EECF244321}">
-                <p14:modId xmlns:p14="http://schemas.microsoft.com/office/powerpoint/2010/main" val="369372564"/>
-              </p:ext>
-            </p:extLst>
-          </p:nvPr>
-        </p:nvGraphicFramePr>
-        <p:xfrm>
-          <a:off x="877824" y="1908386"/>
-          <a:ext cx="10277857" cy="3850640"/>
-        </p:xfrm>
-        <a:graphic>
-          <a:graphicData uri="http://schemas.openxmlformats.org/drawingml/2006/table">
-            <a:tbl>
-              <a:tblPr firstRow="1" bandRow="1">
-                <a:tableStyleId>{BDBED569-4797-4DF1-A0F4-6AAB3CD982D8}</a:tableStyleId>
-              </a:tblPr>
-              <a:tblGrid>
-                <a:gridCol w="1239404">
-                  <a:extLst>
-                    <a:ext uri="{9D8B030D-6E8A-4147-A177-3AD203B41FA5}">
-                      <a16:colId xmlns:a16="http://schemas.microsoft.com/office/drawing/2014/main" val="1102246149"/>
-                    </a:ext>
-                  </a:extLst>
-                </a:gridCol>
-                <a:gridCol w="3131428">
-                  <a:extLst>
-                    <a:ext uri="{9D8B030D-6E8A-4147-A177-3AD203B41FA5}">
-                      <a16:colId xmlns:a16="http://schemas.microsoft.com/office/drawing/2014/main" val="2377512666"/>
-                    </a:ext>
-                  </a:extLst>
-                </a:gridCol>
-                <a:gridCol w="5907025">
-                  <a:extLst>
-                    <a:ext uri="{9D8B030D-6E8A-4147-A177-3AD203B41FA5}">
-                      <a16:colId xmlns:a16="http://schemas.microsoft.com/office/drawing/2014/main" val="223920893"/>
-                    </a:ext>
-                  </a:extLst>
-                </a:gridCol>
-              </a:tblGrid>
-              <a:tr h="370840">
-                <a:tc>
-                  <a:txBody>
-                    <a:bodyPr/>
-                    <a:lstStyle/>
-                    <a:p>
-                      <a:pPr algn="ctr" latinLnBrk="1"/>
-                      <a:r>
-                        <a:rPr lang="ko-KR" altLang="en-US" dirty="0" err="1" smtClean="0"/>
-                        <a:t>클래스명</a:t>
-                      </a:r>
-                      <a:endParaRPr lang="ko-KR" altLang="en-US" dirty="0"/>
-                    </a:p>
-                  </a:txBody>
-                  <a:tcPr>
-                    <a:solidFill>
-                      <a:schemeClr val="accent1"/>
-                    </a:solidFill>
-                  </a:tcPr>
-                </a:tc>
-                <a:tc>
-                  <a:txBody>
-                    <a:bodyPr/>
-                    <a:lstStyle/>
-                    <a:p>
-                      <a:pPr algn="ctr" latinLnBrk="1"/>
-                      <a:r>
-                        <a:rPr lang="ko-KR" altLang="en-US" dirty="0" err="1" smtClean="0"/>
-                        <a:t>함수명</a:t>
-                      </a:r>
-                      <a:endParaRPr lang="ko-KR" altLang="en-US" dirty="0"/>
-                    </a:p>
-                  </a:txBody>
-                  <a:tcPr>
-                    <a:solidFill>
-                      <a:schemeClr val="accent1"/>
-                    </a:solidFill>
-                  </a:tcPr>
-                </a:tc>
-                <a:tc>
-                  <a:txBody>
-                    <a:bodyPr/>
-                    <a:lstStyle/>
-                    <a:p>
-                      <a:pPr algn="ctr" latinLnBrk="1"/>
-                      <a:r>
-                        <a:rPr lang="ko-KR" altLang="en-US" dirty="0" err="1" smtClean="0"/>
-                        <a:t>함수역할</a:t>
-                      </a:r>
-                      <a:endParaRPr lang="ko-KR" altLang="en-US" dirty="0"/>
-                    </a:p>
-                  </a:txBody>
-                  <a:tcPr>
-                    <a:solidFill>
-                      <a:schemeClr val="accent1"/>
-                    </a:solidFill>
-                  </a:tcPr>
-                </a:tc>
-                <a:extLst>
-                  <a:ext uri="{0D108BD9-81ED-4DB2-BD59-A6C34878D82A}">
-                    <a16:rowId xmlns:a16="http://schemas.microsoft.com/office/drawing/2014/main" val="739883533"/>
-                  </a:ext>
-                </a:extLst>
-              </a:tr>
-              <a:tr h="370840">
-                <a:tc rowSpan="2">
-                  <a:txBody>
-                    <a:bodyPr/>
-                    <a:lstStyle/>
-                    <a:p>
-                      <a:pPr algn="ctr" latinLnBrk="1"/>
-                      <a:r>
-                        <a:rPr lang="en-US" altLang="ko-KR" dirty="0" smtClean="0"/>
-                        <a:t>Timestamp</a:t>
-                      </a:r>
-                      <a:endParaRPr lang="ko-KR" altLang="en-US" dirty="0"/>
-                    </a:p>
-                  </a:txBody>
-                  <a:tcPr anchor="ctr">
-                    <a:noFill/>
-                  </a:tcPr>
-                </a:tc>
-                <a:tc>
-                  <a:txBody>
-                    <a:bodyPr/>
-                    <a:lstStyle/>
-                    <a:p>
-                      <a:pPr algn="ctr" latinLnBrk="1"/>
-                      <a:r>
-                        <a:rPr lang="en-US" altLang="ko-KR" sz="1800" kern="1200" dirty="0" smtClean="0">
-                          <a:solidFill>
-                            <a:schemeClr val="tx1"/>
-                          </a:solidFill>
-                          <a:latin typeface="+mn-lt"/>
-                          <a:ea typeface="+mn-ea"/>
-                          <a:cs typeface="+mn-cs"/>
-                        </a:rPr>
-                        <a:t>current()</a:t>
-                      </a:r>
-                      <a:endParaRPr lang="ko-KR" altLang="en-US" dirty="0"/>
-                    </a:p>
-                  </a:txBody>
-                  <a:tcPr>
-                    <a:noFill/>
-                  </a:tcPr>
-                </a:tc>
-                <a:tc>
-                  <a:txBody>
-                    <a:bodyPr/>
-                    <a:lstStyle/>
-                    <a:p>
-                      <a:pPr latinLnBrk="1"/>
-                      <a:r>
-                        <a:rPr lang="en-US" altLang="ko-KR" dirty="0" smtClean="0"/>
-                        <a:t>- </a:t>
-                      </a:r>
-                      <a:r>
-                        <a:rPr lang="ko-KR" altLang="en-US" dirty="0" smtClean="0"/>
-                        <a:t>지정된 파일에 로깅 기록을 위한 현재 날짜 및 시간을 구함</a:t>
-                      </a:r>
-                      <a:r>
-                        <a:rPr lang="en-US" altLang="ko-KR" dirty="0" smtClean="0"/>
-                        <a:t>.</a:t>
-                      </a:r>
-                      <a:endParaRPr lang="ko-KR" altLang="en-US" dirty="0"/>
-                    </a:p>
-                  </a:txBody>
-                  <a:tcPr>
-                    <a:noFill/>
-                  </a:tcPr>
-                </a:tc>
-                <a:extLst>
-                  <a:ext uri="{0D108BD9-81ED-4DB2-BD59-A6C34878D82A}">
-                    <a16:rowId xmlns:a16="http://schemas.microsoft.com/office/drawing/2014/main" val="1711245774"/>
-                  </a:ext>
-                </a:extLst>
-              </a:tr>
-              <a:tr h="370840">
-                <a:tc vMerge="1">
-                  <a:txBody>
-                    <a:bodyPr/>
-                    <a:lstStyle/>
-                    <a:p>
-                      <a:pPr latinLnBrk="1"/>
-                      <a:endParaRPr lang="ko-KR" altLang="en-US" dirty="0"/>
-                    </a:p>
-                  </a:txBody>
-                  <a:tcPr/>
-                </a:tc>
-                <a:tc>
-                  <a:txBody>
-                    <a:bodyPr/>
-                    <a:lstStyle/>
-                    <a:p>
-                      <a:pPr algn="ctr" latinLnBrk="1"/>
-                      <a:r>
-                        <a:rPr lang="en-US" altLang="ko-KR" sz="1800" kern="1200" dirty="0" err="1" smtClean="0">
-                          <a:solidFill>
-                            <a:schemeClr val="tx1"/>
-                          </a:solidFill>
-                          <a:latin typeface="+mn-lt"/>
-                          <a:ea typeface="+mn-ea"/>
-                          <a:cs typeface="+mn-cs"/>
-                        </a:rPr>
-                        <a:t>toString</a:t>
-                      </a:r>
-                      <a:r>
-                        <a:rPr lang="en-US" altLang="ko-KR" sz="1800" kern="1200" dirty="0" smtClean="0">
-                          <a:solidFill>
-                            <a:schemeClr val="tx1"/>
-                          </a:solidFill>
-                          <a:latin typeface="+mn-lt"/>
-                          <a:ea typeface="+mn-ea"/>
-                          <a:cs typeface="+mn-cs"/>
-                        </a:rPr>
-                        <a:t>()</a:t>
-                      </a:r>
-                      <a:endParaRPr lang="ko-KR" altLang="en-US" dirty="0"/>
-                    </a:p>
-                  </a:txBody>
-                  <a:tcPr/>
-                </a:tc>
-                <a:tc>
-                  <a:txBody>
-                    <a:bodyPr/>
-                    <a:lstStyle/>
-                    <a:p>
-                      <a:pPr latinLnBrk="1"/>
-                      <a:r>
-                        <a:rPr lang="en-US" altLang="ko-KR" dirty="0" smtClean="0"/>
-                        <a:t>- </a:t>
-                      </a:r>
-                      <a:r>
-                        <a:rPr lang="ko-KR" altLang="en-US" dirty="0" smtClean="0"/>
-                        <a:t>지정된 파일에 로깅 기록을 위한 현재 날짜 및 시간을 문자열로 변환</a:t>
-                      </a:r>
-                      <a:endParaRPr lang="ko-KR" altLang="en-US" dirty="0"/>
-                    </a:p>
-                  </a:txBody>
-                  <a:tcPr/>
-                </a:tc>
-                <a:extLst>
-                  <a:ext uri="{0D108BD9-81ED-4DB2-BD59-A6C34878D82A}">
-                    <a16:rowId xmlns:a16="http://schemas.microsoft.com/office/drawing/2014/main" val="1506969098"/>
-                  </a:ext>
-                </a:extLst>
-              </a:tr>
-              <a:tr h="370840">
-                <a:tc rowSpan="2">
-                  <a:txBody>
-                    <a:bodyPr/>
-                    <a:lstStyle/>
-                    <a:p>
-                      <a:pPr algn="ctr" latinLnBrk="1"/>
-                      <a:r>
-                        <a:rPr lang="en-US" altLang="ko-KR" dirty="0" err="1" smtClean="0"/>
-                        <a:t>FileTimestamp</a:t>
-                      </a:r>
-                      <a:endParaRPr lang="ko-KR" altLang="en-US" dirty="0"/>
-                    </a:p>
-                  </a:txBody>
-                  <a:tcPr anchor="ctr">
-                    <a:noFill/>
-                  </a:tcPr>
-                </a:tc>
-                <a:tc>
-                  <a:txBody>
-                    <a:bodyPr/>
-                    <a:lstStyle/>
-                    <a:p>
-                      <a:pPr algn="ctr" latinLnBrk="1"/>
-                      <a:r>
-                        <a:rPr lang="en-US" altLang="ko-KR" sz="1800" kern="1200" dirty="0" smtClean="0">
-                          <a:solidFill>
-                            <a:schemeClr val="tx1"/>
-                          </a:solidFill>
-                          <a:latin typeface="+mn-lt"/>
-                          <a:ea typeface="+mn-ea"/>
-                          <a:cs typeface="+mn-cs"/>
-                        </a:rPr>
-                        <a:t>current()</a:t>
-                      </a:r>
-                      <a:endParaRPr lang="ko-KR" altLang="en-US" dirty="0"/>
-                    </a:p>
-                  </a:txBody>
-                  <a:tcPr>
-                    <a:noFill/>
-                  </a:tcPr>
-                </a:tc>
-                <a:tc>
-                  <a:txBody>
-                    <a:bodyPr/>
-                    <a:lstStyle/>
-                    <a:p>
-                      <a:pPr latinLnBrk="1"/>
-                      <a:r>
-                        <a:rPr lang="en-US" altLang="ko-KR" dirty="0" smtClean="0"/>
-                        <a:t>- </a:t>
-                      </a:r>
-                      <a:r>
-                        <a:rPr lang="en-US" altLang="ko-KR" dirty="0" smtClean="0"/>
-                        <a:t> </a:t>
-                      </a:r>
-                      <a:r>
-                        <a:rPr lang="ko-KR" altLang="en-US" dirty="0" smtClean="0"/>
-                        <a:t>파일이름을 정하기 위하여 현재 </a:t>
-                      </a:r>
-                      <a:r>
-                        <a:rPr lang="ko-KR" altLang="en-US" dirty="0" smtClean="0"/>
-                        <a:t>날짜 및 시간을 구함</a:t>
-                      </a:r>
-                      <a:r>
-                        <a:rPr lang="en-US" altLang="ko-KR" dirty="0" smtClean="0"/>
-                        <a:t>.</a:t>
-                      </a:r>
-                      <a:endParaRPr lang="ko-KR" altLang="en-US" dirty="0"/>
-                    </a:p>
-                  </a:txBody>
-                  <a:tcPr>
-                    <a:noFill/>
-                  </a:tcPr>
-                </a:tc>
-                <a:extLst>
-                  <a:ext uri="{0D108BD9-81ED-4DB2-BD59-A6C34878D82A}">
-                    <a16:rowId xmlns:a16="http://schemas.microsoft.com/office/drawing/2014/main" val="1030884307"/>
-                  </a:ext>
-                </a:extLst>
-              </a:tr>
-              <a:tr h="370840">
-                <a:tc vMerge="1">
-                  <a:txBody>
-                    <a:bodyPr/>
-                    <a:lstStyle/>
-                    <a:p>
-                      <a:pPr latinLnBrk="1"/>
-                      <a:endParaRPr lang="ko-KR" altLang="en-US" dirty="0"/>
-                    </a:p>
-                  </a:txBody>
-                  <a:tcPr/>
-                </a:tc>
-                <a:tc>
-                  <a:txBody>
-                    <a:bodyPr/>
-                    <a:lstStyle/>
-                    <a:p>
-                      <a:pPr algn="ctr" latinLnBrk="1"/>
-                      <a:r>
-                        <a:rPr lang="en-US" altLang="ko-KR" sz="1800" kern="1200" dirty="0" err="1" smtClean="0">
-                          <a:solidFill>
-                            <a:schemeClr val="tx1"/>
-                          </a:solidFill>
-                          <a:latin typeface="+mn-lt"/>
-                          <a:ea typeface="+mn-ea"/>
-                          <a:cs typeface="+mn-cs"/>
-                        </a:rPr>
-                        <a:t>toString</a:t>
-                      </a:r>
-                      <a:r>
-                        <a:rPr lang="en-US" altLang="ko-KR" sz="1800" kern="1200" dirty="0" smtClean="0">
-                          <a:solidFill>
-                            <a:schemeClr val="tx1"/>
-                          </a:solidFill>
-                          <a:latin typeface="+mn-lt"/>
-                          <a:ea typeface="+mn-ea"/>
-                          <a:cs typeface="+mn-cs"/>
-                        </a:rPr>
-                        <a:t>()</a:t>
-                      </a:r>
-                      <a:endParaRPr lang="ko-KR" altLang="en-US" dirty="0"/>
-                    </a:p>
-                  </a:txBody>
-                  <a:tcPr/>
-                </a:tc>
-                <a:tc>
-                  <a:txBody>
-                    <a:bodyPr/>
-                    <a:lstStyle/>
-                    <a:p>
-                      <a:pPr marL="285750" indent="-285750" latinLnBrk="1">
-                        <a:buFontTx/>
-                        <a:buChar char="-"/>
-                      </a:pPr>
-                      <a:r>
-                        <a:rPr lang="ko-KR" altLang="en-US" baseline="0" dirty="0" smtClean="0"/>
-                        <a:t>파일이름을 정하기 위해 구한 </a:t>
-                      </a:r>
-                      <a:r>
-                        <a:rPr lang="ko-KR" altLang="en-US" dirty="0" smtClean="0"/>
-                        <a:t>현재 </a:t>
-                      </a:r>
-                      <a:r>
-                        <a:rPr lang="ko-KR" altLang="en-US" dirty="0" smtClean="0"/>
-                        <a:t>날짜 및 시간을 문자열로 </a:t>
-                      </a:r>
-                      <a:r>
-                        <a:rPr lang="ko-KR" altLang="en-US" dirty="0" smtClean="0"/>
-                        <a:t>변환</a:t>
-                      </a:r>
-                      <a:endParaRPr lang="en-US" altLang="ko-KR" dirty="0" smtClean="0"/>
-                    </a:p>
-                    <a:p>
-                      <a:pPr marL="285750" indent="-285750" latinLnBrk="1">
-                        <a:buFontTx/>
-                        <a:buChar char="-"/>
-                      </a:pPr>
-                      <a:r>
-                        <a:rPr lang="ko-KR" altLang="en-US" dirty="0" smtClean="0"/>
-                        <a:t>파일이름 </a:t>
-                      </a:r>
-                      <a:r>
-                        <a:rPr lang="en-US" altLang="ko-KR" dirty="0" smtClean="0"/>
-                        <a:t>:  </a:t>
-                      </a:r>
-                      <a:r>
-                        <a:rPr lang="ko-KR" altLang="en-US" dirty="0" err="1" smtClean="0"/>
-                        <a:t>로깅레벨</a:t>
-                      </a:r>
-                      <a:r>
-                        <a:rPr lang="ko-KR" altLang="en-US" dirty="0" smtClean="0"/>
-                        <a:t> </a:t>
-                      </a:r>
-                      <a:r>
-                        <a:rPr lang="en-US" altLang="ko-KR" dirty="0" smtClean="0"/>
-                        <a:t>+ </a:t>
-                      </a:r>
-                      <a:r>
-                        <a:rPr lang="ko-KR" altLang="en-US" dirty="0" err="1" smtClean="0"/>
-                        <a:t>현재날짜</a:t>
-                      </a:r>
-                      <a:r>
-                        <a:rPr lang="ko-KR" altLang="en-US" dirty="0" smtClean="0"/>
-                        <a:t> 및 시간 </a:t>
-                      </a:r>
-                      <a:r>
-                        <a:rPr lang="en-US" altLang="ko-KR" dirty="0" smtClean="0"/>
-                        <a:t>+ </a:t>
-                      </a:r>
-                      <a:r>
-                        <a:rPr lang="ko-KR" altLang="en-US" dirty="0" err="1" smtClean="0"/>
-                        <a:t>파일번호</a:t>
-                      </a:r>
-                      <a:r>
-                        <a:rPr lang="en-US" altLang="ko-KR" dirty="0" smtClean="0"/>
-                        <a:t>.log</a:t>
-                      </a:r>
-                      <a:endParaRPr lang="ko-KR" altLang="en-US" dirty="0"/>
-                    </a:p>
-                  </a:txBody>
-                  <a:tcPr/>
-                </a:tc>
-                <a:extLst>
-                  <a:ext uri="{0D108BD9-81ED-4DB2-BD59-A6C34878D82A}">
-                    <a16:rowId xmlns:a16="http://schemas.microsoft.com/office/drawing/2014/main" val="1947359717"/>
-                  </a:ext>
-                </a:extLst>
-              </a:tr>
-              <a:tr h="370840">
-                <a:tc>
-                  <a:txBody>
-                    <a:bodyPr/>
-                    <a:lstStyle/>
-                    <a:p>
-                      <a:pPr latinLnBrk="1"/>
-                      <a:r>
-                        <a:rPr lang="en-US" altLang="ko-KR" dirty="0" smtClean="0"/>
-                        <a:t>Context</a:t>
-                      </a:r>
-                      <a:endParaRPr lang="ko-KR" altLang="en-US" dirty="0"/>
-                    </a:p>
-                  </a:txBody>
-                  <a:tcPr>
-                    <a:noFill/>
-                  </a:tcPr>
-                </a:tc>
-                <a:tc>
-                  <a:txBody>
-                    <a:bodyPr/>
-                    <a:lstStyle/>
-                    <a:p>
-                      <a:pPr algn="ctr" latinLnBrk="1"/>
-                      <a:r>
-                        <a:rPr lang="en-US" altLang="ko-KR" sz="1800" kern="1200" dirty="0" err="1" smtClean="0">
-                          <a:solidFill>
-                            <a:schemeClr val="tx1"/>
-                          </a:solidFill>
-                          <a:latin typeface="+mn-lt"/>
-                          <a:ea typeface="+mn-ea"/>
-                          <a:cs typeface="+mn-cs"/>
-                        </a:rPr>
-                        <a:t>toString</a:t>
-                      </a:r>
-                      <a:r>
-                        <a:rPr lang="en-US" altLang="ko-KR" sz="1800" kern="1200" dirty="0" smtClean="0">
-                          <a:solidFill>
-                            <a:schemeClr val="tx1"/>
-                          </a:solidFill>
-                          <a:latin typeface="+mn-lt"/>
-                          <a:ea typeface="+mn-ea"/>
-                          <a:cs typeface="+mn-cs"/>
-                        </a:rPr>
-                        <a:t>()</a:t>
-                      </a:r>
-                      <a:endParaRPr lang="ko-KR" altLang="en-US" dirty="0"/>
-                    </a:p>
-                  </a:txBody>
-                  <a:tcPr>
-                    <a:noFill/>
-                  </a:tcPr>
-                </a:tc>
-                <a:tc>
-                  <a:txBody>
-                    <a:bodyPr/>
-                    <a:lstStyle/>
-                    <a:p>
-                      <a:pPr latinLnBrk="1"/>
-                      <a:r>
-                        <a:rPr lang="en-US" altLang="ko-KR" dirty="0" smtClean="0"/>
-                        <a:t>-</a:t>
-                      </a:r>
-                      <a:r>
-                        <a:rPr lang="en-US" altLang="ko-KR" baseline="0" dirty="0" smtClean="0"/>
-                        <a:t> </a:t>
-                      </a:r>
-                      <a:r>
-                        <a:rPr lang="ko-KR" altLang="en-US" baseline="0" dirty="0" smtClean="0"/>
-                        <a:t>로깅을 기록할 때 </a:t>
-                      </a:r>
-                      <a:r>
-                        <a:rPr kumimoji="1" lang="ko-KR" altLang="en-US" dirty="0" smtClean="0"/>
-                        <a:t>소스 파일의 어떤 함수</a:t>
-                      </a:r>
-                      <a:r>
-                        <a:rPr kumimoji="1" lang="en-US" altLang="ko-KR" dirty="0" smtClean="0"/>
-                        <a:t>,</a:t>
-                      </a:r>
-                      <a:r>
-                        <a:rPr kumimoji="1" lang="ko-KR" altLang="en-US" dirty="0" smtClean="0"/>
-                        <a:t> 어떤 위치에서 발생한 정보인지 </a:t>
-                      </a:r>
-                      <a:r>
-                        <a:rPr kumimoji="1" lang="ko-KR" altLang="en-US" baseline="0" dirty="0" smtClean="0"/>
-                        <a:t> 문자열로 저장함</a:t>
-                      </a:r>
-                      <a:r>
-                        <a:rPr kumimoji="1" lang="en-US" altLang="ko-KR" baseline="0" dirty="0" smtClean="0"/>
-                        <a:t>. </a:t>
-                      </a:r>
-                      <a:endParaRPr lang="ko-KR" altLang="en-US" dirty="0"/>
-                    </a:p>
-                  </a:txBody>
-                  <a:tcPr>
-                    <a:noFill/>
-                  </a:tcPr>
-                </a:tc>
-                <a:extLst>
-                  <a:ext uri="{0D108BD9-81ED-4DB2-BD59-A6C34878D82A}">
-                    <a16:rowId xmlns:a16="http://schemas.microsoft.com/office/drawing/2014/main" val="1969393848"/>
-                  </a:ext>
-                </a:extLst>
-              </a:tr>
-            </a:tbl>
-          </a:graphicData>
-        </a:graphic>
-      </p:graphicFrame>
-    </p:spTree>
-    <p:extLst>
-      <p:ext uri="{BB962C8B-B14F-4D97-AF65-F5344CB8AC3E}">
-        <p14:creationId xmlns:p14="http://schemas.microsoft.com/office/powerpoint/2010/main" val="1078649214"/>
-      </p:ext>
-    </p:extLst>
-  </p:cSld>
-  <p:clrMapOvr>
-    <a:masterClrMapping/>
-  </p:clrMapOvr>
-  <p:timing>
-    <p:tnLst>
-      <p:par>
-        <p:cTn id="1" dur="indefinite" restart="never" nodeType="tmRoot"/>
-      </p:par>
-    </p:tnLst>
-  </p:timing>
-</p:sld>
-</file>
-
-<file path=ppt/slides/slide7.xml><?xml version="1.0" encoding="utf-8"?>
-<p:sld xmlns:a="http://schemas.openxmlformats.org/drawingml/2006/main" xmlns:r="http://schemas.openxmlformats.org/officeDocument/2006/relationships" xmlns:p="http://schemas.openxmlformats.org/presentationml/2006/main">
-  <p:cSld>
-    <p:spTree>
-      <p:nvGrpSpPr>
-        <p:cNvPr id="1" name=""/>
-        <p:cNvGrpSpPr/>
-        <p:nvPr/>
-      </p:nvGrpSpPr>
-      <p:grpSpPr>
-        <a:xfrm>
-          <a:off x="0" y="0"/>
-          <a:ext cx="0" cy="0"/>
-          <a:chOff x="0" y="0"/>
-          <a:chExt cx="0" cy="0"/>
-        </a:xfrm>
-      </p:grpSpPr>
-      <p:sp>
-        <p:nvSpPr>
-          <p:cNvPr id="2" name="제목 1"/>
-          <p:cNvSpPr>
-            <a:spLocks noGrp="1"/>
-          </p:cNvSpPr>
-          <p:nvPr>
-            <p:ph type="title"/>
-          </p:nvPr>
-        </p:nvSpPr>
-        <p:spPr/>
-        <p:txBody>
-          <a:bodyPr>
-            <a:normAutofit/>
-          </a:bodyPr>
-          <a:lstStyle/>
-          <a:p>
-            <a:r>
-              <a:rPr kumimoji="1" lang="en-US" altLang="ko-KR" b="1" dirty="0"/>
-              <a:t>API  </a:t>
-            </a:r>
-            <a:r>
-              <a:rPr kumimoji="1" lang="ko-KR" altLang="en-US" b="1" dirty="0" smtClean="0"/>
-              <a:t>사용방법</a:t>
-            </a:r>
-            <a:endParaRPr kumimoji="1" lang="ko-KR" altLang="en-US" b="1" dirty="0"/>
-          </a:p>
-        </p:txBody>
-      </p:sp>
-      <p:sp>
-        <p:nvSpPr>
-          <p:cNvPr id="3" name="내용 개체 틀 2"/>
-          <p:cNvSpPr>
-            <a:spLocks noGrp="1"/>
-          </p:cNvSpPr>
-          <p:nvPr>
-            <p:ph idx="1"/>
-          </p:nvPr>
-        </p:nvSpPr>
-        <p:spPr/>
-        <p:txBody>
-          <a:bodyPr>
-            <a:normAutofit fontScale="47500" lnSpcReduction="20000"/>
-          </a:bodyPr>
-          <a:lstStyle/>
-          <a:p>
-            <a:pPr marL="514350" indent="-514350">
-              <a:lnSpc>
-                <a:spcPct val="170000"/>
-              </a:lnSpc>
-              <a:buAutoNum type="arabicPeriod"/>
-            </a:pPr>
-            <a:r>
-              <a:rPr lang="en-US" altLang="ko-KR" dirty="0" smtClean="0"/>
-              <a:t>main.cpp</a:t>
-            </a:r>
-            <a:r>
-              <a:rPr lang="ko-KR" altLang="en-US" dirty="0" smtClean="0"/>
-              <a:t>의 </a:t>
-            </a:r>
-            <a:r>
-              <a:rPr lang="en-US" altLang="ko-KR" dirty="0" smtClean="0"/>
-              <a:t>main</a:t>
-            </a:r>
-            <a:r>
-              <a:rPr lang="ko-KR" altLang="en-US" dirty="0" smtClean="0"/>
-              <a:t>함수 내에 다음과 같은 코드를 추가한 후 빌드 후 실행한다</a:t>
-            </a:r>
-            <a:r>
-              <a:rPr lang="en-US" altLang="ko-KR" dirty="0" smtClean="0"/>
-              <a:t>.</a:t>
-            </a:r>
-          </a:p>
-          <a:p>
-            <a:pPr marL="806958" lvl="1" indent="-514350">
-              <a:lnSpc>
-                <a:spcPct val="170000"/>
-              </a:lnSpc>
-              <a:buAutoNum type="arabicPeriod"/>
-            </a:pPr>
-            <a:r>
-              <a:rPr lang="ko-KR" altLang="en-US" dirty="0" smtClean="0"/>
-              <a:t>화면에 </a:t>
-            </a:r>
-            <a:r>
-              <a:rPr lang="ko-KR" altLang="en-US" dirty="0" err="1" smtClean="0"/>
-              <a:t>로깅내용이</a:t>
-            </a:r>
-            <a:r>
-              <a:rPr lang="ko-KR" altLang="en-US" dirty="0" smtClean="0"/>
-              <a:t> 출력되길 원</a:t>
-            </a:r>
-            <a:r>
-              <a:rPr lang="ko-KR" altLang="en-US" dirty="0"/>
-              <a:t>할</a:t>
-            </a:r>
-            <a:r>
-              <a:rPr lang="ko-KR" altLang="en-US" dirty="0" smtClean="0"/>
-              <a:t> 경우</a:t>
-            </a:r>
-            <a:r>
-              <a:rPr lang="en-US" altLang="ko-KR" dirty="0" smtClean="0"/>
-              <a:t/>
-            </a:r>
-            <a:br>
-              <a:rPr lang="en-US" altLang="ko-KR" dirty="0" smtClean="0"/>
-            </a:br>
-            <a:r>
-              <a:rPr lang="en-US" altLang="ko-KR" dirty="0" smtClean="0"/>
-              <a:t>PRINTDISPLAY(true);</a:t>
-            </a:r>
-          </a:p>
-          <a:p>
-            <a:pPr marL="806958" lvl="1" indent="-514350">
-              <a:lnSpc>
-                <a:spcPct val="170000"/>
-              </a:lnSpc>
-              <a:buAutoNum type="arabicPeriod"/>
-            </a:pPr>
-            <a:r>
-              <a:rPr lang="ko-KR" altLang="en-US" dirty="0" smtClean="0"/>
-              <a:t>화면에 로깅 내용이 출력되길 원하지 않을 경우</a:t>
-            </a:r>
-            <a:r>
-              <a:rPr lang="en-US" altLang="ko-KR" dirty="0" smtClean="0"/>
-              <a:t/>
-            </a:r>
-            <a:br>
-              <a:rPr lang="en-US" altLang="ko-KR" dirty="0" smtClean="0"/>
-            </a:br>
-            <a:r>
-              <a:rPr lang="en-US" altLang="ko-KR" dirty="0" smtClean="0"/>
-              <a:t>PRINTDISPLAY(false);</a:t>
-            </a:r>
-          </a:p>
-          <a:p>
-            <a:pPr marL="806958" lvl="1" indent="-514350">
-              <a:lnSpc>
-                <a:spcPct val="170000"/>
-              </a:lnSpc>
-              <a:buAutoNum type="arabicPeriod"/>
-            </a:pPr>
-            <a:r>
-              <a:rPr lang="ko-KR" altLang="en-US" dirty="0" smtClean="0"/>
-              <a:t>코드가 설치되어 있는 폴더에 </a:t>
-            </a:r>
-            <a:r>
-              <a:rPr lang="ko-KR" altLang="en-US" dirty="0"/>
-              <a:t> </a:t>
-            </a:r>
-            <a:r>
-              <a:rPr lang="en-US" altLang="ko-KR" dirty="0" smtClean="0"/>
-              <a:t>log</a:t>
-            </a:r>
-            <a:r>
-              <a:rPr lang="ko-KR" altLang="en-US" dirty="0" smtClean="0"/>
-              <a:t>파일 추가를 원할 경우</a:t>
-            </a:r>
-            <a:r>
-              <a:rPr lang="en-US" altLang="ko-KR" dirty="0" smtClean="0"/>
-              <a:t/>
-            </a:r>
-            <a:br>
-              <a:rPr lang="en-US" altLang="ko-KR" dirty="0" smtClean="0"/>
-            </a:br>
-            <a:r>
-              <a:rPr lang="en-US" altLang="ko-KR" dirty="0"/>
-              <a:t>LOG</a:t>
-            </a:r>
-            <a:r>
-              <a:rPr lang="en-US" altLang="ko-KR" dirty="0" smtClean="0"/>
-              <a:t>(“”, level, “ </a:t>
-            </a:r>
-            <a:r>
-              <a:rPr lang="ko-KR" altLang="en-US" dirty="0" smtClean="0"/>
-              <a:t>메시지</a:t>
-            </a:r>
-            <a:r>
-              <a:rPr lang="en-US" altLang="ko-KR" dirty="0" smtClean="0"/>
-              <a:t>＂);</a:t>
-            </a:r>
-            <a:br>
-              <a:rPr lang="en-US" altLang="ko-KR" dirty="0" smtClean="0"/>
-            </a:br>
-            <a:r>
-              <a:rPr lang="en-US" altLang="ko-KR" dirty="0" smtClean="0"/>
-              <a:t>  </a:t>
-            </a:r>
-            <a:r>
-              <a:rPr lang="en-US" altLang="ko-KR" dirty="0" smtClean="0">
-                <a:sym typeface="Wingdings" panose="05000000000000000000" pitchFamily="2" charset="2"/>
-              </a:rPr>
-              <a:t> </a:t>
-            </a:r>
-            <a:r>
-              <a:rPr lang="ko-KR" altLang="en-US" dirty="0" smtClean="0">
-                <a:sym typeface="Wingdings" panose="05000000000000000000" pitchFamily="2" charset="2"/>
-              </a:rPr>
-              <a:t>여기서 </a:t>
-            </a:r>
-            <a:r>
-              <a:rPr lang="en-US" altLang="ko-KR" dirty="0" smtClean="0">
-                <a:sym typeface="Wingdings" panose="05000000000000000000" pitchFamily="2" charset="2"/>
-              </a:rPr>
-              <a:t>level</a:t>
-            </a:r>
-            <a:r>
-              <a:rPr lang="ko-KR" altLang="en-US" dirty="0" smtClean="0">
-                <a:sym typeface="Wingdings" panose="05000000000000000000" pitchFamily="2" charset="2"/>
-              </a:rPr>
-              <a:t>은 </a:t>
-            </a:r>
-            <a:r>
-              <a:rPr lang="en-US" altLang="ko-KR" dirty="0" smtClean="0">
-                <a:sym typeface="Wingdings" panose="05000000000000000000" pitchFamily="2" charset="2"/>
-              </a:rPr>
-              <a:t>INFO, DEBUG, WARN, ERROR</a:t>
-            </a:r>
-            <a:r>
-              <a:rPr lang="ko-KR" altLang="en-US" dirty="0" smtClean="0">
-                <a:sym typeface="Wingdings" panose="05000000000000000000" pitchFamily="2" charset="2"/>
-              </a:rPr>
-              <a:t>를 가리킨다</a:t>
-            </a:r>
-            <a:r>
-              <a:rPr lang="en-US" altLang="ko-KR" dirty="0" smtClean="0">
-                <a:sym typeface="Wingdings" panose="05000000000000000000" pitchFamily="2" charset="2"/>
-              </a:rPr>
-              <a:t>.</a:t>
-            </a:r>
-            <a:br>
-              <a:rPr lang="en-US" altLang="ko-KR" dirty="0" smtClean="0">
-                <a:sym typeface="Wingdings" panose="05000000000000000000" pitchFamily="2" charset="2"/>
-              </a:rPr>
-            </a:br>
-            <a:r>
-              <a:rPr lang="en-US" altLang="ko-KR" dirty="0" smtClean="0">
-                <a:sym typeface="Wingdings" panose="05000000000000000000" pitchFamily="2" charset="2"/>
-              </a:rPr>
-              <a:t>  Ex) </a:t>
-            </a:r>
-            <a:r>
-              <a:rPr lang="en-US" altLang="ko-KR" dirty="0"/>
-              <a:t>LOG</a:t>
-            </a:r>
-            <a:r>
-              <a:rPr lang="en-US" altLang="ko-KR" dirty="0" smtClean="0"/>
-              <a:t>(＂＂, </a:t>
-            </a:r>
-            <a:r>
-              <a:rPr lang="en-US" altLang="ko-KR" dirty="0"/>
-              <a:t>INFO, </a:t>
-            </a:r>
-            <a:r>
-              <a:rPr lang="en-US" altLang="ko-KR" dirty="0" smtClean="0"/>
-              <a:t>＂info</a:t>
-            </a:r>
-            <a:r>
-              <a:rPr lang="ko-KR" altLang="en-US" dirty="0" smtClean="0"/>
-              <a:t>메시지</a:t>
-            </a:r>
-            <a:r>
-              <a:rPr lang="en-US" altLang="ko-KR" dirty="0" smtClean="0"/>
-              <a:t>＂);</a:t>
-            </a:r>
-          </a:p>
-          <a:p>
-            <a:pPr marL="806958" lvl="1" indent="-514350">
-              <a:lnSpc>
-                <a:spcPct val="170000"/>
-              </a:lnSpc>
-              <a:buAutoNum type="arabicPeriod"/>
-            </a:pPr>
-            <a:r>
-              <a:rPr lang="ko-KR" altLang="en-US" dirty="0" smtClean="0"/>
-              <a:t>코드가 설치되어 있는 폴더 하위 폴더에 </a:t>
-            </a:r>
-            <a:r>
-              <a:rPr lang="en-US" altLang="ko-KR" dirty="0" smtClean="0"/>
-              <a:t>log</a:t>
-            </a:r>
-            <a:r>
-              <a:rPr lang="ko-KR" altLang="en-US" dirty="0" smtClean="0"/>
-              <a:t>파일 추가를 원할 경우</a:t>
-            </a:r>
-            <a:r>
-              <a:rPr lang="en-US" altLang="ko-KR" dirty="0"/>
-              <a:t/>
-            </a:r>
-            <a:br>
-              <a:rPr lang="en-US" altLang="ko-KR" dirty="0"/>
-            </a:br>
-            <a:r>
-              <a:rPr lang="en-US" altLang="ko-KR" dirty="0" smtClean="0"/>
-              <a:t>LOG("</a:t>
-            </a:r>
-            <a:r>
-              <a:rPr lang="ko-KR" altLang="en-US" dirty="0" err="1" smtClean="0"/>
-              <a:t>폴더명</a:t>
-            </a:r>
-            <a:r>
-              <a:rPr lang="en-US" altLang="ko-KR" dirty="0" smtClean="0"/>
-              <a:t>\\", level, “</a:t>
-            </a:r>
-            <a:r>
-              <a:rPr lang="ko-KR" altLang="en-US" dirty="0" smtClean="0"/>
-              <a:t>메시지</a:t>
-            </a:r>
-            <a:r>
-              <a:rPr lang="en-US" altLang="ko-KR" dirty="0" smtClean="0"/>
-              <a:t>”);</a:t>
-            </a:r>
-            <a:br>
-              <a:rPr lang="en-US" altLang="ko-KR" dirty="0" smtClean="0"/>
-            </a:br>
-            <a:r>
-              <a:rPr lang="en-US" altLang="ko-KR" dirty="0" smtClean="0"/>
-              <a:t>  </a:t>
-            </a:r>
-            <a:r>
-              <a:rPr lang="en-US" altLang="ko-KR" dirty="0" smtClean="0">
-                <a:sym typeface="Wingdings" panose="05000000000000000000" pitchFamily="2" charset="2"/>
-              </a:rPr>
-              <a:t> </a:t>
-            </a:r>
-            <a:r>
-              <a:rPr lang="ko-KR" altLang="en-US" dirty="0" smtClean="0">
-                <a:sym typeface="Wingdings" panose="05000000000000000000" pitchFamily="2" charset="2"/>
-              </a:rPr>
-              <a:t>여기서 </a:t>
-            </a:r>
-            <a:r>
-              <a:rPr lang="en-US" altLang="ko-KR" dirty="0" smtClean="0">
-                <a:sym typeface="Wingdings" panose="05000000000000000000" pitchFamily="2" charset="2"/>
-              </a:rPr>
-              <a:t>\</a:t>
-            </a:r>
-            <a:r>
-              <a:rPr lang="ko-KR" altLang="en-US" dirty="0" smtClean="0">
-                <a:sym typeface="Wingdings" panose="05000000000000000000" pitchFamily="2" charset="2"/>
-              </a:rPr>
-              <a:t>은 </a:t>
-            </a:r>
-            <a:r>
-              <a:rPr lang="en-US" altLang="ko-KR" dirty="0" smtClean="0">
-                <a:sym typeface="Wingdings" panose="05000000000000000000" pitchFamily="2" charset="2"/>
-              </a:rPr>
-              <a:t>2</a:t>
-            </a:r>
-            <a:r>
-              <a:rPr lang="ko-KR" altLang="en-US" dirty="0" smtClean="0">
-                <a:sym typeface="Wingdings" panose="05000000000000000000" pitchFamily="2" charset="2"/>
-              </a:rPr>
-              <a:t>번 써야 인식된다</a:t>
-            </a:r>
-            <a:r>
-              <a:rPr lang="en-US" altLang="ko-KR" dirty="0" smtClean="0">
-                <a:sym typeface="Wingdings" panose="05000000000000000000" pitchFamily="2" charset="2"/>
-              </a:rPr>
-              <a:t>.</a:t>
-            </a:r>
-            <a:br>
-              <a:rPr lang="en-US" altLang="ko-KR" dirty="0" smtClean="0">
-                <a:sym typeface="Wingdings" panose="05000000000000000000" pitchFamily="2" charset="2"/>
-              </a:rPr>
-            </a:br>
-            <a:r>
-              <a:rPr lang="en-US" altLang="ko-KR" dirty="0" smtClean="0">
-                <a:sym typeface="Wingdings" panose="05000000000000000000" pitchFamily="2" charset="2"/>
-              </a:rPr>
-              <a:t>  Ex) </a:t>
-            </a:r>
-            <a:r>
-              <a:rPr lang="en-US" altLang="ko-KR" dirty="0"/>
-              <a:t>LOG("LOG\\",DEBUG, "debug</a:t>
-            </a:r>
-            <a:r>
-              <a:rPr lang="ko-KR" altLang="en-US" dirty="0"/>
-              <a:t>메시지</a:t>
-            </a:r>
-            <a:r>
-              <a:rPr lang="en-US" altLang="ko-KR" dirty="0" smtClean="0"/>
-              <a:t>");</a:t>
-            </a:r>
-          </a:p>
-          <a:p>
-            <a:pPr marL="806958" lvl="1" indent="-514350">
-              <a:lnSpc>
-                <a:spcPct val="170000"/>
-              </a:lnSpc>
-              <a:buAutoNum type="arabicPeriod"/>
-            </a:pPr>
-            <a:r>
-              <a:rPr lang="en-US" altLang="ko-KR" dirty="0" smtClean="0"/>
-              <a:t> </a:t>
-            </a:r>
-            <a:r>
-              <a:rPr lang="ko-KR" altLang="en-US" dirty="0" smtClean="0"/>
-              <a:t>외장드라이브로 경로 지정을 원할 경우</a:t>
-            </a:r>
-            <a:r>
-              <a:rPr lang="en-US" altLang="ko-KR" dirty="0" smtClean="0"/>
-              <a:t/>
-            </a:r>
-            <a:br>
-              <a:rPr lang="en-US" altLang="ko-KR" dirty="0" smtClean="0"/>
-            </a:br>
-            <a:r>
-              <a:rPr lang="en-US" altLang="ko-KR" dirty="0" smtClean="0"/>
-              <a:t>LOG(“</a:t>
-            </a:r>
-            <a:r>
-              <a:rPr lang="ko-KR" altLang="en-US" dirty="0" smtClean="0"/>
-              <a:t>드라이브명</a:t>
-            </a:r>
-            <a:r>
-              <a:rPr lang="en-US" altLang="ko-KR" dirty="0" smtClean="0"/>
-              <a:t>:\\</a:t>
-            </a:r>
-            <a:r>
-              <a:rPr lang="ko-KR" altLang="en-US" dirty="0" err="1" smtClean="0"/>
-              <a:t>폴더명</a:t>
-            </a:r>
-            <a:r>
-              <a:rPr lang="en-US" altLang="ko-KR" dirty="0" smtClean="0"/>
-              <a:t>\\”, level, </a:t>
-            </a:r>
-            <a:r>
-              <a:rPr lang="en-US" altLang="ko-KR" dirty="0"/>
-              <a:t>“</a:t>
-            </a:r>
-            <a:r>
-              <a:rPr lang="ko-KR" altLang="en-US" dirty="0"/>
-              <a:t>메시지</a:t>
-            </a:r>
-            <a:r>
-              <a:rPr lang="en-US" altLang="ko-KR" dirty="0" smtClean="0"/>
-              <a:t>”);</a:t>
-            </a:r>
-            <a:br>
-              <a:rPr lang="en-US" altLang="ko-KR" dirty="0" smtClean="0"/>
-            </a:br>
-            <a:r>
-              <a:rPr lang="en-US" altLang="ko-KR" dirty="0" smtClean="0"/>
-              <a:t>  </a:t>
-            </a:r>
-            <a:r>
-              <a:rPr lang="en-US" altLang="ko-KR" dirty="0" smtClean="0">
-                <a:sym typeface="Wingdings" panose="05000000000000000000" pitchFamily="2" charset="2"/>
-              </a:rPr>
-              <a:t> </a:t>
-            </a:r>
-            <a:r>
-              <a:rPr lang="ko-KR" altLang="en-US" dirty="0" smtClean="0">
-                <a:sym typeface="Wingdings" panose="05000000000000000000" pitchFamily="2" charset="2"/>
-              </a:rPr>
-              <a:t>여기서 </a:t>
-            </a:r>
-            <a:r>
-              <a:rPr lang="en-US" altLang="ko-KR" dirty="0" smtClean="0">
-                <a:sym typeface="Wingdings" panose="05000000000000000000" pitchFamily="2" charset="2"/>
-              </a:rPr>
-              <a:t>\</a:t>
-            </a:r>
-            <a:r>
-              <a:rPr lang="ko-KR" altLang="en-US" dirty="0" smtClean="0">
-                <a:sym typeface="Wingdings" panose="05000000000000000000" pitchFamily="2" charset="2"/>
-              </a:rPr>
-              <a:t>은 </a:t>
-            </a:r>
-            <a:r>
-              <a:rPr lang="en-US" altLang="ko-KR" dirty="0" smtClean="0">
-                <a:sym typeface="Wingdings" panose="05000000000000000000" pitchFamily="2" charset="2"/>
-              </a:rPr>
-              <a:t>2</a:t>
-            </a:r>
-            <a:r>
-              <a:rPr lang="ko-KR" altLang="en-US" dirty="0" smtClean="0">
-                <a:sym typeface="Wingdings" panose="05000000000000000000" pitchFamily="2" charset="2"/>
-              </a:rPr>
-              <a:t>번 써야 인식된다</a:t>
-            </a:r>
-            <a:r>
-              <a:rPr lang="en-US" altLang="ko-KR" dirty="0" smtClean="0">
-                <a:sym typeface="Wingdings" panose="05000000000000000000" pitchFamily="2" charset="2"/>
-              </a:rPr>
-              <a:t>.</a:t>
-            </a:r>
-            <a:br>
-              <a:rPr lang="en-US" altLang="ko-KR" dirty="0" smtClean="0">
-                <a:sym typeface="Wingdings" panose="05000000000000000000" pitchFamily="2" charset="2"/>
-              </a:rPr>
-            </a:br>
-            <a:r>
-              <a:rPr lang="en-US" altLang="ko-KR" dirty="0" smtClean="0">
-                <a:sym typeface="Wingdings" panose="05000000000000000000" pitchFamily="2" charset="2"/>
-              </a:rPr>
-              <a:t>  Ex) </a:t>
-            </a:r>
-            <a:r>
-              <a:rPr lang="en-US" altLang="ko-KR" dirty="0" smtClean="0"/>
-              <a:t>LOG(“D:\\LOG</a:t>
-            </a:r>
-            <a:r>
-              <a:rPr lang="en-US" altLang="ko-KR" dirty="0"/>
-              <a:t>\\",WARN, "warn</a:t>
-            </a:r>
-            <a:r>
-              <a:rPr lang="ko-KR" altLang="en-US" dirty="0"/>
-              <a:t>메시지</a:t>
-            </a:r>
-            <a:r>
-              <a:rPr lang="en-US" altLang="ko-KR" dirty="0"/>
-              <a:t>");</a:t>
-            </a:r>
-            <a:endParaRPr lang="ko-KR" altLang="en-US" dirty="0"/>
-          </a:p>
-        </p:txBody>
-      </p:sp>
-      <p:pic>
-        <p:nvPicPr>
-          <p:cNvPr id="6" name="그림 5"/>
-          <p:cNvPicPr>
-            <a:picLocks noChangeAspect="1"/>
-          </p:cNvPicPr>
-          <p:nvPr/>
-        </p:nvPicPr>
-        <p:blipFill>
-          <a:blip r:embed="rId2"/>
-          <a:stretch>
-            <a:fillRect/>
-          </a:stretch>
-        </p:blipFill>
-        <p:spPr>
-          <a:xfrm>
-            <a:off x="5806440" y="2023682"/>
-            <a:ext cx="4953715" cy="2713070"/>
-          </a:xfrm>
-          <a:prstGeom prst="rect">
-            <a:avLst/>
-          </a:prstGeom>
-        </p:spPr>
-      </p:pic>
-    </p:spTree>
-    <p:extLst>
-      <p:ext uri="{BB962C8B-B14F-4D97-AF65-F5344CB8AC3E}">
-        <p14:creationId xmlns:p14="http://schemas.microsoft.com/office/powerpoint/2010/main" val="4253594923"/>
-      </p:ext>
-    </p:extLst>
-  </p:cSld>
-  <p:clrMapOvr>
-    <a:masterClrMapping/>
-  </p:clrMapOvr>
-  <p:timing>
-    <p:tnLst>
-      <p:par>
-        <p:cTn id="1" dur="indefinite" restart="never" nodeType="tmRoot"/>
-      </p:par>
-    </p:tnLst>
-  </p:timing>
-</p:sld>
-</file>
-
-<file path=ppt/slides/slide8.xml><?xml version="1.0" encoding="utf-8"?>
-<p:sld xmlns:a="http://schemas.openxmlformats.org/drawingml/2006/main" xmlns:r="http://schemas.openxmlformats.org/officeDocument/2006/relationships" xmlns:p="http://schemas.openxmlformats.org/presentationml/2006/main">
-  <p:cSld>
-    <p:spTree>
-      <p:nvGrpSpPr>
-        <p:cNvPr id="1" name=""/>
-        <p:cNvGrpSpPr/>
-        <p:nvPr/>
-      </p:nvGrpSpPr>
-      <p:grpSpPr>
-        <a:xfrm>
-          <a:off x="0" y="0"/>
-          <a:ext cx="0" cy="0"/>
-          <a:chOff x="0" y="0"/>
-          <a:chExt cx="0" cy="0"/>
-        </a:xfrm>
-      </p:grpSpPr>
-      <p:sp>
-        <p:nvSpPr>
-          <p:cNvPr id="2" name="제목 1"/>
-          <p:cNvSpPr>
-            <a:spLocks noGrp="1"/>
-          </p:cNvSpPr>
-          <p:nvPr>
-            <p:ph type="title"/>
-          </p:nvPr>
-        </p:nvSpPr>
-        <p:spPr/>
-        <p:txBody>
-          <a:bodyPr>
-            <a:normAutofit/>
-          </a:bodyPr>
-          <a:lstStyle/>
-          <a:p>
-            <a:r>
               <a:rPr kumimoji="1" lang="en-US" altLang="ko-KR" sz="4400" b="1" dirty="0"/>
               <a:t>API  </a:t>
             </a:r>
@@ -30315,13 +27599,7 @@
           <p:cNvGraphicFramePr>
             <a:graphicFrameLocks noGrp="1"/>
           </p:cNvGraphicFramePr>
-          <p:nvPr>
-            <p:extLst>
-              <p:ext uri="{D42A27DB-BD31-4B8C-83A1-F6EECF244321}">
-                <p14:modId xmlns:p14="http://schemas.microsoft.com/office/powerpoint/2010/main" val="1416782232"/>
-              </p:ext>
-            </p:extLst>
-          </p:nvPr>
+          <p:nvPr/>
         </p:nvGraphicFramePr>
         <p:xfrm>
           <a:off x="987551" y="2094146"/>
@@ -31341,7 +28619,7 @@
     </p:spTree>
     <p:extLst>
       <p:ext uri="{BB962C8B-B14F-4D97-AF65-F5344CB8AC3E}">
-        <p14:creationId xmlns:p14="http://schemas.microsoft.com/office/powerpoint/2010/main" val="532949548"/>
+        <p14:creationId xmlns:p14="http://schemas.microsoft.com/office/powerpoint/2010/main" val="2460474756"/>
       </p:ext>
     </p:extLst>
   </p:cSld>
@@ -31358,7 +28636,7 @@
 </p:sld>
 </file>
 
-<file path=ppt/slides/slide9.xml><?xml version="1.0" encoding="utf-8"?>
+<file path=ppt/slides/slide5.xml><?xml version="1.0" encoding="utf-8"?>
 <p:sld xmlns:a="http://schemas.openxmlformats.org/drawingml/2006/main" xmlns:r="http://schemas.openxmlformats.org/officeDocument/2006/relationships" xmlns:p="http://schemas.openxmlformats.org/presentationml/2006/main">
   <p:cSld>
     <p:spTree>
@@ -31873,7 +29151,2142 @@
     </p:spTree>
     <p:extLst>
       <p:ext uri="{BB962C8B-B14F-4D97-AF65-F5344CB8AC3E}">
-        <p14:creationId xmlns:p14="http://schemas.microsoft.com/office/powerpoint/2010/main" val="2618810143"/>
+        <p14:creationId xmlns:p14="http://schemas.microsoft.com/office/powerpoint/2010/main" val="2131932184"/>
+      </p:ext>
+    </p:extLst>
+  </p:cSld>
+  <p:clrMapOvr>
+    <a:masterClrMapping/>
+  </p:clrMapOvr>
+  <p:timing>
+    <p:tnLst>
+      <p:par>
+        <p:cTn id="1" dur="indefinite" restart="never" nodeType="tmRoot"/>
+      </p:par>
+    </p:tnLst>
+  </p:timing>
+</p:sld>
+</file>
+
+<file path=ppt/slides/slide6.xml><?xml version="1.0" encoding="utf-8"?>
+<p:sld xmlns:a="http://schemas.openxmlformats.org/drawingml/2006/main" xmlns:r="http://schemas.openxmlformats.org/officeDocument/2006/relationships" xmlns:p="http://schemas.openxmlformats.org/presentationml/2006/main">
+  <p:cSld>
+    <p:spTree>
+      <p:nvGrpSpPr>
+        <p:cNvPr id="1" name=""/>
+        <p:cNvGrpSpPr/>
+        <p:nvPr/>
+      </p:nvGrpSpPr>
+      <p:grpSpPr>
+        <a:xfrm>
+          <a:off x="0" y="0"/>
+          <a:ext cx="0" cy="0"/>
+          <a:chOff x="0" y="0"/>
+          <a:chExt cx="0" cy="0"/>
+        </a:xfrm>
+      </p:grpSpPr>
+      <p:sp>
+        <p:nvSpPr>
+          <p:cNvPr id="2" name="제목 1"/>
+          <p:cNvSpPr>
+            <a:spLocks noGrp="1"/>
+          </p:cNvSpPr>
+          <p:nvPr>
+            <p:ph type="title"/>
+          </p:nvPr>
+        </p:nvSpPr>
+        <p:spPr/>
+        <p:txBody>
+          <a:bodyPr>
+            <a:normAutofit/>
+          </a:bodyPr>
+          <a:lstStyle/>
+          <a:p>
+            <a:r>
+              <a:rPr kumimoji="1" lang="en-US" altLang="ko-KR" b="1" dirty="0"/>
+              <a:t>API  </a:t>
+            </a:r>
+            <a:r>
+              <a:rPr kumimoji="1" lang="ko-KR" altLang="en-US" b="1" dirty="0" err="1" smtClean="0"/>
+              <a:t>사용예제</a:t>
+            </a:r>
+            <a:endParaRPr kumimoji="1" lang="ko-KR" altLang="en-US" b="1" dirty="0"/>
+          </a:p>
+        </p:txBody>
+      </p:sp>
+      <p:sp>
+        <p:nvSpPr>
+          <p:cNvPr id="3" name="내용 개체 틀 2"/>
+          <p:cNvSpPr>
+            <a:spLocks noGrp="1"/>
+          </p:cNvSpPr>
+          <p:nvPr>
+            <p:ph idx="1"/>
+          </p:nvPr>
+        </p:nvSpPr>
+        <p:spPr/>
+        <p:txBody>
+          <a:bodyPr>
+            <a:normAutofit/>
+          </a:bodyPr>
+          <a:lstStyle/>
+          <a:p>
+            <a:pPr marL="0" indent="0">
+              <a:lnSpc>
+                <a:spcPct val="120000"/>
+              </a:lnSpc>
+              <a:buNone/>
+            </a:pPr>
+            <a:r>
+              <a:rPr lang="en-US" altLang="ko-KR" dirty="0" smtClean="0"/>
+              <a:t>main.cpp</a:t>
+            </a:r>
+            <a:r>
+              <a:rPr lang="ko-KR" altLang="en-US" dirty="0" smtClean="0"/>
+              <a:t>의 </a:t>
+            </a:r>
+            <a:r>
+              <a:rPr lang="en-US" altLang="ko-KR" dirty="0" smtClean="0"/>
+              <a:t>main</a:t>
+            </a:r>
+            <a:r>
+              <a:rPr lang="ko-KR" altLang="en-US" dirty="0" smtClean="0"/>
+              <a:t>함수를 앞의</a:t>
+            </a:r>
+            <a:r>
+              <a:rPr lang="en-US" altLang="ko-KR" dirty="0" smtClean="0"/>
+              <a:t> API </a:t>
+            </a:r>
+            <a:r>
+              <a:rPr lang="ko-KR" altLang="en-US" dirty="0" smtClean="0"/>
+              <a:t>사용법에 따라 다음과 같이 입력할 경우</a:t>
+            </a:r>
+            <a:r>
+              <a:rPr lang="en-US" altLang="ko-KR" dirty="0" smtClean="0"/>
+              <a:t>.</a:t>
+            </a:r>
+          </a:p>
+          <a:p>
+            <a:pPr marL="806958" lvl="1" indent="-514350">
+              <a:lnSpc>
+                <a:spcPct val="120000"/>
+              </a:lnSpc>
+              <a:buAutoNum type="arabicPeriod"/>
+            </a:pPr>
+            <a:endParaRPr lang="en-US" altLang="ko-KR" dirty="0" smtClean="0"/>
+          </a:p>
+        </p:txBody>
+      </p:sp>
+      <p:pic>
+        <p:nvPicPr>
+          <p:cNvPr id="4" name="그림 3"/>
+          <p:cNvPicPr>
+            <a:picLocks noChangeAspect="1"/>
+          </p:cNvPicPr>
+          <p:nvPr/>
+        </p:nvPicPr>
+        <p:blipFill>
+          <a:blip r:embed="rId2"/>
+          <a:stretch>
+            <a:fillRect/>
+          </a:stretch>
+        </p:blipFill>
+        <p:spPr>
+          <a:xfrm>
+            <a:off x="1568385" y="2298002"/>
+            <a:ext cx="4953715" cy="2713070"/>
+          </a:xfrm>
+          <a:prstGeom prst="rect">
+            <a:avLst/>
+          </a:prstGeom>
+        </p:spPr>
+      </p:pic>
+      <p:cxnSp>
+        <p:nvCxnSpPr>
+          <p:cNvPr id="10" name="직선 화살표 연결선 9"/>
+          <p:cNvCxnSpPr/>
+          <p:nvPr/>
+        </p:nvCxnSpPr>
+        <p:spPr>
+          <a:xfrm flipH="1">
+            <a:off x="2025929" y="4165706"/>
+            <a:ext cx="223350" cy="516089"/>
+          </a:xfrm>
+          <a:prstGeom prst="straightConnector1">
+            <a:avLst/>
+          </a:prstGeom>
+          <a:ln w="57150">
+            <a:solidFill>
+              <a:srgbClr val="0070C0"/>
+            </a:solidFill>
+            <a:tailEnd type="triangle"/>
+          </a:ln>
+        </p:spPr>
+        <p:style>
+          <a:lnRef idx="1">
+            <a:schemeClr val="accent1"/>
+          </a:lnRef>
+          <a:fillRef idx="0">
+            <a:schemeClr val="accent1"/>
+          </a:fillRef>
+          <a:effectRef idx="0">
+            <a:schemeClr val="accent1"/>
+          </a:effectRef>
+          <a:fontRef idx="minor">
+            <a:schemeClr val="tx1"/>
+          </a:fontRef>
+        </p:style>
+      </p:cxnSp>
+      <p:sp>
+        <p:nvSpPr>
+          <p:cNvPr id="11" name="TextBox 10"/>
+          <p:cNvSpPr txBox="1"/>
+          <p:nvPr/>
+        </p:nvSpPr>
+        <p:spPr>
+          <a:xfrm>
+            <a:off x="5994514" y="3525840"/>
+            <a:ext cx="5229252" cy="307777"/>
+          </a:xfrm>
+          <a:prstGeom prst="rect">
+            <a:avLst/>
+          </a:prstGeom>
+          <a:noFill/>
+        </p:spPr>
+        <p:txBody>
+          <a:bodyPr wrap="none" rtlCol="0">
+            <a:spAutoFit/>
+          </a:bodyPr>
+          <a:lstStyle/>
+          <a:p>
+            <a:r>
+              <a:rPr lang="ko-KR" altLang="en-US" sz="1400" dirty="0" smtClean="0"/>
+              <a:t>소스코드 폴더 하위 폴더 </a:t>
+            </a:r>
+            <a:r>
+              <a:rPr lang="en-US" altLang="ko-KR" sz="1400" dirty="0" smtClean="0"/>
+              <a:t>LOG</a:t>
+            </a:r>
+            <a:r>
+              <a:rPr lang="ko-KR" altLang="en-US" sz="1400" dirty="0" smtClean="0"/>
+              <a:t>에 </a:t>
+            </a:r>
+            <a:r>
+              <a:rPr lang="en-US" altLang="ko-KR" sz="1400" dirty="0" smtClean="0"/>
+              <a:t>DEBUG</a:t>
+            </a:r>
+            <a:r>
+              <a:rPr lang="ko-KR" altLang="en-US" sz="1400" dirty="0" smtClean="0"/>
+              <a:t>와 </a:t>
+            </a:r>
+            <a:r>
+              <a:rPr lang="en-US" altLang="ko-KR" sz="1400" dirty="0" smtClean="0"/>
+              <a:t>ERROR LOG </a:t>
+            </a:r>
+            <a:r>
+              <a:rPr lang="ko-KR" altLang="en-US" sz="1400" dirty="0" smtClean="0"/>
+              <a:t>파일 생성됨</a:t>
+            </a:r>
+            <a:endParaRPr lang="ko-KR" altLang="en-US" sz="1400" dirty="0"/>
+          </a:p>
+        </p:txBody>
+      </p:sp>
+      <p:sp>
+        <p:nvSpPr>
+          <p:cNvPr id="13" name="직사각형 12"/>
+          <p:cNvSpPr/>
+          <p:nvPr/>
+        </p:nvSpPr>
+        <p:spPr>
+          <a:xfrm>
+            <a:off x="2239732" y="3990356"/>
+            <a:ext cx="3754781" cy="201519"/>
+          </a:xfrm>
+          <a:prstGeom prst="rect">
+            <a:avLst/>
+          </a:prstGeom>
+          <a:noFill/>
+          <a:ln w="38100">
+            <a:solidFill>
+              <a:srgbClr val="0070C0"/>
+            </a:solidFill>
+          </a:ln>
+        </p:spPr>
+        <p:style>
+          <a:lnRef idx="2">
+            <a:schemeClr val="accent1">
+              <a:shade val="50000"/>
+            </a:schemeClr>
+          </a:lnRef>
+          <a:fillRef idx="1">
+            <a:schemeClr val="accent1"/>
+          </a:fillRef>
+          <a:effectRef idx="0">
+            <a:schemeClr val="accent1"/>
+          </a:effectRef>
+          <a:fontRef idx="minor">
+            <a:schemeClr val="lt1"/>
+          </a:fontRef>
+        </p:style>
+        <p:txBody>
+          <a:bodyPr rtlCol="0" anchor="ctr"/>
+          <a:lstStyle/>
+          <a:p>
+            <a:pPr algn="ctr"/>
+            <a:endParaRPr lang="ko-KR" altLang="en-US"/>
+          </a:p>
+        </p:txBody>
+      </p:sp>
+      <p:sp>
+        <p:nvSpPr>
+          <p:cNvPr id="14" name="직사각형 13"/>
+          <p:cNvSpPr/>
+          <p:nvPr/>
+        </p:nvSpPr>
+        <p:spPr>
+          <a:xfrm>
+            <a:off x="2216560" y="3679729"/>
+            <a:ext cx="3690464" cy="311475"/>
+          </a:xfrm>
+          <a:prstGeom prst="rect">
+            <a:avLst/>
+          </a:prstGeom>
+          <a:noFill/>
+          <a:ln>
+            <a:solidFill>
+              <a:srgbClr val="FF0000"/>
+            </a:solidFill>
+          </a:ln>
+        </p:spPr>
+        <p:style>
+          <a:lnRef idx="2">
+            <a:schemeClr val="accent1">
+              <a:shade val="50000"/>
+            </a:schemeClr>
+          </a:lnRef>
+          <a:fillRef idx="1">
+            <a:schemeClr val="accent1"/>
+          </a:fillRef>
+          <a:effectRef idx="0">
+            <a:schemeClr val="accent1"/>
+          </a:effectRef>
+          <a:fontRef idx="minor">
+            <a:schemeClr val="lt1"/>
+          </a:fontRef>
+        </p:style>
+        <p:txBody>
+          <a:bodyPr rtlCol="0" anchor="ctr"/>
+          <a:lstStyle/>
+          <a:p>
+            <a:pPr algn="ctr"/>
+            <a:endParaRPr lang="ko-KR" altLang="en-US"/>
+          </a:p>
+        </p:txBody>
+      </p:sp>
+      <p:cxnSp>
+        <p:nvCxnSpPr>
+          <p:cNvPr id="16" name="직선 화살표 연결선 15"/>
+          <p:cNvCxnSpPr/>
+          <p:nvPr/>
+        </p:nvCxnSpPr>
+        <p:spPr>
+          <a:xfrm flipV="1">
+            <a:off x="5953371" y="4343359"/>
+            <a:ext cx="1860867" cy="31870"/>
+          </a:xfrm>
+          <a:prstGeom prst="straightConnector1">
+            <a:avLst/>
+          </a:prstGeom>
+          <a:ln w="57150">
+            <a:solidFill>
+              <a:srgbClr val="FF0000"/>
+            </a:solidFill>
+            <a:tailEnd type="triangle"/>
+          </a:ln>
+        </p:spPr>
+        <p:style>
+          <a:lnRef idx="1">
+            <a:schemeClr val="accent1"/>
+          </a:lnRef>
+          <a:fillRef idx="0">
+            <a:schemeClr val="accent1"/>
+          </a:fillRef>
+          <a:effectRef idx="0">
+            <a:schemeClr val="accent1"/>
+          </a:effectRef>
+          <a:fontRef idx="minor">
+            <a:schemeClr val="tx1"/>
+          </a:fontRef>
+        </p:style>
+      </p:cxnSp>
+      <p:cxnSp>
+        <p:nvCxnSpPr>
+          <p:cNvPr id="21" name="직선 화살표 연결선 20"/>
+          <p:cNvCxnSpPr/>
+          <p:nvPr/>
+        </p:nvCxnSpPr>
+        <p:spPr>
+          <a:xfrm>
+            <a:off x="9025128" y="4495887"/>
+            <a:ext cx="585216" cy="597321"/>
+          </a:xfrm>
+          <a:prstGeom prst="straightConnector1">
+            <a:avLst/>
+          </a:prstGeom>
+          <a:ln w="3175">
+            <a:solidFill>
+              <a:srgbClr val="0070C0"/>
+            </a:solidFill>
+            <a:tailEnd type="triangle"/>
+          </a:ln>
+        </p:spPr>
+        <p:style>
+          <a:lnRef idx="1">
+            <a:schemeClr val="accent1"/>
+          </a:lnRef>
+          <a:fillRef idx="0">
+            <a:schemeClr val="accent1"/>
+          </a:fillRef>
+          <a:effectRef idx="0">
+            <a:schemeClr val="accent1"/>
+          </a:effectRef>
+          <a:fontRef idx="minor">
+            <a:schemeClr val="tx1"/>
+          </a:fontRef>
+        </p:style>
+      </p:cxnSp>
+      <p:sp>
+        <p:nvSpPr>
+          <p:cNvPr id="15" name="직사각형 14"/>
+          <p:cNvSpPr/>
+          <p:nvPr/>
+        </p:nvSpPr>
+        <p:spPr>
+          <a:xfrm>
+            <a:off x="2239733" y="4214566"/>
+            <a:ext cx="3690464" cy="311475"/>
+          </a:xfrm>
+          <a:prstGeom prst="rect">
+            <a:avLst/>
+          </a:prstGeom>
+          <a:noFill/>
+          <a:ln>
+            <a:solidFill>
+              <a:srgbClr val="FF0000"/>
+            </a:solidFill>
+          </a:ln>
+        </p:spPr>
+        <p:style>
+          <a:lnRef idx="2">
+            <a:schemeClr val="accent1">
+              <a:shade val="50000"/>
+            </a:schemeClr>
+          </a:lnRef>
+          <a:fillRef idx="1">
+            <a:schemeClr val="accent1"/>
+          </a:fillRef>
+          <a:effectRef idx="0">
+            <a:schemeClr val="accent1"/>
+          </a:effectRef>
+          <a:fontRef idx="minor">
+            <a:schemeClr val="lt1"/>
+          </a:fontRef>
+        </p:style>
+        <p:txBody>
+          <a:bodyPr rtlCol="0" anchor="ctr"/>
+          <a:lstStyle/>
+          <a:p>
+            <a:pPr algn="ctr"/>
+            <a:endParaRPr lang="ko-KR" altLang="en-US"/>
+          </a:p>
+        </p:txBody>
+      </p:sp>
+      <p:cxnSp>
+        <p:nvCxnSpPr>
+          <p:cNvPr id="17" name="직선 화살표 연결선 16"/>
+          <p:cNvCxnSpPr/>
+          <p:nvPr/>
+        </p:nvCxnSpPr>
+        <p:spPr>
+          <a:xfrm>
+            <a:off x="5930197" y="3797502"/>
+            <a:ext cx="1884041" cy="340193"/>
+          </a:xfrm>
+          <a:prstGeom prst="straightConnector1">
+            <a:avLst/>
+          </a:prstGeom>
+          <a:ln w="57150">
+            <a:solidFill>
+              <a:srgbClr val="FF0000"/>
+            </a:solidFill>
+            <a:tailEnd type="triangle"/>
+          </a:ln>
+        </p:spPr>
+        <p:style>
+          <a:lnRef idx="1">
+            <a:schemeClr val="accent1"/>
+          </a:lnRef>
+          <a:fillRef idx="0">
+            <a:schemeClr val="accent1"/>
+          </a:fillRef>
+          <a:effectRef idx="0">
+            <a:schemeClr val="accent1"/>
+          </a:effectRef>
+          <a:fontRef idx="minor">
+            <a:schemeClr val="tx1"/>
+          </a:fontRef>
+        </p:style>
+      </p:cxnSp>
+      <p:pic>
+        <p:nvPicPr>
+          <p:cNvPr id="22" name="그림 21"/>
+          <p:cNvPicPr>
+            <a:picLocks noChangeAspect="1"/>
+          </p:cNvPicPr>
+          <p:nvPr/>
+        </p:nvPicPr>
+        <p:blipFill>
+          <a:blip r:embed="rId3"/>
+          <a:stretch>
+            <a:fillRect/>
+          </a:stretch>
+        </p:blipFill>
+        <p:spPr>
+          <a:xfrm>
+            <a:off x="7950410" y="3856547"/>
+            <a:ext cx="4225640" cy="646482"/>
+          </a:xfrm>
+          <a:prstGeom prst="rect">
+            <a:avLst/>
+          </a:prstGeom>
+        </p:spPr>
+      </p:pic>
+      <p:pic>
+        <p:nvPicPr>
+          <p:cNvPr id="26" name="그림 25"/>
+          <p:cNvPicPr>
+            <a:picLocks noChangeAspect="1"/>
+          </p:cNvPicPr>
+          <p:nvPr/>
+        </p:nvPicPr>
+        <p:blipFill>
+          <a:blip r:embed="rId4"/>
+          <a:stretch>
+            <a:fillRect/>
+          </a:stretch>
+        </p:blipFill>
+        <p:spPr>
+          <a:xfrm>
+            <a:off x="5578031" y="5211743"/>
+            <a:ext cx="3108770" cy="724241"/>
+          </a:xfrm>
+          <a:prstGeom prst="rect">
+            <a:avLst/>
+          </a:prstGeom>
+        </p:spPr>
+      </p:pic>
+      <p:pic>
+        <p:nvPicPr>
+          <p:cNvPr id="27" name="그림 26"/>
+          <p:cNvPicPr>
+            <a:picLocks noChangeAspect="1"/>
+          </p:cNvPicPr>
+          <p:nvPr/>
+        </p:nvPicPr>
+        <p:blipFill>
+          <a:blip r:embed="rId5"/>
+          <a:stretch>
+            <a:fillRect/>
+          </a:stretch>
+        </p:blipFill>
+        <p:spPr>
+          <a:xfrm>
+            <a:off x="8909448" y="5173200"/>
+            <a:ext cx="3080781" cy="771903"/>
+          </a:xfrm>
+          <a:prstGeom prst="rect">
+            <a:avLst/>
+          </a:prstGeom>
+        </p:spPr>
+      </p:pic>
+      <p:cxnSp>
+        <p:nvCxnSpPr>
+          <p:cNvPr id="29" name="직선 화살표 연결선 28"/>
+          <p:cNvCxnSpPr/>
+          <p:nvPr/>
+        </p:nvCxnSpPr>
+        <p:spPr>
+          <a:xfrm flipH="1">
+            <a:off x="7132416" y="4380371"/>
+            <a:ext cx="873936" cy="675541"/>
+          </a:xfrm>
+          <a:prstGeom prst="straightConnector1">
+            <a:avLst/>
+          </a:prstGeom>
+          <a:ln w="6350">
+            <a:solidFill>
+              <a:srgbClr val="FF0000"/>
+            </a:solidFill>
+            <a:tailEnd type="triangle"/>
+          </a:ln>
+        </p:spPr>
+        <p:style>
+          <a:lnRef idx="1">
+            <a:schemeClr val="accent1"/>
+          </a:lnRef>
+          <a:fillRef idx="0">
+            <a:schemeClr val="accent1"/>
+          </a:fillRef>
+          <a:effectRef idx="0">
+            <a:schemeClr val="accent1"/>
+          </a:effectRef>
+          <a:fontRef idx="minor">
+            <a:schemeClr val="tx1"/>
+          </a:fontRef>
+        </p:style>
+      </p:cxnSp>
+      <p:cxnSp>
+        <p:nvCxnSpPr>
+          <p:cNvPr id="32" name="직선 연결선 31"/>
+          <p:cNvCxnSpPr/>
+          <p:nvPr/>
+        </p:nvCxnSpPr>
+        <p:spPr>
+          <a:xfrm>
+            <a:off x="7960632" y="4352939"/>
+            <a:ext cx="1304916" cy="0"/>
+          </a:xfrm>
+          <a:prstGeom prst="line">
+            <a:avLst/>
+          </a:prstGeom>
+        </p:spPr>
+        <p:style>
+          <a:lnRef idx="1">
+            <a:schemeClr val="accent1"/>
+          </a:lnRef>
+          <a:fillRef idx="0">
+            <a:schemeClr val="accent1"/>
+          </a:fillRef>
+          <a:effectRef idx="0">
+            <a:schemeClr val="accent1"/>
+          </a:effectRef>
+          <a:fontRef idx="minor">
+            <a:schemeClr val="tx1"/>
+          </a:fontRef>
+        </p:style>
+      </p:cxnSp>
+      <p:cxnSp>
+        <p:nvCxnSpPr>
+          <p:cNvPr id="33" name="직선 연결선 32"/>
+          <p:cNvCxnSpPr/>
+          <p:nvPr/>
+        </p:nvCxnSpPr>
+        <p:spPr>
+          <a:xfrm>
+            <a:off x="8006352" y="4475992"/>
+            <a:ext cx="1304916" cy="0"/>
+          </a:xfrm>
+          <a:prstGeom prst="line">
+            <a:avLst/>
+          </a:prstGeom>
+          <a:ln>
+            <a:solidFill>
+              <a:srgbClr val="0070C0"/>
+            </a:solidFill>
+          </a:ln>
+        </p:spPr>
+        <p:style>
+          <a:lnRef idx="1">
+            <a:schemeClr val="accent1"/>
+          </a:lnRef>
+          <a:fillRef idx="0">
+            <a:schemeClr val="accent1"/>
+          </a:fillRef>
+          <a:effectRef idx="0">
+            <a:schemeClr val="accent1"/>
+          </a:effectRef>
+          <a:fontRef idx="minor">
+            <a:schemeClr val="tx1"/>
+          </a:fontRef>
+        </p:style>
+      </p:cxnSp>
+      <p:pic>
+        <p:nvPicPr>
+          <p:cNvPr id="36" name="그림 35"/>
+          <p:cNvPicPr>
+            <a:picLocks noChangeAspect="1"/>
+          </p:cNvPicPr>
+          <p:nvPr/>
+        </p:nvPicPr>
+        <p:blipFill>
+          <a:blip r:embed="rId6"/>
+          <a:stretch>
+            <a:fillRect/>
+          </a:stretch>
+        </p:blipFill>
+        <p:spPr>
+          <a:xfrm>
+            <a:off x="454262" y="4717576"/>
+            <a:ext cx="4112511" cy="651040"/>
+          </a:xfrm>
+          <a:prstGeom prst="rect">
+            <a:avLst/>
+          </a:prstGeom>
+        </p:spPr>
+      </p:pic>
+      <p:pic>
+        <p:nvPicPr>
+          <p:cNvPr id="37" name="그림 36"/>
+          <p:cNvPicPr>
+            <a:picLocks noChangeAspect="1"/>
+          </p:cNvPicPr>
+          <p:nvPr/>
+        </p:nvPicPr>
+        <p:blipFill>
+          <a:blip r:embed="rId7"/>
+          <a:stretch>
+            <a:fillRect/>
+          </a:stretch>
+        </p:blipFill>
+        <p:spPr>
+          <a:xfrm>
+            <a:off x="614413" y="5430731"/>
+            <a:ext cx="3692380" cy="848823"/>
+          </a:xfrm>
+          <a:prstGeom prst="rect">
+            <a:avLst/>
+          </a:prstGeom>
+        </p:spPr>
+      </p:pic>
+      <p:sp>
+        <p:nvSpPr>
+          <p:cNvPr id="39" name="TextBox 38"/>
+          <p:cNvSpPr txBox="1"/>
+          <p:nvPr/>
+        </p:nvSpPr>
+        <p:spPr>
+          <a:xfrm>
+            <a:off x="788250" y="3740816"/>
+            <a:ext cx="1142452" cy="954107"/>
+          </a:xfrm>
+          <a:prstGeom prst="rect">
+            <a:avLst/>
+          </a:prstGeom>
+          <a:noFill/>
+        </p:spPr>
+        <p:txBody>
+          <a:bodyPr wrap="square" rtlCol="0">
+            <a:spAutoFit/>
+          </a:bodyPr>
+          <a:lstStyle/>
+          <a:p>
+            <a:r>
+              <a:rPr lang="en-US" altLang="ko-KR" sz="1400" dirty="0" smtClean="0"/>
+              <a:t>D:\Log </a:t>
+            </a:r>
+            <a:r>
+              <a:rPr lang="ko-KR" altLang="en-US" sz="1400" dirty="0" smtClean="0"/>
+              <a:t>폴더에 </a:t>
+            </a:r>
+            <a:r>
+              <a:rPr lang="en-US" altLang="ko-KR" sz="1400" dirty="0" smtClean="0"/>
+              <a:t>WARN log </a:t>
+            </a:r>
+            <a:r>
+              <a:rPr lang="ko-KR" altLang="en-US" sz="1400" dirty="0" smtClean="0"/>
+              <a:t>생성됨</a:t>
+            </a:r>
+            <a:endParaRPr lang="ko-KR" altLang="en-US" sz="1400" dirty="0"/>
+          </a:p>
+        </p:txBody>
+      </p:sp>
+    </p:spTree>
+    <p:extLst>
+      <p:ext uri="{BB962C8B-B14F-4D97-AF65-F5344CB8AC3E}">
+        <p14:creationId xmlns:p14="http://schemas.microsoft.com/office/powerpoint/2010/main" val="615708104"/>
+      </p:ext>
+    </p:extLst>
+  </p:cSld>
+  <p:clrMapOvr>
+    <a:masterClrMapping/>
+  </p:clrMapOvr>
+  <p:timing>
+    <p:tnLst>
+      <p:par>
+        <p:cTn id="1" dur="indefinite" restart="never" nodeType="tmRoot"/>
+      </p:par>
+    </p:tnLst>
+  </p:timing>
+</p:sld>
+</file>
+
+<file path=ppt/slides/slide7.xml><?xml version="1.0" encoding="utf-8"?>
+<p:sld xmlns:a="http://schemas.openxmlformats.org/drawingml/2006/main" xmlns:r="http://schemas.openxmlformats.org/officeDocument/2006/relationships" xmlns:p="http://schemas.openxmlformats.org/presentationml/2006/main">
+  <p:cSld>
+    <p:spTree>
+      <p:nvGrpSpPr>
+        <p:cNvPr id="1" name=""/>
+        <p:cNvGrpSpPr/>
+        <p:nvPr/>
+      </p:nvGrpSpPr>
+      <p:grpSpPr>
+        <a:xfrm>
+          <a:off x="0" y="0"/>
+          <a:ext cx="0" cy="0"/>
+          <a:chOff x="0" y="0"/>
+          <a:chExt cx="0" cy="0"/>
+        </a:xfrm>
+      </p:grpSpPr>
+      <p:sp>
+        <p:nvSpPr>
+          <p:cNvPr id="2" name="제목 1"/>
+          <p:cNvSpPr>
+            <a:spLocks noGrp="1"/>
+          </p:cNvSpPr>
+          <p:nvPr>
+            <p:ph type="title"/>
+          </p:nvPr>
+        </p:nvSpPr>
+        <p:spPr/>
+        <p:txBody>
+          <a:bodyPr>
+            <a:normAutofit/>
+          </a:bodyPr>
+          <a:lstStyle/>
+          <a:p>
+            <a:r>
+              <a:rPr kumimoji="1" lang="ko-KR" altLang="en-US" b="1" dirty="0" smtClean="0"/>
+              <a:t>클래스 구성</a:t>
+            </a:r>
+            <a:endParaRPr kumimoji="1" lang="ko-KR" altLang="en-US" b="1" dirty="0"/>
+          </a:p>
+        </p:txBody>
+      </p:sp>
+      <p:graphicFrame>
+        <p:nvGraphicFramePr>
+          <p:cNvPr id="19" name="다이어그램 18"/>
+          <p:cNvGraphicFramePr/>
+          <p:nvPr>
+            <p:extLst>
+              <p:ext uri="{D42A27DB-BD31-4B8C-83A1-F6EECF244321}">
+                <p14:modId xmlns:p14="http://schemas.microsoft.com/office/powerpoint/2010/main" val="1476134344"/>
+              </p:ext>
+            </p:extLst>
+          </p:nvPr>
+        </p:nvGraphicFramePr>
+        <p:xfrm>
+          <a:off x="2220913" y="614892"/>
+          <a:ext cx="8128000" cy="4271434"/>
+        </p:xfrm>
+        <a:graphic>
+          <a:graphicData uri="http://schemas.openxmlformats.org/drawingml/2006/diagram">
+            <dgm:relIds xmlns:dgm="http://schemas.openxmlformats.org/drawingml/2006/diagram" xmlns:r="http://schemas.openxmlformats.org/officeDocument/2006/relationships" r:dm="rId3" r:lo="rId4" r:qs="rId5" r:cs="rId6"/>
+          </a:graphicData>
+        </a:graphic>
+      </p:graphicFrame>
+      <p:graphicFrame>
+        <p:nvGraphicFramePr>
+          <p:cNvPr id="20" name="다이어그램 19"/>
+          <p:cNvGraphicFramePr/>
+          <p:nvPr>
+            <p:extLst>
+              <p:ext uri="{D42A27DB-BD31-4B8C-83A1-F6EECF244321}">
+                <p14:modId xmlns:p14="http://schemas.microsoft.com/office/powerpoint/2010/main" val="152385549"/>
+              </p:ext>
+            </p:extLst>
+          </p:nvPr>
+        </p:nvGraphicFramePr>
+        <p:xfrm>
+          <a:off x="1203326" y="4238625"/>
+          <a:ext cx="3425824" cy="1590675"/>
+        </p:xfrm>
+        <a:graphic>
+          <a:graphicData uri="http://schemas.openxmlformats.org/drawingml/2006/diagram">
+            <dgm:relIds xmlns:dgm="http://schemas.openxmlformats.org/drawingml/2006/diagram" xmlns:r="http://schemas.openxmlformats.org/officeDocument/2006/relationships" r:dm="rId8" r:lo="rId9" r:qs="rId10" r:cs="rId11"/>
+          </a:graphicData>
+        </a:graphic>
+      </p:graphicFrame>
+      <p:graphicFrame>
+        <p:nvGraphicFramePr>
+          <p:cNvPr id="21" name="다이어그램 20"/>
+          <p:cNvGraphicFramePr/>
+          <p:nvPr>
+            <p:extLst>
+              <p:ext uri="{D42A27DB-BD31-4B8C-83A1-F6EECF244321}">
+                <p14:modId xmlns:p14="http://schemas.microsoft.com/office/powerpoint/2010/main" val="1656333662"/>
+              </p:ext>
+            </p:extLst>
+          </p:nvPr>
+        </p:nvGraphicFramePr>
+        <p:xfrm>
+          <a:off x="4362450" y="4238623"/>
+          <a:ext cx="3865561" cy="1590677"/>
+        </p:xfrm>
+        <a:graphic>
+          <a:graphicData uri="http://schemas.openxmlformats.org/drawingml/2006/diagram">
+            <dgm:relIds xmlns:dgm="http://schemas.openxmlformats.org/drawingml/2006/diagram" xmlns:r="http://schemas.openxmlformats.org/officeDocument/2006/relationships" r:dm="rId13" r:lo="rId14" r:qs="rId15" r:cs="rId16"/>
+          </a:graphicData>
+        </a:graphic>
+      </p:graphicFrame>
+      <p:graphicFrame>
+        <p:nvGraphicFramePr>
+          <p:cNvPr id="22" name="다이어그램 21"/>
+          <p:cNvGraphicFramePr/>
+          <p:nvPr>
+            <p:extLst>
+              <p:ext uri="{D42A27DB-BD31-4B8C-83A1-F6EECF244321}">
+                <p14:modId xmlns:p14="http://schemas.microsoft.com/office/powerpoint/2010/main" val="1053091162"/>
+              </p:ext>
+            </p:extLst>
+          </p:nvPr>
+        </p:nvGraphicFramePr>
+        <p:xfrm>
+          <a:off x="7356475" y="4238623"/>
+          <a:ext cx="3568699" cy="1590677"/>
+        </p:xfrm>
+        <a:graphic>
+          <a:graphicData uri="http://schemas.openxmlformats.org/drawingml/2006/diagram">
+            <dgm:relIds xmlns:dgm="http://schemas.openxmlformats.org/drawingml/2006/diagram" xmlns:r="http://schemas.openxmlformats.org/officeDocument/2006/relationships" r:dm="rId18" r:lo="rId19" r:qs="rId20" r:cs="rId21"/>
+          </a:graphicData>
+        </a:graphic>
+      </p:graphicFrame>
+    </p:spTree>
+    <p:extLst>
+      <p:ext uri="{BB962C8B-B14F-4D97-AF65-F5344CB8AC3E}">
+        <p14:creationId xmlns:p14="http://schemas.microsoft.com/office/powerpoint/2010/main" val="2979690415"/>
+      </p:ext>
+    </p:extLst>
+  </p:cSld>
+  <p:clrMapOvr>
+    <a:masterClrMapping/>
+  </p:clrMapOvr>
+  <p:timing>
+    <p:tnLst>
+      <p:par>
+        <p:cTn id="1" dur="indefinite" restart="never" nodeType="tmRoot"/>
+      </p:par>
+    </p:tnLst>
+  </p:timing>
+</p:sld>
+</file>
+
+<file path=ppt/slides/slide8.xml><?xml version="1.0" encoding="utf-8"?>
+<p:sld xmlns:a="http://schemas.openxmlformats.org/drawingml/2006/main" xmlns:r="http://schemas.openxmlformats.org/officeDocument/2006/relationships" xmlns:p="http://schemas.openxmlformats.org/presentationml/2006/main">
+  <p:cSld>
+    <p:spTree>
+      <p:nvGrpSpPr>
+        <p:cNvPr id="1" name=""/>
+        <p:cNvGrpSpPr/>
+        <p:nvPr/>
+      </p:nvGrpSpPr>
+      <p:grpSpPr>
+        <a:xfrm>
+          <a:off x="0" y="0"/>
+          <a:ext cx="0" cy="0"/>
+          <a:chOff x="0" y="0"/>
+          <a:chExt cx="0" cy="0"/>
+        </a:xfrm>
+      </p:grpSpPr>
+      <p:sp>
+        <p:nvSpPr>
+          <p:cNvPr id="2" name="제목 1"/>
+          <p:cNvSpPr>
+            <a:spLocks noGrp="1"/>
+          </p:cNvSpPr>
+          <p:nvPr>
+            <p:ph type="title"/>
+          </p:nvPr>
+        </p:nvSpPr>
+        <p:spPr/>
+        <p:txBody>
+          <a:bodyPr/>
+          <a:lstStyle/>
+          <a:p>
+            <a:r>
+              <a:rPr lang="ko-KR" altLang="en-US" b="1" dirty="0" smtClean="0"/>
+              <a:t>클래스 구성</a:t>
+            </a:r>
+            <a:endParaRPr lang="ko-KR" altLang="en-US" b="1" dirty="0"/>
+          </a:p>
+        </p:txBody>
+      </p:sp>
+      <p:graphicFrame>
+        <p:nvGraphicFramePr>
+          <p:cNvPr id="11" name="표 10"/>
+          <p:cNvGraphicFramePr>
+            <a:graphicFrameLocks noGrp="1"/>
+          </p:cNvGraphicFramePr>
+          <p:nvPr>
+            <p:extLst>
+              <p:ext uri="{D42A27DB-BD31-4B8C-83A1-F6EECF244321}">
+                <p14:modId xmlns:p14="http://schemas.microsoft.com/office/powerpoint/2010/main" val="776612778"/>
+              </p:ext>
+            </p:extLst>
+          </p:nvPr>
+        </p:nvGraphicFramePr>
+        <p:xfrm>
+          <a:off x="877824" y="1908386"/>
+          <a:ext cx="10277857" cy="3312160"/>
+        </p:xfrm>
+        <a:graphic>
+          <a:graphicData uri="http://schemas.openxmlformats.org/drawingml/2006/table">
+            <a:tbl>
+              <a:tblPr firstRow="1" bandRow="1">
+                <a:tableStyleId>{BDBED569-4797-4DF1-A0F4-6AAB3CD982D8}</a:tableStyleId>
+              </a:tblPr>
+              <a:tblGrid>
+                <a:gridCol w="1239404">
+                  <a:extLst>
+                    <a:ext uri="{9D8B030D-6E8A-4147-A177-3AD203B41FA5}">
+                      <a16:colId xmlns:a16="http://schemas.microsoft.com/office/drawing/2014/main" val="1102246149"/>
+                    </a:ext>
+                  </a:extLst>
+                </a:gridCol>
+                <a:gridCol w="3131428">
+                  <a:extLst>
+                    <a:ext uri="{9D8B030D-6E8A-4147-A177-3AD203B41FA5}">
+                      <a16:colId xmlns:a16="http://schemas.microsoft.com/office/drawing/2014/main" val="2377512666"/>
+                    </a:ext>
+                  </a:extLst>
+                </a:gridCol>
+                <a:gridCol w="5907025">
+                  <a:extLst>
+                    <a:ext uri="{9D8B030D-6E8A-4147-A177-3AD203B41FA5}">
+                      <a16:colId xmlns:a16="http://schemas.microsoft.com/office/drawing/2014/main" val="223920893"/>
+                    </a:ext>
+                  </a:extLst>
+                </a:gridCol>
+              </a:tblGrid>
+              <a:tr h="370840">
+                <a:tc>
+                  <a:txBody>
+                    <a:bodyPr/>
+                    <a:lstStyle/>
+                    <a:p>
+                      <a:pPr algn="ctr" latinLnBrk="1"/>
+                      <a:r>
+                        <a:rPr lang="ko-KR" altLang="en-US" dirty="0" err="1" smtClean="0"/>
+                        <a:t>클래스명</a:t>
+                      </a:r>
+                      <a:endParaRPr lang="ko-KR" altLang="en-US" dirty="0"/>
+                    </a:p>
+                  </a:txBody>
+                  <a:tcPr>
+                    <a:solidFill>
+                      <a:schemeClr val="accent1"/>
+                    </a:solidFill>
+                  </a:tcPr>
+                </a:tc>
+                <a:tc>
+                  <a:txBody>
+                    <a:bodyPr/>
+                    <a:lstStyle/>
+                    <a:p>
+                      <a:pPr algn="ctr" latinLnBrk="1"/>
+                      <a:r>
+                        <a:rPr lang="ko-KR" altLang="en-US" dirty="0" err="1" smtClean="0"/>
+                        <a:t>함수명</a:t>
+                      </a:r>
+                      <a:endParaRPr lang="ko-KR" altLang="en-US" dirty="0"/>
+                    </a:p>
+                  </a:txBody>
+                  <a:tcPr>
+                    <a:solidFill>
+                      <a:schemeClr val="accent1"/>
+                    </a:solidFill>
+                  </a:tcPr>
+                </a:tc>
+                <a:tc>
+                  <a:txBody>
+                    <a:bodyPr/>
+                    <a:lstStyle/>
+                    <a:p>
+                      <a:pPr algn="ctr" latinLnBrk="1"/>
+                      <a:r>
+                        <a:rPr lang="ko-KR" altLang="en-US" dirty="0" err="1" smtClean="0"/>
+                        <a:t>함수역할</a:t>
+                      </a:r>
+                      <a:endParaRPr lang="ko-KR" altLang="en-US" dirty="0"/>
+                    </a:p>
+                  </a:txBody>
+                  <a:tcPr>
+                    <a:solidFill>
+                      <a:schemeClr val="accent1"/>
+                    </a:solidFill>
+                  </a:tcPr>
+                </a:tc>
+                <a:extLst>
+                  <a:ext uri="{0D108BD9-81ED-4DB2-BD59-A6C34878D82A}">
+                    <a16:rowId xmlns:a16="http://schemas.microsoft.com/office/drawing/2014/main" val="739883533"/>
+                  </a:ext>
+                </a:extLst>
+              </a:tr>
+              <a:tr h="370840">
+                <a:tc rowSpan="5">
+                  <a:txBody>
+                    <a:bodyPr/>
+                    <a:lstStyle/>
+                    <a:p>
+                      <a:pPr algn="ctr" latinLnBrk="1"/>
+                      <a:r>
+                        <a:rPr lang="en-US" altLang="ko-KR" dirty="0" smtClean="0"/>
+                        <a:t>Logger</a:t>
+                      </a:r>
+                      <a:endParaRPr lang="ko-KR" altLang="en-US" dirty="0"/>
+                    </a:p>
+                  </a:txBody>
+                  <a:tcPr anchor="ctr">
+                    <a:noFill/>
+                  </a:tcPr>
+                </a:tc>
+                <a:tc>
+                  <a:txBody>
+                    <a:bodyPr/>
+                    <a:lstStyle/>
+                    <a:p>
+                      <a:pPr algn="ctr" latinLnBrk="1"/>
+                      <a:r>
+                        <a:rPr lang="en-US" altLang="ko-KR" sz="1800" kern="1200" dirty="0" err="1" smtClean="0">
+                          <a:solidFill>
+                            <a:schemeClr val="tx1"/>
+                          </a:solidFill>
+                          <a:latin typeface="+mn-lt"/>
+                          <a:ea typeface="+mn-ea"/>
+                          <a:cs typeface="+mn-cs"/>
+                        </a:rPr>
+                        <a:t>getInstance</a:t>
+                      </a:r>
+                      <a:endParaRPr lang="ko-KR" altLang="en-US" dirty="0"/>
+                    </a:p>
+                  </a:txBody>
+                  <a:tcPr>
+                    <a:noFill/>
+                  </a:tcPr>
+                </a:tc>
+                <a:tc>
+                  <a:txBody>
+                    <a:bodyPr/>
+                    <a:lstStyle/>
+                    <a:p>
+                      <a:pPr latinLnBrk="1"/>
+                      <a:r>
+                        <a:rPr lang="en-US" altLang="ko-KR" dirty="0" smtClean="0"/>
+                        <a:t>- </a:t>
+                      </a:r>
+                      <a:r>
+                        <a:rPr lang="ko-KR" altLang="en-US" dirty="0" err="1" smtClean="0"/>
+                        <a:t>싱글톤</a:t>
+                      </a:r>
+                      <a:r>
+                        <a:rPr lang="ko-KR" altLang="en-US" dirty="0" smtClean="0"/>
+                        <a:t> 구현 위한 함수</a:t>
+                      </a:r>
+                      <a:endParaRPr lang="ko-KR" altLang="en-US" dirty="0"/>
+                    </a:p>
+                  </a:txBody>
+                  <a:tcPr>
+                    <a:noFill/>
+                  </a:tcPr>
+                </a:tc>
+                <a:extLst>
+                  <a:ext uri="{0D108BD9-81ED-4DB2-BD59-A6C34878D82A}">
+                    <a16:rowId xmlns:a16="http://schemas.microsoft.com/office/drawing/2014/main" val="1711245774"/>
+                  </a:ext>
+                </a:extLst>
+              </a:tr>
+              <a:tr h="370840">
+                <a:tc vMerge="1">
+                  <a:txBody>
+                    <a:bodyPr/>
+                    <a:lstStyle/>
+                    <a:p>
+                      <a:pPr latinLnBrk="1"/>
+                      <a:endParaRPr lang="ko-KR" altLang="en-US" dirty="0"/>
+                    </a:p>
+                  </a:txBody>
+                  <a:tcPr/>
+                </a:tc>
+                <a:tc>
+                  <a:txBody>
+                    <a:bodyPr/>
+                    <a:lstStyle/>
+                    <a:p>
+                      <a:pPr algn="ctr" latinLnBrk="1"/>
+                      <a:r>
+                        <a:rPr lang="en-US" altLang="ko-KR" sz="1800" kern="1200" dirty="0" err="1" smtClean="0">
+                          <a:solidFill>
+                            <a:schemeClr val="tx1"/>
+                          </a:solidFill>
+                          <a:latin typeface="+mn-lt"/>
+                          <a:ea typeface="+mn-ea"/>
+                          <a:cs typeface="+mn-cs"/>
+                        </a:rPr>
+                        <a:t>setPrintToStdout</a:t>
+                      </a:r>
+                      <a:endParaRPr lang="ko-KR" altLang="en-US" dirty="0"/>
+                    </a:p>
+                  </a:txBody>
+                  <a:tcPr/>
+                </a:tc>
+                <a:tc>
+                  <a:txBody>
+                    <a:bodyPr/>
+                    <a:lstStyle/>
+                    <a:p>
+                      <a:pPr latinLnBrk="1"/>
+                      <a:r>
+                        <a:rPr lang="en-US" altLang="ko-KR" dirty="0" smtClean="0"/>
+                        <a:t>- </a:t>
+                      </a:r>
+                      <a:r>
+                        <a:rPr lang="ko-KR" altLang="en-US" dirty="0" smtClean="0"/>
+                        <a:t>디스플레이에 </a:t>
+                      </a:r>
+                      <a:r>
+                        <a:rPr lang="ko-KR" altLang="en-US" dirty="0" err="1" smtClean="0"/>
+                        <a:t>로깅기록</a:t>
+                      </a:r>
+                      <a:r>
+                        <a:rPr lang="ko-KR" altLang="en-US" dirty="0" smtClean="0"/>
+                        <a:t> 출력 여부 결정</a:t>
+                      </a:r>
+                      <a:endParaRPr lang="ko-KR" altLang="en-US" dirty="0"/>
+                    </a:p>
+                  </a:txBody>
+                  <a:tcPr/>
+                </a:tc>
+                <a:extLst>
+                  <a:ext uri="{0D108BD9-81ED-4DB2-BD59-A6C34878D82A}">
+                    <a16:rowId xmlns:a16="http://schemas.microsoft.com/office/drawing/2014/main" val="1506969098"/>
+                  </a:ext>
+                </a:extLst>
+              </a:tr>
+              <a:tr h="370840">
+                <a:tc vMerge="1">
+                  <a:txBody>
+                    <a:bodyPr/>
+                    <a:lstStyle/>
+                    <a:p>
+                      <a:pPr latinLnBrk="1"/>
+                      <a:endParaRPr lang="ko-KR" altLang="en-US" dirty="0"/>
+                    </a:p>
+                  </a:txBody>
+                  <a:tcPr/>
+                </a:tc>
+                <a:tc>
+                  <a:txBody>
+                    <a:bodyPr/>
+                    <a:lstStyle/>
+                    <a:p>
+                      <a:pPr algn="ctr" latinLnBrk="1"/>
+                      <a:r>
+                        <a:rPr lang="en-US" altLang="ko-KR" sz="1800" kern="1200" dirty="0" err="1" smtClean="0">
+                          <a:solidFill>
+                            <a:schemeClr val="tx1"/>
+                          </a:solidFill>
+                          <a:latin typeface="+mn-lt"/>
+                          <a:ea typeface="+mn-ea"/>
+                          <a:cs typeface="+mn-cs"/>
+                        </a:rPr>
+                        <a:t>getFile</a:t>
+                      </a:r>
+                      <a:endParaRPr lang="ko-KR" altLang="en-US" dirty="0"/>
+                    </a:p>
+                  </a:txBody>
+                  <a:tcPr>
+                    <a:noFill/>
+                  </a:tcPr>
+                </a:tc>
+                <a:tc>
+                  <a:txBody>
+                    <a:bodyPr/>
+                    <a:lstStyle/>
+                    <a:p>
+                      <a:pPr latinLnBrk="1"/>
+                      <a:r>
+                        <a:rPr lang="en-US" altLang="ko-KR" dirty="0" smtClean="0"/>
+                        <a:t>- </a:t>
+                      </a:r>
+                      <a:r>
+                        <a:rPr lang="ko-KR" altLang="en-US" dirty="0" smtClean="0"/>
+                        <a:t>파일 저장 위치 및 파일이름 지정 </a:t>
+                      </a:r>
+                      <a:endParaRPr lang="en-US" altLang="ko-KR" dirty="0" smtClean="0"/>
+                    </a:p>
+                    <a:p>
+                      <a:pPr latinLnBrk="1"/>
+                      <a:r>
+                        <a:rPr lang="en-US" altLang="ko-KR" dirty="0" smtClean="0"/>
+                        <a:t>(</a:t>
+                      </a:r>
+                      <a:r>
+                        <a:rPr lang="ko-KR" altLang="en-US" dirty="0" smtClean="0"/>
+                        <a:t>사용자가 지정한 </a:t>
+                      </a:r>
+                      <a:r>
+                        <a:rPr lang="ko-KR" altLang="en-US" dirty="0" err="1" smtClean="0"/>
+                        <a:t>저장경로</a:t>
+                      </a:r>
+                      <a:r>
+                        <a:rPr lang="en-US" altLang="ko-KR" dirty="0" smtClean="0"/>
+                        <a:t>, </a:t>
+                      </a:r>
+                      <a:r>
+                        <a:rPr lang="ko-KR" altLang="en-US" dirty="0" err="1" smtClean="0"/>
+                        <a:t>로깅레벨</a:t>
+                      </a:r>
+                      <a:r>
+                        <a:rPr lang="en-US" altLang="ko-KR" dirty="0" smtClean="0"/>
+                        <a:t>, </a:t>
+                      </a:r>
+                      <a:r>
+                        <a:rPr lang="ko-KR" altLang="en-US" dirty="0" smtClean="0"/>
+                        <a:t>현재 날짜 및 </a:t>
+                      </a:r>
+                      <a:r>
+                        <a:rPr lang="ko-KR" altLang="en-US" dirty="0" err="1" smtClean="0"/>
+                        <a:t>시간정보</a:t>
+                      </a:r>
+                      <a:r>
+                        <a:rPr lang="en-US" altLang="ko-KR" dirty="0" smtClean="0"/>
+                        <a:t>, </a:t>
+                      </a:r>
+                      <a:r>
+                        <a:rPr lang="ko-KR" altLang="en-US" dirty="0" err="1" smtClean="0"/>
+                        <a:t>파일번호</a:t>
+                      </a:r>
+                      <a:r>
+                        <a:rPr lang="en-US" altLang="ko-KR" baseline="0" dirty="0" smtClean="0"/>
+                        <a:t> </a:t>
+                      </a:r>
+                      <a:r>
+                        <a:rPr lang="ko-KR" altLang="en-US" baseline="0" dirty="0" smtClean="0"/>
+                        <a:t>순으로 지정하여 파일 이름 지정</a:t>
+                      </a:r>
+                      <a:r>
+                        <a:rPr lang="en-US" altLang="ko-KR" baseline="0" dirty="0" smtClean="0"/>
+                        <a:t>)</a:t>
+                      </a:r>
+                    </a:p>
+                  </a:txBody>
+                  <a:tcPr>
+                    <a:noFill/>
+                  </a:tcPr>
+                </a:tc>
+                <a:extLst>
+                  <a:ext uri="{0D108BD9-81ED-4DB2-BD59-A6C34878D82A}">
+                    <a16:rowId xmlns:a16="http://schemas.microsoft.com/office/drawing/2014/main" val="1030884307"/>
+                  </a:ext>
+                </a:extLst>
+              </a:tr>
+              <a:tr h="370840">
+                <a:tc vMerge="1">
+                  <a:txBody>
+                    <a:bodyPr/>
+                    <a:lstStyle/>
+                    <a:p>
+                      <a:pPr latinLnBrk="1"/>
+                      <a:endParaRPr lang="ko-KR" altLang="en-US" dirty="0"/>
+                    </a:p>
+                  </a:txBody>
+                  <a:tcPr/>
+                </a:tc>
+                <a:tc>
+                  <a:txBody>
+                    <a:bodyPr/>
+                    <a:lstStyle/>
+                    <a:p>
+                      <a:pPr algn="ctr" latinLnBrk="1"/>
+                      <a:r>
+                        <a:rPr lang="en-US" altLang="ko-KR" sz="1800" kern="1200" dirty="0" smtClean="0">
+                          <a:solidFill>
+                            <a:schemeClr val="tx1"/>
+                          </a:solidFill>
+                          <a:latin typeface="+mn-lt"/>
+                          <a:ea typeface="+mn-ea"/>
+                          <a:cs typeface="+mn-cs"/>
+                        </a:rPr>
+                        <a:t>write</a:t>
+                      </a:r>
+                      <a:endParaRPr lang="ko-KR" altLang="en-US" dirty="0"/>
+                    </a:p>
+                  </a:txBody>
+                  <a:tcPr/>
+                </a:tc>
+                <a:tc>
+                  <a:txBody>
+                    <a:bodyPr/>
+                    <a:lstStyle/>
+                    <a:p>
+                      <a:pPr latinLnBrk="1"/>
+                      <a:r>
+                        <a:rPr lang="en-US" altLang="ko-KR" dirty="0" smtClean="0"/>
+                        <a:t>-</a:t>
+                      </a:r>
+                      <a:r>
+                        <a:rPr lang="en-US" altLang="ko-KR" baseline="0" dirty="0" smtClean="0"/>
+                        <a:t> </a:t>
+                      </a:r>
+                      <a:r>
+                        <a:rPr lang="en-US" altLang="ko-KR" dirty="0" err="1" smtClean="0"/>
+                        <a:t>getFile</a:t>
+                      </a:r>
+                      <a:r>
+                        <a:rPr lang="ko-KR" altLang="en-US" dirty="0" smtClean="0"/>
+                        <a:t>에서 지정한 파일에 저장함</a:t>
+                      </a:r>
+                      <a:r>
+                        <a:rPr lang="en-US" altLang="ko-KR" dirty="0" smtClean="0"/>
+                        <a:t>. </a:t>
+                      </a:r>
+                    </a:p>
+                    <a:p>
+                      <a:pPr latinLnBrk="1"/>
+                      <a:r>
+                        <a:rPr lang="en-US" altLang="ko-KR" dirty="0" smtClean="0"/>
+                        <a:t>- </a:t>
+                      </a:r>
+                      <a:r>
+                        <a:rPr lang="ko-KR" altLang="en-US" dirty="0" smtClean="0"/>
+                        <a:t>파일용량이 지정된 용량을 초과할 경우</a:t>
+                      </a:r>
+                      <a:r>
+                        <a:rPr lang="ko-KR" altLang="en-US" baseline="0" dirty="0" smtClean="0"/>
+                        <a:t> 파일이름내의 </a:t>
+                      </a:r>
+                      <a:r>
+                        <a:rPr lang="ko-KR" altLang="en-US" baseline="0" dirty="0" err="1" smtClean="0"/>
+                        <a:t>파일번호에</a:t>
+                      </a:r>
+                      <a:r>
+                        <a:rPr lang="ko-KR" altLang="en-US" baseline="0" dirty="0" smtClean="0"/>
+                        <a:t> </a:t>
+                      </a:r>
+                      <a:r>
+                        <a:rPr lang="en-US" altLang="ko-KR" baseline="0" dirty="0" smtClean="0"/>
+                        <a:t>1</a:t>
+                      </a:r>
+                      <a:r>
+                        <a:rPr lang="ko-KR" altLang="en-US" baseline="0" dirty="0" smtClean="0"/>
+                        <a:t>을 더한 새로운 파일에 저장함</a:t>
+                      </a:r>
+                      <a:r>
+                        <a:rPr lang="en-US" altLang="ko-KR" baseline="0" dirty="0" smtClean="0"/>
+                        <a:t>. </a:t>
+                      </a:r>
+                      <a:endParaRPr lang="ko-KR" altLang="en-US" dirty="0"/>
+                    </a:p>
+                  </a:txBody>
+                  <a:tcPr/>
+                </a:tc>
+                <a:extLst>
+                  <a:ext uri="{0D108BD9-81ED-4DB2-BD59-A6C34878D82A}">
+                    <a16:rowId xmlns:a16="http://schemas.microsoft.com/office/drawing/2014/main" val="1947359717"/>
+                  </a:ext>
+                </a:extLst>
+              </a:tr>
+              <a:tr h="370840">
+                <a:tc vMerge="1">
+                  <a:txBody>
+                    <a:bodyPr/>
+                    <a:lstStyle/>
+                    <a:p>
+                      <a:pPr latinLnBrk="1"/>
+                      <a:endParaRPr lang="ko-KR" altLang="en-US" dirty="0"/>
+                    </a:p>
+                  </a:txBody>
+                  <a:tcPr/>
+                </a:tc>
+                <a:tc>
+                  <a:txBody>
+                    <a:bodyPr/>
+                    <a:lstStyle/>
+                    <a:p>
+                      <a:pPr algn="ctr" latinLnBrk="1"/>
+                      <a:r>
+                        <a:rPr lang="en-US" altLang="ko-KR" sz="1800" kern="1200" dirty="0" err="1" smtClean="0">
+                          <a:solidFill>
+                            <a:schemeClr val="tx1"/>
+                          </a:solidFill>
+                          <a:latin typeface="+mn-lt"/>
+                          <a:ea typeface="+mn-ea"/>
+                          <a:cs typeface="+mn-cs"/>
+                        </a:rPr>
+                        <a:t>fileSize</a:t>
+                      </a:r>
+                      <a:endParaRPr lang="ko-KR" altLang="en-US" dirty="0"/>
+                    </a:p>
+                  </a:txBody>
+                  <a:tcPr>
+                    <a:noFill/>
+                  </a:tcPr>
+                </a:tc>
+                <a:tc>
+                  <a:txBody>
+                    <a:bodyPr/>
+                    <a:lstStyle/>
+                    <a:p>
+                      <a:pPr latinLnBrk="1"/>
+                      <a:r>
+                        <a:rPr lang="en-US" altLang="ko-KR" dirty="0" smtClean="0"/>
+                        <a:t>- </a:t>
+                      </a:r>
+                      <a:r>
+                        <a:rPr lang="ko-KR" altLang="en-US" dirty="0" smtClean="0"/>
+                        <a:t>지정된 파일의 사이즈를 측정</a:t>
+                      </a:r>
+                      <a:endParaRPr lang="ko-KR" altLang="en-US" dirty="0"/>
+                    </a:p>
+                  </a:txBody>
+                  <a:tcPr>
+                    <a:noFill/>
+                  </a:tcPr>
+                </a:tc>
+                <a:extLst>
+                  <a:ext uri="{0D108BD9-81ED-4DB2-BD59-A6C34878D82A}">
+                    <a16:rowId xmlns:a16="http://schemas.microsoft.com/office/drawing/2014/main" val="1969393848"/>
+                  </a:ext>
+                </a:extLst>
+              </a:tr>
+            </a:tbl>
+          </a:graphicData>
+        </a:graphic>
+      </p:graphicFrame>
+    </p:spTree>
+    <p:extLst>
+      <p:ext uri="{BB962C8B-B14F-4D97-AF65-F5344CB8AC3E}">
+        <p14:creationId xmlns:p14="http://schemas.microsoft.com/office/powerpoint/2010/main" val="1682320300"/>
+      </p:ext>
+    </p:extLst>
+  </p:cSld>
+  <p:clrMapOvr>
+    <a:masterClrMapping/>
+  </p:clrMapOvr>
+  <p:timing>
+    <p:tnLst>
+      <p:par>
+        <p:cTn id="1" dur="indefinite" restart="never" nodeType="tmRoot"/>
+      </p:par>
+    </p:tnLst>
+  </p:timing>
+</p:sld>
+</file>
+
+<file path=ppt/slides/slide9.xml><?xml version="1.0" encoding="utf-8"?>
+<p:sld xmlns:a="http://schemas.openxmlformats.org/drawingml/2006/main" xmlns:r="http://schemas.openxmlformats.org/officeDocument/2006/relationships" xmlns:p="http://schemas.openxmlformats.org/presentationml/2006/main">
+  <p:cSld>
+    <p:spTree>
+      <p:nvGrpSpPr>
+        <p:cNvPr id="1" name=""/>
+        <p:cNvGrpSpPr/>
+        <p:nvPr/>
+      </p:nvGrpSpPr>
+      <p:grpSpPr>
+        <a:xfrm>
+          <a:off x="0" y="0"/>
+          <a:ext cx="0" cy="0"/>
+          <a:chOff x="0" y="0"/>
+          <a:chExt cx="0" cy="0"/>
+        </a:xfrm>
+      </p:grpSpPr>
+      <p:sp>
+        <p:nvSpPr>
+          <p:cNvPr id="2" name="제목 1"/>
+          <p:cNvSpPr>
+            <a:spLocks noGrp="1"/>
+          </p:cNvSpPr>
+          <p:nvPr>
+            <p:ph type="title"/>
+          </p:nvPr>
+        </p:nvSpPr>
+        <p:spPr/>
+        <p:txBody>
+          <a:bodyPr/>
+          <a:lstStyle/>
+          <a:p>
+            <a:r>
+              <a:rPr lang="ko-KR" altLang="en-US" b="1" dirty="0" smtClean="0"/>
+              <a:t>클래스 구성</a:t>
+            </a:r>
+            <a:endParaRPr lang="ko-KR" altLang="en-US" b="1" dirty="0"/>
+          </a:p>
+        </p:txBody>
+      </p:sp>
+      <p:graphicFrame>
+        <p:nvGraphicFramePr>
+          <p:cNvPr id="11" name="표 10"/>
+          <p:cNvGraphicFramePr>
+            <a:graphicFrameLocks noGrp="1"/>
+          </p:cNvGraphicFramePr>
+          <p:nvPr>
+            <p:extLst>
+              <p:ext uri="{D42A27DB-BD31-4B8C-83A1-F6EECF244321}">
+                <p14:modId xmlns:p14="http://schemas.microsoft.com/office/powerpoint/2010/main" val="369372564"/>
+              </p:ext>
+            </p:extLst>
+          </p:nvPr>
+        </p:nvGraphicFramePr>
+        <p:xfrm>
+          <a:off x="877824" y="1908386"/>
+          <a:ext cx="10277857" cy="3850640"/>
+        </p:xfrm>
+        <a:graphic>
+          <a:graphicData uri="http://schemas.openxmlformats.org/drawingml/2006/table">
+            <a:tbl>
+              <a:tblPr firstRow="1" bandRow="1">
+                <a:tableStyleId>{BDBED569-4797-4DF1-A0F4-6AAB3CD982D8}</a:tableStyleId>
+              </a:tblPr>
+              <a:tblGrid>
+                <a:gridCol w="1239404">
+                  <a:extLst>
+                    <a:ext uri="{9D8B030D-6E8A-4147-A177-3AD203B41FA5}">
+                      <a16:colId xmlns:a16="http://schemas.microsoft.com/office/drawing/2014/main" val="1102246149"/>
+                    </a:ext>
+                  </a:extLst>
+                </a:gridCol>
+                <a:gridCol w="3131428">
+                  <a:extLst>
+                    <a:ext uri="{9D8B030D-6E8A-4147-A177-3AD203B41FA5}">
+                      <a16:colId xmlns:a16="http://schemas.microsoft.com/office/drawing/2014/main" val="2377512666"/>
+                    </a:ext>
+                  </a:extLst>
+                </a:gridCol>
+                <a:gridCol w="5907025">
+                  <a:extLst>
+                    <a:ext uri="{9D8B030D-6E8A-4147-A177-3AD203B41FA5}">
+                      <a16:colId xmlns:a16="http://schemas.microsoft.com/office/drawing/2014/main" val="223920893"/>
+                    </a:ext>
+                  </a:extLst>
+                </a:gridCol>
+              </a:tblGrid>
+              <a:tr h="370840">
+                <a:tc>
+                  <a:txBody>
+                    <a:bodyPr/>
+                    <a:lstStyle/>
+                    <a:p>
+                      <a:pPr algn="ctr" latinLnBrk="1"/>
+                      <a:r>
+                        <a:rPr lang="ko-KR" altLang="en-US" dirty="0" err="1" smtClean="0"/>
+                        <a:t>클래스명</a:t>
+                      </a:r>
+                      <a:endParaRPr lang="ko-KR" altLang="en-US" dirty="0"/>
+                    </a:p>
+                  </a:txBody>
+                  <a:tcPr>
+                    <a:solidFill>
+                      <a:schemeClr val="accent1"/>
+                    </a:solidFill>
+                  </a:tcPr>
+                </a:tc>
+                <a:tc>
+                  <a:txBody>
+                    <a:bodyPr/>
+                    <a:lstStyle/>
+                    <a:p>
+                      <a:pPr algn="ctr" latinLnBrk="1"/>
+                      <a:r>
+                        <a:rPr lang="ko-KR" altLang="en-US" dirty="0" err="1" smtClean="0"/>
+                        <a:t>함수명</a:t>
+                      </a:r>
+                      <a:endParaRPr lang="ko-KR" altLang="en-US" dirty="0"/>
+                    </a:p>
+                  </a:txBody>
+                  <a:tcPr>
+                    <a:solidFill>
+                      <a:schemeClr val="accent1"/>
+                    </a:solidFill>
+                  </a:tcPr>
+                </a:tc>
+                <a:tc>
+                  <a:txBody>
+                    <a:bodyPr/>
+                    <a:lstStyle/>
+                    <a:p>
+                      <a:pPr algn="ctr" latinLnBrk="1"/>
+                      <a:r>
+                        <a:rPr lang="ko-KR" altLang="en-US" dirty="0" err="1" smtClean="0"/>
+                        <a:t>함수역할</a:t>
+                      </a:r>
+                      <a:endParaRPr lang="ko-KR" altLang="en-US" dirty="0"/>
+                    </a:p>
+                  </a:txBody>
+                  <a:tcPr>
+                    <a:solidFill>
+                      <a:schemeClr val="accent1"/>
+                    </a:solidFill>
+                  </a:tcPr>
+                </a:tc>
+                <a:extLst>
+                  <a:ext uri="{0D108BD9-81ED-4DB2-BD59-A6C34878D82A}">
+                    <a16:rowId xmlns:a16="http://schemas.microsoft.com/office/drawing/2014/main" val="739883533"/>
+                  </a:ext>
+                </a:extLst>
+              </a:tr>
+              <a:tr h="370840">
+                <a:tc rowSpan="2">
+                  <a:txBody>
+                    <a:bodyPr/>
+                    <a:lstStyle/>
+                    <a:p>
+                      <a:pPr algn="ctr" latinLnBrk="1"/>
+                      <a:r>
+                        <a:rPr lang="en-US" altLang="ko-KR" dirty="0" smtClean="0"/>
+                        <a:t>Timestamp</a:t>
+                      </a:r>
+                      <a:endParaRPr lang="ko-KR" altLang="en-US" dirty="0"/>
+                    </a:p>
+                  </a:txBody>
+                  <a:tcPr anchor="ctr">
+                    <a:noFill/>
+                  </a:tcPr>
+                </a:tc>
+                <a:tc>
+                  <a:txBody>
+                    <a:bodyPr/>
+                    <a:lstStyle/>
+                    <a:p>
+                      <a:pPr algn="ctr" latinLnBrk="1"/>
+                      <a:r>
+                        <a:rPr lang="en-US" altLang="ko-KR" sz="1800" kern="1200" dirty="0" smtClean="0">
+                          <a:solidFill>
+                            <a:schemeClr val="tx1"/>
+                          </a:solidFill>
+                          <a:latin typeface="+mn-lt"/>
+                          <a:ea typeface="+mn-ea"/>
+                          <a:cs typeface="+mn-cs"/>
+                        </a:rPr>
+                        <a:t>current()</a:t>
+                      </a:r>
+                      <a:endParaRPr lang="ko-KR" altLang="en-US" dirty="0"/>
+                    </a:p>
+                  </a:txBody>
+                  <a:tcPr>
+                    <a:noFill/>
+                  </a:tcPr>
+                </a:tc>
+                <a:tc>
+                  <a:txBody>
+                    <a:bodyPr/>
+                    <a:lstStyle/>
+                    <a:p>
+                      <a:pPr latinLnBrk="1"/>
+                      <a:r>
+                        <a:rPr lang="en-US" altLang="ko-KR" dirty="0" smtClean="0"/>
+                        <a:t>- </a:t>
+                      </a:r>
+                      <a:r>
+                        <a:rPr lang="ko-KR" altLang="en-US" dirty="0" smtClean="0"/>
+                        <a:t>지정된 파일에 로깅 기록을 위한 현재 날짜 및 시간을 구함</a:t>
+                      </a:r>
+                      <a:r>
+                        <a:rPr lang="en-US" altLang="ko-KR" dirty="0" smtClean="0"/>
+                        <a:t>.</a:t>
+                      </a:r>
+                      <a:endParaRPr lang="ko-KR" altLang="en-US" dirty="0"/>
+                    </a:p>
+                  </a:txBody>
+                  <a:tcPr>
+                    <a:noFill/>
+                  </a:tcPr>
+                </a:tc>
+                <a:extLst>
+                  <a:ext uri="{0D108BD9-81ED-4DB2-BD59-A6C34878D82A}">
+                    <a16:rowId xmlns:a16="http://schemas.microsoft.com/office/drawing/2014/main" val="1711245774"/>
+                  </a:ext>
+                </a:extLst>
+              </a:tr>
+              <a:tr h="370840">
+                <a:tc vMerge="1">
+                  <a:txBody>
+                    <a:bodyPr/>
+                    <a:lstStyle/>
+                    <a:p>
+                      <a:pPr latinLnBrk="1"/>
+                      <a:endParaRPr lang="ko-KR" altLang="en-US" dirty="0"/>
+                    </a:p>
+                  </a:txBody>
+                  <a:tcPr/>
+                </a:tc>
+                <a:tc>
+                  <a:txBody>
+                    <a:bodyPr/>
+                    <a:lstStyle/>
+                    <a:p>
+                      <a:pPr algn="ctr" latinLnBrk="1"/>
+                      <a:r>
+                        <a:rPr lang="en-US" altLang="ko-KR" sz="1800" kern="1200" dirty="0" err="1" smtClean="0">
+                          <a:solidFill>
+                            <a:schemeClr val="tx1"/>
+                          </a:solidFill>
+                          <a:latin typeface="+mn-lt"/>
+                          <a:ea typeface="+mn-ea"/>
+                          <a:cs typeface="+mn-cs"/>
+                        </a:rPr>
+                        <a:t>toString</a:t>
+                      </a:r>
+                      <a:r>
+                        <a:rPr lang="en-US" altLang="ko-KR" sz="1800" kern="1200" dirty="0" smtClean="0">
+                          <a:solidFill>
+                            <a:schemeClr val="tx1"/>
+                          </a:solidFill>
+                          <a:latin typeface="+mn-lt"/>
+                          <a:ea typeface="+mn-ea"/>
+                          <a:cs typeface="+mn-cs"/>
+                        </a:rPr>
+                        <a:t>()</a:t>
+                      </a:r>
+                      <a:endParaRPr lang="ko-KR" altLang="en-US" dirty="0"/>
+                    </a:p>
+                  </a:txBody>
+                  <a:tcPr/>
+                </a:tc>
+                <a:tc>
+                  <a:txBody>
+                    <a:bodyPr/>
+                    <a:lstStyle/>
+                    <a:p>
+                      <a:pPr latinLnBrk="1"/>
+                      <a:r>
+                        <a:rPr lang="en-US" altLang="ko-KR" dirty="0" smtClean="0"/>
+                        <a:t>- </a:t>
+                      </a:r>
+                      <a:r>
+                        <a:rPr lang="ko-KR" altLang="en-US" dirty="0" smtClean="0"/>
+                        <a:t>지정된 파일에 로깅 기록을 위한 현재 날짜 및 시간을 문자열로 변환</a:t>
+                      </a:r>
+                      <a:endParaRPr lang="ko-KR" altLang="en-US" dirty="0"/>
+                    </a:p>
+                  </a:txBody>
+                  <a:tcPr/>
+                </a:tc>
+                <a:extLst>
+                  <a:ext uri="{0D108BD9-81ED-4DB2-BD59-A6C34878D82A}">
+                    <a16:rowId xmlns:a16="http://schemas.microsoft.com/office/drawing/2014/main" val="1506969098"/>
+                  </a:ext>
+                </a:extLst>
+              </a:tr>
+              <a:tr h="370840">
+                <a:tc rowSpan="2">
+                  <a:txBody>
+                    <a:bodyPr/>
+                    <a:lstStyle/>
+                    <a:p>
+                      <a:pPr algn="ctr" latinLnBrk="1"/>
+                      <a:r>
+                        <a:rPr lang="en-US" altLang="ko-KR" dirty="0" err="1" smtClean="0"/>
+                        <a:t>FileTimestamp</a:t>
+                      </a:r>
+                      <a:endParaRPr lang="ko-KR" altLang="en-US" dirty="0"/>
+                    </a:p>
+                  </a:txBody>
+                  <a:tcPr anchor="ctr">
+                    <a:noFill/>
+                  </a:tcPr>
+                </a:tc>
+                <a:tc>
+                  <a:txBody>
+                    <a:bodyPr/>
+                    <a:lstStyle/>
+                    <a:p>
+                      <a:pPr algn="ctr" latinLnBrk="1"/>
+                      <a:r>
+                        <a:rPr lang="en-US" altLang="ko-KR" sz="1800" kern="1200" dirty="0" smtClean="0">
+                          <a:solidFill>
+                            <a:schemeClr val="tx1"/>
+                          </a:solidFill>
+                          <a:latin typeface="+mn-lt"/>
+                          <a:ea typeface="+mn-ea"/>
+                          <a:cs typeface="+mn-cs"/>
+                        </a:rPr>
+                        <a:t>current()</a:t>
+                      </a:r>
+                      <a:endParaRPr lang="ko-KR" altLang="en-US" dirty="0"/>
+                    </a:p>
+                  </a:txBody>
+                  <a:tcPr>
+                    <a:noFill/>
+                  </a:tcPr>
+                </a:tc>
+                <a:tc>
+                  <a:txBody>
+                    <a:bodyPr/>
+                    <a:lstStyle/>
+                    <a:p>
+                      <a:pPr latinLnBrk="1"/>
+                      <a:r>
+                        <a:rPr lang="en-US" altLang="ko-KR" dirty="0" smtClean="0"/>
+                        <a:t>- </a:t>
+                      </a:r>
+                      <a:r>
+                        <a:rPr lang="en-US" altLang="ko-KR" dirty="0" smtClean="0"/>
+                        <a:t> </a:t>
+                      </a:r>
+                      <a:r>
+                        <a:rPr lang="ko-KR" altLang="en-US" dirty="0" smtClean="0"/>
+                        <a:t>파일이름을 정하기 위하여 현재 </a:t>
+                      </a:r>
+                      <a:r>
+                        <a:rPr lang="ko-KR" altLang="en-US" dirty="0" smtClean="0"/>
+                        <a:t>날짜 및 시간을 구함</a:t>
+                      </a:r>
+                      <a:r>
+                        <a:rPr lang="en-US" altLang="ko-KR" dirty="0" smtClean="0"/>
+                        <a:t>.</a:t>
+                      </a:r>
+                      <a:endParaRPr lang="ko-KR" altLang="en-US" dirty="0"/>
+                    </a:p>
+                  </a:txBody>
+                  <a:tcPr>
+                    <a:noFill/>
+                  </a:tcPr>
+                </a:tc>
+                <a:extLst>
+                  <a:ext uri="{0D108BD9-81ED-4DB2-BD59-A6C34878D82A}">
+                    <a16:rowId xmlns:a16="http://schemas.microsoft.com/office/drawing/2014/main" val="1030884307"/>
+                  </a:ext>
+                </a:extLst>
+              </a:tr>
+              <a:tr h="370840">
+                <a:tc vMerge="1">
+                  <a:txBody>
+                    <a:bodyPr/>
+                    <a:lstStyle/>
+                    <a:p>
+                      <a:pPr latinLnBrk="1"/>
+                      <a:endParaRPr lang="ko-KR" altLang="en-US" dirty="0"/>
+                    </a:p>
+                  </a:txBody>
+                  <a:tcPr/>
+                </a:tc>
+                <a:tc>
+                  <a:txBody>
+                    <a:bodyPr/>
+                    <a:lstStyle/>
+                    <a:p>
+                      <a:pPr algn="ctr" latinLnBrk="1"/>
+                      <a:r>
+                        <a:rPr lang="en-US" altLang="ko-KR" sz="1800" kern="1200" dirty="0" err="1" smtClean="0">
+                          <a:solidFill>
+                            <a:schemeClr val="tx1"/>
+                          </a:solidFill>
+                          <a:latin typeface="+mn-lt"/>
+                          <a:ea typeface="+mn-ea"/>
+                          <a:cs typeface="+mn-cs"/>
+                        </a:rPr>
+                        <a:t>toString</a:t>
+                      </a:r>
+                      <a:r>
+                        <a:rPr lang="en-US" altLang="ko-KR" sz="1800" kern="1200" dirty="0" smtClean="0">
+                          <a:solidFill>
+                            <a:schemeClr val="tx1"/>
+                          </a:solidFill>
+                          <a:latin typeface="+mn-lt"/>
+                          <a:ea typeface="+mn-ea"/>
+                          <a:cs typeface="+mn-cs"/>
+                        </a:rPr>
+                        <a:t>()</a:t>
+                      </a:r>
+                      <a:endParaRPr lang="ko-KR" altLang="en-US" dirty="0"/>
+                    </a:p>
+                  </a:txBody>
+                  <a:tcPr/>
+                </a:tc>
+                <a:tc>
+                  <a:txBody>
+                    <a:bodyPr/>
+                    <a:lstStyle/>
+                    <a:p>
+                      <a:pPr marL="285750" indent="-285750" latinLnBrk="1">
+                        <a:buFontTx/>
+                        <a:buChar char="-"/>
+                      </a:pPr>
+                      <a:r>
+                        <a:rPr lang="ko-KR" altLang="en-US" baseline="0" dirty="0" smtClean="0"/>
+                        <a:t>파일이름을 정하기 위해 구한 </a:t>
+                      </a:r>
+                      <a:r>
+                        <a:rPr lang="ko-KR" altLang="en-US" dirty="0" smtClean="0"/>
+                        <a:t>현재 </a:t>
+                      </a:r>
+                      <a:r>
+                        <a:rPr lang="ko-KR" altLang="en-US" dirty="0" smtClean="0"/>
+                        <a:t>날짜 및 시간을 문자열로 </a:t>
+                      </a:r>
+                      <a:r>
+                        <a:rPr lang="ko-KR" altLang="en-US" dirty="0" smtClean="0"/>
+                        <a:t>변환</a:t>
+                      </a:r>
+                      <a:endParaRPr lang="en-US" altLang="ko-KR" dirty="0" smtClean="0"/>
+                    </a:p>
+                    <a:p>
+                      <a:pPr marL="285750" indent="-285750" latinLnBrk="1">
+                        <a:buFontTx/>
+                        <a:buChar char="-"/>
+                      </a:pPr>
+                      <a:r>
+                        <a:rPr lang="ko-KR" altLang="en-US" dirty="0" smtClean="0"/>
+                        <a:t>파일이름 </a:t>
+                      </a:r>
+                      <a:r>
+                        <a:rPr lang="en-US" altLang="ko-KR" dirty="0" smtClean="0"/>
+                        <a:t>:  </a:t>
+                      </a:r>
+                      <a:r>
+                        <a:rPr lang="ko-KR" altLang="en-US" dirty="0" err="1" smtClean="0"/>
+                        <a:t>로깅레벨</a:t>
+                      </a:r>
+                      <a:r>
+                        <a:rPr lang="ko-KR" altLang="en-US" dirty="0" smtClean="0"/>
+                        <a:t> </a:t>
+                      </a:r>
+                      <a:r>
+                        <a:rPr lang="en-US" altLang="ko-KR" dirty="0" smtClean="0"/>
+                        <a:t>+ </a:t>
+                      </a:r>
+                      <a:r>
+                        <a:rPr lang="ko-KR" altLang="en-US" dirty="0" err="1" smtClean="0"/>
+                        <a:t>현재날짜</a:t>
+                      </a:r>
+                      <a:r>
+                        <a:rPr lang="ko-KR" altLang="en-US" dirty="0" smtClean="0"/>
+                        <a:t> 및 시간 </a:t>
+                      </a:r>
+                      <a:r>
+                        <a:rPr lang="en-US" altLang="ko-KR" dirty="0" smtClean="0"/>
+                        <a:t>+ </a:t>
+                      </a:r>
+                      <a:r>
+                        <a:rPr lang="ko-KR" altLang="en-US" dirty="0" err="1" smtClean="0"/>
+                        <a:t>파일번호</a:t>
+                      </a:r>
+                      <a:r>
+                        <a:rPr lang="en-US" altLang="ko-KR" dirty="0" smtClean="0"/>
+                        <a:t>.log</a:t>
+                      </a:r>
+                      <a:endParaRPr lang="ko-KR" altLang="en-US" dirty="0"/>
+                    </a:p>
+                  </a:txBody>
+                  <a:tcPr/>
+                </a:tc>
+                <a:extLst>
+                  <a:ext uri="{0D108BD9-81ED-4DB2-BD59-A6C34878D82A}">
+                    <a16:rowId xmlns:a16="http://schemas.microsoft.com/office/drawing/2014/main" val="1947359717"/>
+                  </a:ext>
+                </a:extLst>
+              </a:tr>
+              <a:tr h="370840">
+                <a:tc>
+                  <a:txBody>
+                    <a:bodyPr/>
+                    <a:lstStyle/>
+                    <a:p>
+                      <a:pPr latinLnBrk="1"/>
+                      <a:r>
+                        <a:rPr lang="en-US" altLang="ko-KR" dirty="0" smtClean="0"/>
+                        <a:t>Context</a:t>
+                      </a:r>
+                      <a:endParaRPr lang="ko-KR" altLang="en-US" dirty="0"/>
+                    </a:p>
+                  </a:txBody>
+                  <a:tcPr>
+                    <a:noFill/>
+                  </a:tcPr>
+                </a:tc>
+                <a:tc>
+                  <a:txBody>
+                    <a:bodyPr/>
+                    <a:lstStyle/>
+                    <a:p>
+                      <a:pPr algn="ctr" latinLnBrk="1"/>
+                      <a:r>
+                        <a:rPr lang="en-US" altLang="ko-KR" sz="1800" kern="1200" dirty="0" err="1" smtClean="0">
+                          <a:solidFill>
+                            <a:schemeClr val="tx1"/>
+                          </a:solidFill>
+                          <a:latin typeface="+mn-lt"/>
+                          <a:ea typeface="+mn-ea"/>
+                          <a:cs typeface="+mn-cs"/>
+                        </a:rPr>
+                        <a:t>toString</a:t>
+                      </a:r>
+                      <a:r>
+                        <a:rPr lang="en-US" altLang="ko-KR" sz="1800" kern="1200" dirty="0" smtClean="0">
+                          <a:solidFill>
+                            <a:schemeClr val="tx1"/>
+                          </a:solidFill>
+                          <a:latin typeface="+mn-lt"/>
+                          <a:ea typeface="+mn-ea"/>
+                          <a:cs typeface="+mn-cs"/>
+                        </a:rPr>
+                        <a:t>()</a:t>
+                      </a:r>
+                      <a:endParaRPr lang="ko-KR" altLang="en-US" dirty="0"/>
+                    </a:p>
+                  </a:txBody>
+                  <a:tcPr>
+                    <a:noFill/>
+                  </a:tcPr>
+                </a:tc>
+                <a:tc>
+                  <a:txBody>
+                    <a:bodyPr/>
+                    <a:lstStyle/>
+                    <a:p>
+                      <a:pPr latinLnBrk="1"/>
+                      <a:r>
+                        <a:rPr lang="en-US" altLang="ko-KR" dirty="0" smtClean="0"/>
+                        <a:t>-</a:t>
+                      </a:r>
+                      <a:r>
+                        <a:rPr lang="en-US" altLang="ko-KR" baseline="0" dirty="0" smtClean="0"/>
+                        <a:t> </a:t>
+                      </a:r>
+                      <a:r>
+                        <a:rPr lang="ko-KR" altLang="en-US" baseline="0" dirty="0" smtClean="0"/>
+                        <a:t>로깅을 기록할 때 </a:t>
+                      </a:r>
+                      <a:r>
+                        <a:rPr kumimoji="1" lang="ko-KR" altLang="en-US" dirty="0" smtClean="0"/>
+                        <a:t>소스 파일의 어떤 함수</a:t>
+                      </a:r>
+                      <a:r>
+                        <a:rPr kumimoji="1" lang="en-US" altLang="ko-KR" dirty="0" smtClean="0"/>
+                        <a:t>,</a:t>
+                      </a:r>
+                      <a:r>
+                        <a:rPr kumimoji="1" lang="ko-KR" altLang="en-US" dirty="0" smtClean="0"/>
+                        <a:t> 어떤 위치에서 발생한 정보인지 </a:t>
+                      </a:r>
+                      <a:r>
+                        <a:rPr kumimoji="1" lang="ko-KR" altLang="en-US" baseline="0" dirty="0" smtClean="0"/>
+                        <a:t> 문자열로 저장함</a:t>
+                      </a:r>
+                      <a:r>
+                        <a:rPr kumimoji="1" lang="en-US" altLang="ko-KR" baseline="0" dirty="0" smtClean="0"/>
+                        <a:t>. </a:t>
+                      </a:r>
+                      <a:endParaRPr lang="ko-KR" altLang="en-US" dirty="0"/>
+                    </a:p>
+                  </a:txBody>
+                  <a:tcPr>
+                    <a:noFill/>
+                  </a:tcPr>
+                </a:tc>
+                <a:extLst>
+                  <a:ext uri="{0D108BD9-81ED-4DB2-BD59-A6C34878D82A}">
+                    <a16:rowId xmlns:a16="http://schemas.microsoft.com/office/drawing/2014/main" val="1969393848"/>
+                  </a:ext>
+                </a:extLst>
+              </a:tr>
+            </a:tbl>
+          </a:graphicData>
+        </a:graphic>
+      </p:graphicFrame>
+    </p:spTree>
+    <p:extLst>
+      <p:ext uri="{BB962C8B-B14F-4D97-AF65-F5344CB8AC3E}">
+        <p14:creationId xmlns:p14="http://schemas.microsoft.com/office/powerpoint/2010/main" val="1078649214"/>
       </p:ext>
     </p:extLst>
   </p:cSld>

--- a/전태준_C++프로젝트(201022).pptx
+++ b/전태준_C++프로젝트(201022).pptx
@@ -24669,7 +24669,13 @@
           <p:cNvGraphicFramePr>
             <a:graphicFrameLocks noGrp="1"/>
           </p:cNvGraphicFramePr>
-          <p:nvPr/>
+          <p:nvPr>
+            <p:extLst>
+              <p:ext uri="{D42A27DB-BD31-4B8C-83A1-F6EECF244321}">
+                <p14:modId xmlns:p14="http://schemas.microsoft.com/office/powerpoint/2010/main" val="2415193865"/>
+              </p:ext>
+            </p:extLst>
+          </p:nvPr>
         </p:nvGraphicFramePr>
         <p:xfrm>
           <a:off x="987551" y="1975274"/>
@@ -24860,6 +24866,23 @@
                           <a:sym typeface="Wingdings" panose="05000000000000000000" pitchFamily="2" charset="2"/>
                         </a:rPr>
                         <a:t>.</a:t>
+                      </a:r>
+                      <a:br>
+                        <a:rPr kumimoji="1" lang="en-US" altLang="ko-KR" dirty="0" smtClean="0">
+                          <a:sym typeface="Wingdings" panose="05000000000000000000" pitchFamily="2" charset="2"/>
+                        </a:rPr>
+                      </a:br>
+                      <a:r>
+                        <a:rPr kumimoji="1" lang="ko-KR" altLang="en-US" dirty="0" smtClean="0">
+                          <a:sym typeface="Wingdings" panose="05000000000000000000" pitchFamily="2" charset="2"/>
+                        </a:rPr>
+                        <a:t>디스플레이에 출력 원할 경우 </a:t>
+                      </a:r>
+                      <a:r>
+                        <a:rPr kumimoji="1" lang="ko-KR" altLang="en-US" dirty="0" err="1" smtClean="0">
+                          <a:sym typeface="Wingdings" panose="05000000000000000000" pitchFamily="2" charset="2"/>
+                        </a:rPr>
+                        <a:t>세팅가능함</a:t>
                       </a:r>
                       <a:endParaRPr kumimoji="1" lang="en-US" altLang="ko-KR" dirty="0" smtClean="0"/>
                     </a:p>

--- a/전태준_C++프로젝트(201022).pptx
+++ b/전태준_C++프로젝트(201022).pptx
@@ -26713,7 +26713,7 @@
         <p:spPr/>
         <p:txBody>
           <a:bodyPr>
-            <a:normAutofit fontScale="77500" lnSpcReduction="20000"/>
+            <a:normAutofit fontScale="85000" lnSpcReduction="20000"/>
           </a:bodyPr>
           <a:lstStyle/>
           <a:p>
@@ -26914,19 +26914,7 @@
               <a:rPr kumimoji="1" lang="ko-KR" altLang="en-US" dirty="0" smtClean="0">
                 <a:sym typeface="Wingdings" panose="05000000000000000000" pitchFamily="2" charset="2"/>
               </a:rPr>
-              <a:t>로 설정되어 있는데 이를 사용자가 변경할 수 있도록 </a:t>
-            </a:r>
-            <a:r>
-              <a:rPr kumimoji="1" lang="ko-KR" altLang="en-US" dirty="0" err="1" smtClean="0">
-                <a:sym typeface="Wingdings" panose="05000000000000000000" pitchFamily="2" charset="2"/>
-              </a:rPr>
-              <a:t>싱글톤을</a:t>
-            </a:r>
-            <a:r>
-              <a:rPr kumimoji="1" lang="ko-KR" altLang="en-US" dirty="0" smtClean="0">
-                <a:sym typeface="Wingdings" panose="05000000000000000000" pitchFamily="2" charset="2"/>
-              </a:rPr>
-              <a:t> 이용한 추가가 필요합니다</a:t>
+              <a:t>로 설정되어 있는데 이를 사용자가 변경할 수 있도록 추가가 필요합니다</a:t>
             </a:r>
             <a:r>
               <a:rPr kumimoji="1" lang="en-US" altLang="ko-KR" dirty="0" smtClean="0">
